--- a/04-RequirementsCont.pptx
+++ b/04-RequirementsCont.pptx
@@ -5,15 +5,31 @@
     <p:sldMasterId id="2147483912" r:id="rId4"/>
   </p:sldMasterIdLst>
   <p:notesMasterIdLst>
-    <p:notesMasterId r:id="rId11"/>
+    <p:notesMasterId r:id="rId27"/>
   </p:notesMasterIdLst>
   <p:sldIdLst>
     <p:sldId id="256" r:id="rId5"/>
     <p:sldId id="277" r:id="rId6"/>
-    <p:sldId id="280" r:id="rId7"/>
-    <p:sldId id="281" r:id="rId8"/>
-    <p:sldId id="308" r:id="rId9"/>
-    <p:sldId id="279" r:id="rId10"/>
+    <p:sldId id="310" r:id="rId7"/>
+    <p:sldId id="311" r:id="rId8"/>
+    <p:sldId id="312" r:id="rId9"/>
+    <p:sldId id="313" r:id="rId10"/>
+    <p:sldId id="314" r:id="rId11"/>
+    <p:sldId id="315" r:id="rId12"/>
+    <p:sldId id="320" r:id="rId13"/>
+    <p:sldId id="316" r:id="rId14"/>
+    <p:sldId id="309" r:id="rId15"/>
+    <p:sldId id="280" r:id="rId16"/>
+    <p:sldId id="281" r:id="rId17"/>
+    <p:sldId id="308" r:id="rId18"/>
+    <p:sldId id="317" r:id="rId19"/>
+    <p:sldId id="321" r:id="rId20"/>
+    <p:sldId id="322" r:id="rId21"/>
+    <p:sldId id="323" r:id="rId22"/>
+    <p:sldId id="324" r:id="rId23"/>
+    <p:sldId id="318" r:id="rId24"/>
+    <p:sldId id="319" r:id="rId25"/>
+    <p:sldId id="279" r:id="rId26"/>
   </p:sldIdLst>
   <p:sldSz cx="12192000" cy="6858000"/>
   <p:notesSz cx="6858000" cy="9144000"/>
@@ -119,9 +135,25 @@
           <p14:sldIdLst>
             <p14:sldId id="256"/>
             <p14:sldId id="277"/>
+            <p14:sldId id="310"/>
+            <p14:sldId id="311"/>
+            <p14:sldId id="312"/>
+            <p14:sldId id="313"/>
+            <p14:sldId id="314"/>
+            <p14:sldId id="315"/>
+            <p14:sldId id="320"/>
+            <p14:sldId id="316"/>
+            <p14:sldId id="309"/>
             <p14:sldId id="280"/>
             <p14:sldId id="281"/>
             <p14:sldId id="308"/>
+            <p14:sldId id="317"/>
+            <p14:sldId id="321"/>
+            <p14:sldId id="322"/>
+            <p14:sldId id="323"/>
+            <p14:sldId id="324"/>
+            <p14:sldId id="318"/>
+            <p14:sldId id="319"/>
             <p14:sldId id="279"/>
           </p14:sldIdLst>
         </p14:section>
@@ -222,7 +254,7 @@
           <a:p>
             <a:fld id="{761991DB-DEE8-4174-9435-9D9F721C6C6A}" type="datetimeFigureOut">
               <a:rPr lang="en-US"/>
-              <a:t>1/25/2015</a:t>
+              <a:t>2/1/2015</a:t>
             </a:fld>
             <a:endParaRPr lang="en-US"/>
           </a:p>
@@ -573,6 +605,866 @@
 </p:notes>
 </file>
 
+<file path=ppt/notesSlides/notesSlide10.xml><?xml version="1.0" encoding="utf-8"?>
+<p:notes xmlns:a="http://schemas.openxmlformats.org/drawingml/2006/main" xmlns:r="http://schemas.openxmlformats.org/officeDocument/2006/relationships" xmlns:p="http://schemas.openxmlformats.org/presentationml/2006/main">
+  <p:cSld>
+    <p:spTree>
+      <p:nvGrpSpPr>
+        <p:cNvPr id="1" name=""/>
+        <p:cNvGrpSpPr/>
+        <p:nvPr/>
+      </p:nvGrpSpPr>
+      <p:grpSpPr>
+        <a:xfrm>
+          <a:off x="0" y="0"/>
+          <a:ext cx="0" cy="0"/>
+          <a:chOff x="0" y="0"/>
+          <a:chExt cx="0" cy="0"/>
+        </a:xfrm>
+      </p:grpSpPr>
+      <p:sp>
+        <p:nvSpPr>
+          <p:cNvPr id="2" name="Slide Image Placeholder 1"/>
+          <p:cNvSpPr>
+            <a:spLocks noGrp="1" noRot="1" noChangeAspect="1"/>
+          </p:cNvSpPr>
+          <p:nvPr>
+            <p:ph type="sldImg"/>
+          </p:nvPr>
+        </p:nvSpPr>
+        <p:spPr/>
+      </p:sp>
+      <p:sp>
+        <p:nvSpPr>
+          <p:cNvPr id="3" name="Notes Placeholder 2"/>
+          <p:cNvSpPr>
+            <a:spLocks noGrp="1"/>
+          </p:cNvSpPr>
+          <p:nvPr>
+            <p:ph type="body" idx="1"/>
+          </p:nvPr>
+        </p:nvSpPr>
+        <p:spPr/>
+        <p:txBody>
+          <a:bodyPr/>
+          <a:lstStyle/>
+          <a:p>
+            <a:r>
+              <a:rPr lang="en-CA" dirty="0" smtClean="0"/>
+              <a:t>Photo credit: http://i717.photobucket.com/albums/ww173/prestonjjrtr/Funny/userfriendly.jpg</a:t>
+            </a:r>
+            <a:endParaRPr lang="en-CA" dirty="0"/>
+          </a:p>
+        </p:txBody>
+      </p:sp>
+      <p:sp>
+        <p:nvSpPr>
+          <p:cNvPr id="4" name="Slide Number Placeholder 3"/>
+          <p:cNvSpPr>
+            <a:spLocks noGrp="1"/>
+          </p:cNvSpPr>
+          <p:nvPr>
+            <p:ph type="sldNum" sz="quarter" idx="10"/>
+          </p:nvPr>
+        </p:nvSpPr>
+        <p:spPr/>
+        <p:txBody>
+          <a:bodyPr/>
+          <a:lstStyle/>
+          <a:p>
+            <a:fld id="{A7666ED7-631A-46AF-B451-227D0A8685A0}" type="slidenum">
+              <a:rPr lang="en-US" smtClean="0"/>
+              <a:t>10</a:t>
+            </a:fld>
+            <a:endParaRPr lang="en-US"/>
+          </a:p>
+        </p:txBody>
+      </p:sp>
+    </p:spTree>
+    <p:extLst>
+      <p:ext uri="{BB962C8B-B14F-4D97-AF65-F5344CB8AC3E}">
+        <p14:creationId xmlns:p14="http://schemas.microsoft.com/office/powerpoint/2010/main" val="3923254282"/>
+      </p:ext>
+    </p:extLst>
+  </p:cSld>
+  <p:clrMapOvr>
+    <a:masterClrMapping/>
+  </p:clrMapOvr>
+</p:notes>
+</file>
+
+<file path=ppt/notesSlides/notesSlide11.xml><?xml version="1.0" encoding="utf-8"?>
+<p:notes xmlns:a="http://schemas.openxmlformats.org/drawingml/2006/main" xmlns:r="http://schemas.openxmlformats.org/officeDocument/2006/relationships" xmlns:p="http://schemas.openxmlformats.org/presentationml/2006/main">
+  <p:cSld>
+    <p:spTree>
+      <p:nvGrpSpPr>
+        <p:cNvPr id="1" name=""/>
+        <p:cNvGrpSpPr/>
+        <p:nvPr/>
+      </p:nvGrpSpPr>
+      <p:grpSpPr>
+        <a:xfrm>
+          <a:off x="0" y="0"/>
+          <a:ext cx="0" cy="0"/>
+          <a:chOff x="0" y="0"/>
+          <a:chExt cx="0" cy="0"/>
+        </a:xfrm>
+      </p:grpSpPr>
+      <p:sp>
+        <p:nvSpPr>
+          <p:cNvPr id="2" name="Slide Image Placeholder 1"/>
+          <p:cNvSpPr>
+            <a:spLocks noGrp="1" noRot="1" noChangeAspect="1"/>
+          </p:cNvSpPr>
+          <p:nvPr>
+            <p:ph type="sldImg"/>
+          </p:nvPr>
+        </p:nvSpPr>
+        <p:spPr/>
+      </p:sp>
+      <p:sp>
+        <p:nvSpPr>
+          <p:cNvPr id="3" name="Notes Placeholder 2"/>
+          <p:cNvSpPr>
+            <a:spLocks noGrp="1"/>
+          </p:cNvSpPr>
+          <p:nvPr>
+            <p:ph type="body" idx="1"/>
+          </p:nvPr>
+        </p:nvSpPr>
+        <p:spPr/>
+        <p:txBody>
+          <a:bodyPr/>
+          <a:lstStyle/>
+          <a:p>
+            <a:endParaRPr lang="en-US" dirty="0"/>
+          </a:p>
+        </p:txBody>
+      </p:sp>
+      <p:sp>
+        <p:nvSpPr>
+          <p:cNvPr id="4" name="Slide Number Placeholder 3"/>
+          <p:cNvSpPr>
+            <a:spLocks noGrp="1"/>
+          </p:cNvSpPr>
+          <p:nvPr>
+            <p:ph type="sldNum" sz="quarter" idx="10"/>
+          </p:nvPr>
+        </p:nvSpPr>
+        <p:spPr/>
+        <p:txBody>
+          <a:bodyPr/>
+          <a:lstStyle/>
+          <a:p>
+            <a:fld id="{A7666ED7-631A-46AF-B451-227D0A8685A0}" type="slidenum">
+              <a:rPr lang="en-US"/>
+              <a:t>11</a:t>
+            </a:fld>
+            <a:endParaRPr lang="en-US"/>
+          </a:p>
+        </p:txBody>
+      </p:sp>
+    </p:spTree>
+    <p:extLst>
+      <p:ext uri="{BB962C8B-B14F-4D97-AF65-F5344CB8AC3E}">
+        <p14:creationId xmlns:p14="http://schemas.microsoft.com/office/powerpoint/2010/main" val="2573449844"/>
+      </p:ext>
+    </p:extLst>
+  </p:cSld>
+  <p:clrMapOvr>
+    <a:masterClrMapping/>
+  </p:clrMapOvr>
+</p:notes>
+</file>
+
+<file path=ppt/notesSlides/notesSlide12.xml><?xml version="1.0" encoding="utf-8"?>
+<p:notes xmlns:a="http://schemas.openxmlformats.org/drawingml/2006/main" xmlns:r="http://schemas.openxmlformats.org/officeDocument/2006/relationships" xmlns:p="http://schemas.openxmlformats.org/presentationml/2006/main">
+  <p:cSld>
+    <p:spTree>
+      <p:nvGrpSpPr>
+        <p:cNvPr id="1" name=""/>
+        <p:cNvGrpSpPr/>
+        <p:nvPr/>
+      </p:nvGrpSpPr>
+      <p:grpSpPr>
+        <a:xfrm>
+          <a:off x="0" y="0"/>
+          <a:ext cx="0" cy="0"/>
+          <a:chOff x="0" y="0"/>
+          <a:chExt cx="0" cy="0"/>
+        </a:xfrm>
+      </p:grpSpPr>
+      <p:sp>
+        <p:nvSpPr>
+          <p:cNvPr id="2" name="Slide Image Placeholder 1"/>
+          <p:cNvSpPr>
+            <a:spLocks noGrp="1" noRot="1" noChangeAspect="1"/>
+          </p:cNvSpPr>
+          <p:nvPr>
+            <p:ph type="sldImg"/>
+          </p:nvPr>
+        </p:nvSpPr>
+        <p:spPr/>
+      </p:sp>
+      <p:sp>
+        <p:nvSpPr>
+          <p:cNvPr id="3" name="Notes Placeholder 2"/>
+          <p:cNvSpPr>
+            <a:spLocks noGrp="1"/>
+          </p:cNvSpPr>
+          <p:nvPr>
+            <p:ph type="body" idx="1"/>
+          </p:nvPr>
+        </p:nvSpPr>
+        <p:spPr/>
+        <p:txBody>
+          <a:bodyPr/>
+          <a:lstStyle/>
+          <a:p>
+            <a:endParaRPr lang="en-US" dirty="0"/>
+          </a:p>
+        </p:txBody>
+      </p:sp>
+      <p:sp>
+        <p:nvSpPr>
+          <p:cNvPr id="4" name="Slide Number Placeholder 3"/>
+          <p:cNvSpPr>
+            <a:spLocks noGrp="1"/>
+          </p:cNvSpPr>
+          <p:nvPr>
+            <p:ph type="sldNum" sz="quarter" idx="10"/>
+          </p:nvPr>
+        </p:nvSpPr>
+        <p:spPr/>
+        <p:txBody>
+          <a:bodyPr/>
+          <a:lstStyle/>
+          <a:p>
+            <a:fld id="{A7666ED7-631A-46AF-B451-227D0A8685A0}" type="slidenum">
+              <a:rPr lang="en-US"/>
+              <a:t>12</a:t>
+            </a:fld>
+            <a:endParaRPr lang="en-US"/>
+          </a:p>
+        </p:txBody>
+      </p:sp>
+    </p:spTree>
+    <p:extLst>
+      <p:ext uri="{BB962C8B-B14F-4D97-AF65-F5344CB8AC3E}">
+        <p14:creationId xmlns:p14="http://schemas.microsoft.com/office/powerpoint/2010/main" val="2257039863"/>
+      </p:ext>
+    </p:extLst>
+  </p:cSld>
+  <p:clrMapOvr>
+    <a:masterClrMapping/>
+  </p:clrMapOvr>
+</p:notes>
+</file>
+
+<file path=ppt/notesSlides/notesSlide13.xml><?xml version="1.0" encoding="utf-8"?>
+<p:notes xmlns:a="http://schemas.openxmlformats.org/drawingml/2006/main" xmlns:r="http://schemas.openxmlformats.org/officeDocument/2006/relationships" xmlns:p="http://schemas.openxmlformats.org/presentationml/2006/main">
+  <p:cSld>
+    <p:spTree>
+      <p:nvGrpSpPr>
+        <p:cNvPr id="1" name=""/>
+        <p:cNvGrpSpPr/>
+        <p:nvPr/>
+      </p:nvGrpSpPr>
+      <p:grpSpPr>
+        <a:xfrm>
+          <a:off x="0" y="0"/>
+          <a:ext cx="0" cy="0"/>
+          <a:chOff x="0" y="0"/>
+          <a:chExt cx="0" cy="0"/>
+        </a:xfrm>
+      </p:grpSpPr>
+      <p:sp>
+        <p:nvSpPr>
+          <p:cNvPr id="2" name="Slide Image Placeholder 1"/>
+          <p:cNvSpPr>
+            <a:spLocks noGrp="1" noRot="1" noChangeAspect="1"/>
+          </p:cNvSpPr>
+          <p:nvPr>
+            <p:ph type="sldImg"/>
+          </p:nvPr>
+        </p:nvSpPr>
+        <p:spPr/>
+      </p:sp>
+      <p:sp>
+        <p:nvSpPr>
+          <p:cNvPr id="3" name="Notes Placeholder 2"/>
+          <p:cNvSpPr>
+            <a:spLocks noGrp="1"/>
+          </p:cNvSpPr>
+          <p:nvPr>
+            <p:ph type="body" idx="1"/>
+          </p:nvPr>
+        </p:nvSpPr>
+        <p:spPr/>
+        <p:txBody>
+          <a:bodyPr/>
+          <a:lstStyle/>
+          <a:p>
+            <a:endParaRPr lang="en-CA" dirty="0"/>
+          </a:p>
+        </p:txBody>
+      </p:sp>
+      <p:sp>
+        <p:nvSpPr>
+          <p:cNvPr id="4" name="Slide Number Placeholder 3"/>
+          <p:cNvSpPr>
+            <a:spLocks noGrp="1"/>
+          </p:cNvSpPr>
+          <p:nvPr>
+            <p:ph type="sldNum" sz="quarter" idx="10"/>
+          </p:nvPr>
+        </p:nvSpPr>
+        <p:spPr/>
+        <p:txBody>
+          <a:bodyPr/>
+          <a:lstStyle/>
+          <a:p>
+            <a:fld id="{A7666ED7-631A-46AF-B451-227D0A8685A0}" type="slidenum">
+              <a:rPr lang="en-US" smtClean="0"/>
+              <a:t>14</a:t>
+            </a:fld>
+            <a:endParaRPr lang="en-US"/>
+          </a:p>
+        </p:txBody>
+      </p:sp>
+    </p:spTree>
+    <p:extLst>
+      <p:ext uri="{BB962C8B-B14F-4D97-AF65-F5344CB8AC3E}">
+        <p14:creationId xmlns:p14="http://schemas.microsoft.com/office/powerpoint/2010/main" val="788273029"/>
+      </p:ext>
+    </p:extLst>
+  </p:cSld>
+  <p:clrMapOvr>
+    <a:masterClrMapping/>
+  </p:clrMapOvr>
+</p:notes>
+</file>
+
+<file path=ppt/notesSlides/notesSlide14.xml><?xml version="1.0" encoding="utf-8"?>
+<p:notes xmlns:a="http://schemas.openxmlformats.org/drawingml/2006/main" xmlns:r="http://schemas.openxmlformats.org/officeDocument/2006/relationships" xmlns:p="http://schemas.openxmlformats.org/presentationml/2006/main">
+  <p:cSld>
+    <p:spTree>
+      <p:nvGrpSpPr>
+        <p:cNvPr id="1" name=""/>
+        <p:cNvGrpSpPr/>
+        <p:nvPr/>
+      </p:nvGrpSpPr>
+      <p:grpSpPr>
+        <a:xfrm>
+          <a:off x="0" y="0"/>
+          <a:ext cx="0" cy="0"/>
+          <a:chOff x="0" y="0"/>
+          <a:chExt cx="0" cy="0"/>
+        </a:xfrm>
+      </p:grpSpPr>
+      <p:sp>
+        <p:nvSpPr>
+          <p:cNvPr id="2" name="Slide Image Placeholder 1"/>
+          <p:cNvSpPr>
+            <a:spLocks noGrp="1" noRot="1" noChangeAspect="1"/>
+          </p:cNvSpPr>
+          <p:nvPr>
+            <p:ph type="sldImg"/>
+          </p:nvPr>
+        </p:nvSpPr>
+        <p:spPr/>
+      </p:sp>
+      <p:sp>
+        <p:nvSpPr>
+          <p:cNvPr id="3" name="Notes Placeholder 2"/>
+          <p:cNvSpPr>
+            <a:spLocks noGrp="1"/>
+          </p:cNvSpPr>
+          <p:nvPr>
+            <p:ph type="body" idx="1"/>
+          </p:nvPr>
+        </p:nvSpPr>
+        <p:spPr/>
+        <p:txBody>
+          <a:bodyPr/>
+          <a:lstStyle/>
+          <a:p>
+            <a:endParaRPr lang="en-CA" dirty="0"/>
+          </a:p>
+        </p:txBody>
+      </p:sp>
+      <p:sp>
+        <p:nvSpPr>
+          <p:cNvPr id="4" name="Slide Number Placeholder 3"/>
+          <p:cNvSpPr>
+            <a:spLocks noGrp="1"/>
+          </p:cNvSpPr>
+          <p:nvPr>
+            <p:ph type="sldNum" sz="quarter" idx="10"/>
+          </p:nvPr>
+        </p:nvSpPr>
+        <p:spPr/>
+        <p:txBody>
+          <a:bodyPr/>
+          <a:lstStyle/>
+          <a:p>
+            <a:fld id="{A7666ED7-631A-46AF-B451-227D0A8685A0}" type="slidenum">
+              <a:rPr lang="en-US" smtClean="0"/>
+              <a:t>15</a:t>
+            </a:fld>
+            <a:endParaRPr lang="en-US"/>
+          </a:p>
+        </p:txBody>
+      </p:sp>
+    </p:spTree>
+    <p:extLst>
+      <p:ext uri="{BB962C8B-B14F-4D97-AF65-F5344CB8AC3E}">
+        <p14:creationId xmlns:p14="http://schemas.microsoft.com/office/powerpoint/2010/main" val="3726606239"/>
+      </p:ext>
+    </p:extLst>
+  </p:cSld>
+  <p:clrMapOvr>
+    <a:masterClrMapping/>
+  </p:clrMapOvr>
+</p:notes>
+</file>
+
+<file path=ppt/notesSlides/notesSlide15.xml><?xml version="1.0" encoding="utf-8"?>
+<p:notes xmlns:a="http://schemas.openxmlformats.org/drawingml/2006/main" xmlns:r="http://schemas.openxmlformats.org/officeDocument/2006/relationships" xmlns:p="http://schemas.openxmlformats.org/presentationml/2006/main">
+  <p:cSld>
+    <p:spTree>
+      <p:nvGrpSpPr>
+        <p:cNvPr id="1" name=""/>
+        <p:cNvGrpSpPr/>
+        <p:nvPr/>
+      </p:nvGrpSpPr>
+      <p:grpSpPr>
+        <a:xfrm>
+          <a:off x="0" y="0"/>
+          <a:ext cx="0" cy="0"/>
+          <a:chOff x="0" y="0"/>
+          <a:chExt cx="0" cy="0"/>
+        </a:xfrm>
+      </p:grpSpPr>
+      <p:sp>
+        <p:nvSpPr>
+          <p:cNvPr id="2" name="Slide Image Placeholder 1"/>
+          <p:cNvSpPr>
+            <a:spLocks noGrp="1" noRot="1" noChangeAspect="1"/>
+          </p:cNvSpPr>
+          <p:nvPr>
+            <p:ph type="sldImg"/>
+          </p:nvPr>
+        </p:nvSpPr>
+        <p:spPr/>
+      </p:sp>
+      <p:sp>
+        <p:nvSpPr>
+          <p:cNvPr id="3" name="Notes Placeholder 2"/>
+          <p:cNvSpPr>
+            <a:spLocks noGrp="1"/>
+          </p:cNvSpPr>
+          <p:nvPr>
+            <p:ph type="body" idx="1"/>
+          </p:nvPr>
+        </p:nvSpPr>
+        <p:spPr/>
+        <p:txBody>
+          <a:bodyPr/>
+          <a:lstStyle/>
+          <a:p>
+            <a:r>
+              <a:rPr lang="en-CA" dirty="0" smtClean="0"/>
+              <a:t>Taken from sample SRS</a:t>
+            </a:r>
+            <a:endParaRPr lang="en-CA" dirty="0"/>
+          </a:p>
+        </p:txBody>
+      </p:sp>
+      <p:sp>
+        <p:nvSpPr>
+          <p:cNvPr id="4" name="Slide Number Placeholder 3"/>
+          <p:cNvSpPr>
+            <a:spLocks noGrp="1"/>
+          </p:cNvSpPr>
+          <p:nvPr>
+            <p:ph type="sldNum" sz="quarter" idx="10"/>
+          </p:nvPr>
+        </p:nvSpPr>
+        <p:spPr/>
+        <p:txBody>
+          <a:bodyPr/>
+          <a:lstStyle/>
+          <a:p>
+            <a:fld id="{A7666ED7-631A-46AF-B451-227D0A8685A0}" type="slidenum">
+              <a:rPr lang="en-US" smtClean="0"/>
+              <a:t>16</a:t>
+            </a:fld>
+            <a:endParaRPr lang="en-US"/>
+          </a:p>
+        </p:txBody>
+      </p:sp>
+    </p:spTree>
+    <p:extLst>
+      <p:ext uri="{BB962C8B-B14F-4D97-AF65-F5344CB8AC3E}">
+        <p14:creationId xmlns:p14="http://schemas.microsoft.com/office/powerpoint/2010/main" val="4112225422"/>
+      </p:ext>
+    </p:extLst>
+  </p:cSld>
+  <p:clrMapOvr>
+    <a:masterClrMapping/>
+  </p:clrMapOvr>
+</p:notes>
+</file>
+
+<file path=ppt/notesSlides/notesSlide16.xml><?xml version="1.0" encoding="utf-8"?>
+<p:notes xmlns:a="http://schemas.openxmlformats.org/drawingml/2006/main" xmlns:r="http://schemas.openxmlformats.org/officeDocument/2006/relationships" xmlns:p="http://schemas.openxmlformats.org/presentationml/2006/main">
+  <p:cSld>
+    <p:spTree>
+      <p:nvGrpSpPr>
+        <p:cNvPr id="1" name=""/>
+        <p:cNvGrpSpPr/>
+        <p:nvPr/>
+      </p:nvGrpSpPr>
+      <p:grpSpPr>
+        <a:xfrm>
+          <a:off x="0" y="0"/>
+          <a:ext cx="0" cy="0"/>
+          <a:chOff x="0" y="0"/>
+          <a:chExt cx="0" cy="0"/>
+        </a:xfrm>
+      </p:grpSpPr>
+      <p:sp>
+        <p:nvSpPr>
+          <p:cNvPr id="2" name="Slide Image Placeholder 1"/>
+          <p:cNvSpPr>
+            <a:spLocks noGrp="1" noRot="1" noChangeAspect="1"/>
+          </p:cNvSpPr>
+          <p:nvPr>
+            <p:ph type="sldImg"/>
+          </p:nvPr>
+        </p:nvSpPr>
+        <p:spPr/>
+      </p:sp>
+      <p:sp>
+        <p:nvSpPr>
+          <p:cNvPr id="3" name="Notes Placeholder 2"/>
+          <p:cNvSpPr>
+            <a:spLocks noGrp="1"/>
+          </p:cNvSpPr>
+          <p:nvPr>
+            <p:ph type="body" idx="1"/>
+          </p:nvPr>
+        </p:nvSpPr>
+        <p:spPr/>
+        <p:txBody>
+          <a:bodyPr/>
+          <a:lstStyle/>
+          <a:p>
+            <a:r>
+              <a:rPr lang="en-CA" dirty="0" smtClean="0"/>
+              <a:t>Taken from sample SRS</a:t>
+            </a:r>
+            <a:endParaRPr lang="en-CA" dirty="0"/>
+          </a:p>
+        </p:txBody>
+      </p:sp>
+      <p:sp>
+        <p:nvSpPr>
+          <p:cNvPr id="4" name="Slide Number Placeholder 3"/>
+          <p:cNvSpPr>
+            <a:spLocks noGrp="1"/>
+          </p:cNvSpPr>
+          <p:nvPr>
+            <p:ph type="sldNum" sz="quarter" idx="10"/>
+          </p:nvPr>
+        </p:nvSpPr>
+        <p:spPr/>
+        <p:txBody>
+          <a:bodyPr/>
+          <a:lstStyle/>
+          <a:p>
+            <a:fld id="{A7666ED7-631A-46AF-B451-227D0A8685A0}" type="slidenum">
+              <a:rPr lang="en-US" smtClean="0"/>
+              <a:t>17</a:t>
+            </a:fld>
+            <a:endParaRPr lang="en-US"/>
+          </a:p>
+        </p:txBody>
+      </p:sp>
+    </p:spTree>
+    <p:extLst>
+      <p:ext uri="{BB962C8B-B14F-4D97-AF65-F5344CB8AC3E}">
+        <p14:creationId xmlns:p14="http://schemas.microsoft.com/office/powerpoint/2010/main" val="4201024352"/>
+      </p:ext>
+    </p:extLst>
+  </p:cSld>
+  <p:clrMapOvr>
+    <a:masterClrMapping/>
+  </p:clrMapOvr>
+</p:notes>
+</file>
+
+<file path=ppt/notesSlides/notesSlide17.xml><?xml version="1.0" encoding="utf-8"?>
+<p:notes xmlns:a="http://schemas.openxmlformats.org/drawingml/2006/main" xmlns:r="http://schemas.openxmlformats.org/officeDocument/2006/relationships" xmlns:p="http://schemas.openxmlformats.org/presentationml/2006/main">
+  <p:cSld>
+    <p:spTree>
+      <p:nvGrpSpPr>
+        <p:cNvPr id="1" name=""/>
+        <p:cNvGrpSpPr/>
+        <p:nvPr/>
+      </p:nvGrpSpPr>
+      <p:grpSpPr>
+        <a:xfrm>
+          <a:off x="0" y="0"/>
+          <a:ext cx="0" cy="0"/>
+          <a:chOff x="0" y="0"/>
+          <a:chExt cx="0" cy="0"/>
+        </a:xfrm>
+      </p:grpSpPr>
+      <p:sp>
+        <p:nvSpPr>
+          <p:cNvPr id="2" name="Slide Image Placeholder 1"/>
+          <p:cNvSpPr>
+            <a:spLocks noGrp="1" noRot="1" noChangeAspect="1"/>
+          </p:cNvSpPr>
+          <p:nvPr>
+            <p:ph type="sldImg"/>
+          </p:nvPr>
+        </p:nvSpPr>
+        <p:spPr/>
+      </p:sp>
+      <p:sp>
+        <p:nvSpPr>
+          <p:cNvPr id="3" name="Notes Placeholder 2"/>
+          <p:cNvSpPr>
+            <a:spLocks noGrp="1"/>
+          </p:cNvSpPr>
+          <p:nvPr>
+            <p:ph type="body" idx="1"/>
+          </p:nvPr>
+        </p:nvSpPr>
+        <p:spPr/>
+        <p:txBody>
+          <a:bodyPr/>
+          <a:lstStyle/>
+          <a:p>
+            <a:r>
+              <a:rPr lang="en-CA" dirty="0" smtClean="0"/>
+              <a:t>Taken from sample SRS</a:t>
+            </a:r>
+            <a:endParaRPr lang="en-CA" dirty="0"/>
+          </a:p>
+        </p:txBody>
+      </p:sp>
+      <p:sp>
+        <p:nvSpPr>
+          <p:cNvPr id="4" name="Slide Number Placeholder 3"/>
+          <p:cNvSpPr>
+            <a:spLocks noGrp="1"/>
+          </p:cNvSpPr>
+          <p:nvPr>
+            <p:ph type="sldNum" sz="quarter" idx="10"/>
+          </p:nvPr>
+        </p:nvSpPr>
+        <p:spPr/>
+        <p:txBody>
+          <a:bodyPr/>
+          <a:lstStyle/>
+          <a:p>
+            <a:fld id="{A7666ED7-631A-46AF-B451-227D0A8685A0}" type="slidenum">
+              <a:rPr lang="en-US" smtClean="0"/>
+              <a:t>18</a:t>
+            </a:fld>
+            <a:endParaRPr lang="en-US"/>
+          </a:p>
+        </p:txBody>
+      </p:sp>
+    </p:spTree>
+    <p:extLst>
+      <p:ext uri="{BB962C8B-B14F-4D97-AF65-F5344CB8AC3E}">
+        <p14:creationId xmlns:p14="http://schemas.microsoft.com/office/powerpoint/2010/main" val="3225868453"/>
+      </p:ext>
+    </p:extLst>
+  </p:cSld>
+  <p:clrMapOvr>
+    <a:masterClrMapping/>
+  </p:clrMapOvr>
+</p:notes>
+</file>
+
+<file path=ppt/notesSlides/notesSlide18.xml><?xml version="1.0" encoding="utf-8"?>
+<p:notes xmlns:a="http://schemas.openxmlformats.org/drawingml/2006/main" xmlns:r="http://schemas.openxmlformats.org/officeDocument/2006/relationships" xmlns:p="http://schemas.openxmlformats.org/presentationml/2006/main">
+  <p:cSld>
+    <p:spTree>
+      <p:nvGrpSpPr>
+        <p:cNvPr id="1" name=""/>
+        <p:cNvGrpSpPr/>
+        <p:nvPr/>
+      </p:nvGrpSpPr>
+      <p:grpSpPr>
+        <a:xfrm>
+          <a:off x="0" y="0"/>
+          <a:ext cx="0" cy="0"/>
+          <a:chOff x="0" y="0"/>
+          <a:chExt cx="0" cy="0"/>
+        </a:xfrm>
+      </p:grpSpPr>
+      <p:sp>
+        <p:nvSpPr>
+          <p:cNvPr id="2" name="Slide Image Placeholder 1"/>
+          <p:cNvSpPr>
+            <a:spLocks noGrp="1" noRot="1" noChangeAspect="1"/>
+          </p:cNvSpPr>
+          <p:nvPr>
+            <p:ph type="sldImg"/>
+          </p:nvPr>
+        </p:nvSpPr>
+        <p:spPr/>
+      </p:sp>
+      <p:sp>
+        <p:nvSpPr>
+          <p:cNvPr id="3" name="Notes Placeholder 2"/>
+          <p:cNvSpPr>
+            <a:spLocks noGrp="1"/>
+          </p:cNvSpPr>
+          <p:nvPr>
+            <p:ph type="body" idx="1"/>
+          </p:nvPr>
+        </p:nvSpPr>
+        <p:spPr/>
+        <p:txBody>
+          <a:bodyPr/>
+          <a:lstStyle/>
+          <a:p>
+            <a:r>
+              <a:rPr lang="en-CA" dirty="0" smtClean="0"/>
+              <a:t>Taken from sample SRS</a:t>
+            </a:r>
+            <a:endParaRPr lang="en-CA" dirty="0"/>
+          </a:p>
+        </p:txBody>
+      </p:sp>
+      <p:sp>
+        <p:nvSpPr>
+          <p:cNvPr id="4" name="Slide Number Placeholder 3"/>
+          <p:cNvSpPr>
+            <a:spLocks noGrp="1"/>
+          </p:cNvSpPr>
+          <p:nvPr>
+            <p:ph type="sldNum" sz="quarter" idx="10"/>
+          </p:nvPr>
+        </p:nvSpPr>
+        <p:spPr/>
+        <p:txBody>
+          <a:bodyPr/>
+          <a:lstStyle/>
+          <a:p>
+            <a:fld id="{A7666ED7-631A-46AF-B451-227D0A8685A0}" type="slidenum">
+              <a:rPr lang="en-US" smtClean="0"/>
+              <a:t>19</a:t>
+            </a:fld>
+            <a:endParaRPr lang="en-US"/>
+          </a:p>
+        </p:txBody>
+      </p:sp>
+    </p:spTree>
+    <p:extLst>
+      <p:ext uri="{BB962C8B-B14F-4D97-AF65-F5344CB8AC3E}">
+        <p14:creationId xmlns:p14="http://schemas.microsoft.com/office/powerpoint/2010/main" val="686080887"/>
+      </p:ext>
+    </p:extLst>
+  </p:cSld>
+  <p:clrMapOvr>
+    <a:masterClrMapping/>
+  </p:clrMapOvr>
+</p:notes>
+</file>
+
+<file path=ppt/notesSlides/notesSlide19.xml><?xml version="1.0" encoding="utf-8"?>
+<p:notes xmlns:a="http://schemas.openxmlformats.org/drawingml/2006/main" xmlns:r="http://schemas.openxmlformats.org/officeDocument/2006/relationships" xmlns:p="http://schemas.openxmlformats.org/presentationml/2006/main">
+  <p:cSld>
+    <p:spTree>
+      <p:nvGrpSpPr>
+        <p:cNvPr id="1" name=""/>
+        <p:cNvGrpSpPr/>
+        <p:nvPr/>
+      </p:nvGrpSpPr>
+      <p:grpSpPr>
+        <a:xfrm>
+          <a:off x="0" y="0"/>
+          <a:ext cx="0" cy="0"/>
+          <a:chOff x="0" y="0"/>
+          <a:chExt cx="0" cy="0"/>
+        </a:xfrm>
+      </p:grpSpPr>
+      <p:sp>
+        <p:nvSpPr>
+          <p:cNvPr id="2" name="Slide Image Placeholder 1"/>
+          <p:cNvSpPr>
+            <a:spLocks noGrp="1" noRot="1" noChangeAspect="1"/>
+          </p:cNvSpPr>
+          <p:nvPr>
+            <p:ph type="sldImg"/>
+          </p:nvPr>
+        </p:nvSpPr>
+        <p:spPr/>
+      </p:sp>
+      <p:sp>
+        <p:nvSpPr>
+          <p:cNvPr id="3" name="Notes Placeholder 2"/>
+          <p:cNvSpPr>
+            <a:spLocks noGrp="1"/>
+          </p:cNvSpPr>
+          <p:nvPr>
+            <p:ph type="body" idx="1"/>
+          </p:nvPr>
+        </p:nvSpPr>
+        <p:spPr/>
+        <p:txBody>
+          <a:bodyPr/>
+          <a:lstStyle/>
+          <a:p>
+            <a:endParaRPr lang="en-CA" dirty="0"/>
+          </a:p>
+        </p:txBody>
+      </p:sp>
+      <p:sp>
+        <p:nvSpPr>
+          <p:cNvPr id="4" name="Slide Number Placeholder 3"/>
+          <p:cNvSpPr>
+            <a:spLocks noGrp="1"/>
+          </p:cNvSpPr>
+          <p:nvPr>
+            <p:ph type="sldNum" sz="quarter" idx="10"/>
+          </p:nvPr>
+        </p:nvSpPr>
+        <p:spPr/>
+        <p:txBody>
+          <a:bodyPr/>
+          <a:lstStyle/>
+          <a:p>
+            <a:fld id="{A7666ED7-631A-46AF-B451-227D0A8685A0}" type="slidenum">
+              <a:rPr lang="en-US" smtClean="0"/>
+              <a:t>20</a:t>
+            </a:fld>
+            <a:endParaRPr lang="en-US"/>
+          </a:p>
+        </p:txBody>
+      </p:sp>
+    </p:spTree>
+    <p:extLst>
+      <p:ext uri="{BB962C8B-B14F-4D97-AF65-F5344CB8AC3E}">
+        <p14:creationId xmlns:p14="http://schemas.microsoft.com/office/powerpoint/2010/main" val="386131355"/>
+      </p:ext>
+    </p:extLst>
+  </p:cSld>
+  <p:clrMapOvr>
+    <a:masterClrMapping/>
+  </p:clrMapOvr>
+</p:notes>
+</file>
+
 <file path=ppt/notesSlides/notesSlide2.xml><?xml version="1.0" encoding="utf-8"?>
 <p:notes xmlns:a="http://schemas.openxmlformats.org/drawingml/2006/main" xmlns:r="http://schemas.openxmlformats.org/officeDocument/2006/relationships" xmlns:p="http://schemas.openxmlformats.org/presentationml/2006/main">
   <p:cSld>
@@ -617,6 +1509,14 @@
           <a:bodyPr/>
           <a:lstStyle/>
           <a:p>
+            <a:r>
+              <a:rPr lang="en-US" dirty="0" smtClean="0"/>
+              <a:t>Image credit:</a:t>
+            </a:r>
+            <a:r>
+              <a:rPr lang="en-US" baseline="0" dirty="0" smtClean="0"/>
+              <a:t> http://hsc.csu.edu.au/ipt/project_work/3287/decision_table.jpg</a:t>
+            </a:r>
             <a:endParaRPr lang="en-US" dirty="0"/>
           </a:p>
         </p:txBody>
@@ -648,6 +1548,90 @@
     <p:extLst>
       <p:ext uri="{BB962C8B-B14F-4D97-AF65-F5344CB8AC3E}">
         <p14:creationId xmlns:p14="http://schemas.microsoft.com/office/powerpoint/2010/main" val="2716190643"/>
+      </p:ext>
+    </p:extLst>
+  </p:cSld>
+  <p:clrMapOvr>
+    <a:masterClrMapping/>
+  </p:clrMapOvr>
+</p:notes>
+</file>
+
+<file path=ppt/notesSlides/notesSlide20.xml><?xml version="1.0" encoding="utf-8"?>
+<p:notes xmlns:a="http://schemas.openxmlformats.org/drawingml/2006/main" xmlns:r="http://schemas.openxmlformats.org/officeDocument/2006/relationships" xmlns:p="http://schemas.openxmlformats.org/presentationml/2006/main">
+  <p:cSld>
+    <p:spTree>
+      <p:nvGrpSpPr>
+        <p:cNvPr id="1" name=""/>
+        <p:cNvGrpSpPr/>
+        <p:nvPr/>
+      </p:nvGrpSpPr>
+      <p:grpSpPr>
+        <a:xfrm>
+          <a:off x="0" y="0"/>
+          <a:ext cx="0" cy="0"/>
+          <a:chOff x="0" y="0"/>
+          <a:chExt cx="0" cy="0"/>
+        </a:xfrm>
+      </p:grpSpPr>
+      <p:sp>
+        <p:nvSpPr>
+          <p:cNvPr id="2" name="Slide Image Placeholder 1"/>
+          <p:cNvSpPr>
+            <a:spLocks noGrp="1" noRot="1" noChangeAspect="1"/>
+          </p:cNvSpPr>
+          <p:nvPr>
+            <p:ph type="sldImg"/>
+          </p:nvPr>
+        </p:nvSpPr>
+        <p:spPr/>
+      </p:sp>
+      <p:sp>
+        <p:nvSpPr>
+          <p:cNvPr id="3" name="Notes Placeholder 2"/>
+          <p:cNvSpPr>
+            <a:spLocks noGrp="1"/>
+          </p:cNvSpPr>
+          <p:nvPr>
+            <p:ph type="body" idx="1"/>
+          </p:nvPr>
+        </p:nvSpPr>
+        <p:spPr/>
+        <p:txBody>
+          <a:bodyPr/>
+          <a:lstStyle/>
+          <a:p>
+            <a:endParaRPr lang="en-CA" dirty="0"/>
+          </a:p>
+        </p:txBody>
+      </p:sp>
+      <p:sp>
+        <p:nvSpPr>
+          <p:cNvPr id="4" name="Slide Number Placeholder 3"/>
+          <p:cNvSpPr>
+            <a:spLocks noGrp="1"/>
+          </p:cNvSpPr>
+          <p:nvPr>
+            <p:ph type="sldNum" sz="quarter" idx="10"/>
+          </p:nvPr>
+        </p:nvSpPr>
+        <p:spPr/>
+        <p:txBody>
+          <a:bodyPr/>
+          <a:lstStyle/>
+          <a:p>
+            <a:fld id="{A7666ED7-631A-46AF-B451-227D0A8685A0}" type="slidenum">
+              <a:rPr lang="en-US" smtClean="0"/>
+              <a:t>21</a:t>
+            </a:fld>
+            <a:endParaRPr lang="en-US"/>
+          </a:p>
+        </p:txBody>
+      </p:sp>
+    </p:spTree>
+    <p:extLst>
+      <p:ext uri="{BB962C8B-B14F-4D97-AF65-F5344CB8AC3E}">
+        <p14:creationId xmlns:p14="http://schemas.microsoft.com/office/powerpoint/2010/main" val="2133782739"/>
       </p:ext>
     </p:extLst>
   </p:cSld>
@@ -701,6 +1685,14 @@
           <a:bodyPr/>
           <a:lstStyle/>
           <a:p>
+            <a:r>
+              <a:rPr lang="en-US" smtClean="0"/>
+              <a:t>Image credit:</a:t>
+            </a:r>
+            <a:r>
+              <a:rPr lang="en-US" baseline="0" smtClean="0"/>
+              <a:t> http://hsc.csu.edu.au/ipt/project_work/3287/decision_table.jpg</a:t>
+            </a:r>
             <a:endParaRPr lang="en-US" dirty="0"/>
           </a:p>
         </p:txBody>
@@ -731,7 +1723,7 @@
     </p:spTree>
     <p:extLst>
       <p:ext uri="{BB962C8B-B14F-4D97-AF65-F5344CB8AC3E}">
-        <p14:creationId xmlns:p14="http://schemas.microsoft.com/office/powerpoint/2010/main" val="2257039863"/>
+        <p14:creationId xmlns:p14="http://schemas.microsoft.com/office/powerpoint/2010/main" val="4114060843"/>
       </p:ext>
     </p:extLst>
   </p:cSld>
@@ -785,7 +1777,15 @@
           <a:bodyPr/>
           <a:lstStyle/>
           <a:p>
-            <a:endParaRPr lang="en-CA" dirty="0"/>
+            <a:r>
+              <a:rPr lang="en-US" smtClean="0"/>
+              <a:t>Image credit:</a:t>
+            </a:r>
+            <a:r>
+              <a:rPr lang="en-US" baseline="0" smtClean="0"/>
+              <a:t> http://hsc.csu.edu.au/ipt/project_work/3287/decision_table.jpg</a:t>
+            </a:r>
+            <a:endParaRPr lang="en-US" dirty="0"/>
           </a:p>
         </p:txBody>
       </p:sp>
@@ -805,7 +1805,99 @@
           <a:lstStyle/>
           <a:p>
             <a:fld id="{A7666ED7-631A-46AF-B451-227D0A8685A0}" type="slidenum">
+              <a:rPr lang="en-US"/>
+              <a:t>4</a:t>
+            </a:fld>
+            <a:endParaRPr lang="en-US"/>
+          </a:p>
+        </p:txBody>
+      </p:sp>
+    </p:spTree>
+    <p:extLst>
+      <p:ext uri="{BB962C8B-B14F-4D97-AF65-F5344CB8AC3E}">
+        <p14:creationId xmlns:p14="http://schemas.microsoft.com/office/powerpoint/2010/main" val="2546745503"/>
+      </p:ext>
+    </p:extLst>
+  </p:cSld>
+  <p:clrMapOvr>
+    <a:masterClrMapping/>
+  </p:clrMapOvr>
+</p:notes>
+</file>
+
+<file path=ppt/notesSlides/notesSlide5.xml><?xml version="1.0" encoding="utf-8"?>
+<p:notes xmlns:a="http://schemas.openxmlformats.org/drawingml/2006/main" xmlns:r="http://schemas.openxmlformats.org/officeDocument/2006/relationships" xmlns:p="http://schemas.openxmlformats.org/presentationml/2006/main">
+  <p:cSld>
+    <p:spTree>
+      <p:nvGrpSpPr>
+        <p:cNvPr id="1" name=""/>
+        <p:cNvGrpSpPr/>
+        <p:nvPr/>
+      </p:nvGrpSpPr>
+      <p:grpSpPr>
+        <a:xfrm>
+          <a:off x="0" y="0"/>
+          <a:ext cx="0" cy="0"/>
+          <a:chOff x="0" y="0"/>
+          <a:chExt cx="0" cy="0"/>
+        </a:xfrm>
+      </p:grpSpPr>
+      <p:sp>
+        <p:nvSpPr>
+          <p:cNvPr id="2" name="Slide Image Placeholder 1"/>
+          <p:cNvSpPr>
+            <a:spLocks noGrp="1" noRot="1" noChangeAspect="1"/>
+          </p:cNvSpPr>
+          <p:nvPr>
+            <p:ph type="sldImg"/>
+          </p:nvPr>
+        </p:nvSpPr>
+        <p:spPr/>
+      </p:sp>
+      <p:sp>
+        <p:nvSpPr>
+          <p:cNvPr id="3" name="Notes Placeholder 2"/>
+          <p:cNvSpPr>
+            <a:spLocks noGrp="1"/>
+          </p:cNvSpPr>
+          <p:nvPr>
+            <p:ph type="body" idx="1"/>
+          </p:nvPr>
+        </p:nvSpPr>
+        <p:spPr/>
+        <p:txBody>
+          <a:bodyPr/>
+          <a:lstStyle/>
+          <a:p>
+            <a:r>
               <a:rPr lang="en-US" smtClean="0"/>
+              <a:t>Image credit:</a:t>
+            </a:r>
+            <a:r>
+              <a:rPr lang="en-US" baseline="0" smtClean="0"/>
+              <a:t> http://hsc.csu.edu.au/ipt/project_work/3287/decision_table.jpg</a:t>
+            </a:r>
+            <a:endParaRPr lang="en-US" dirty="0"/>
+          </a:p>
+        </p:txBody>
+      </p:sp>
+      <p:sp>
+        <p:nvSpPr>
+          <p:cNvPr id="4" name="Slide Number Placeholder 3"/>
+          <p:cNvSpPr>
+            <a:spLocks noGrp="1"/>
+          </p:cNvSpPr>
+          <p:nvPr>
+            <p:ph type="sldNum" sz="quarter" idx="10"/>
+          </p:nvPr>
+        </p:nvSpPr>
+        <p:spPr/>
+        <p:txBody>
+          <a:bodyPr/>
+          <a:lstStyle/>
+          <a:p>
+            <a:fld id="{A7666ED7-631A-46AF-B451-227D0A8685A0}" type="slidenum">
+              <a:rPr lang="en-US"/>
               <a:t>5</a:t>
             </a:fld>
             <a:endParaRPr lang="en-US"/>
@@ -815,7 +1907,375 @@
     </p:spTree>
     <p:extLst>
       <p:ext uri="{BB962C8B-B14F-4D97-AF65-F5344CB8AC3E}">
-        <p14:creationId xmlns:p14="http://schemas.microsoft.com/office/powerpoint/2010/main" val="788273029"/>
+        <p14:creationId xmlns:p14="http://schemas.microsoft.com/office/powerpoint/2010/main" val="2969517318"/>
+      </p:ext>
+    </p:extLst>
+  </p:cSld>
+  <p:clrMapOvr>
+    <a:masterClrMapping/>
+  </p:clrMapOvr>
+</p:notes>
+</file>
+
+<file path=ppt/notesSlides/notesSlide6.xml><?xml version="1.0" encoding="utf-8"?>
+<p:notes xmlns:a="http://schemas.openxmlformats.org/drawingml/2006/main" xmlns:r="http://schemas.openxmlformats.org/officeDocument/2006/relationships" xmlns:p="http://schemas.openxmlformats.org/presentationml/2006/main">
+  <p:cSld>
+    <p:spTree>
+      <p:nvGrpSpPr>
+        <p:cNvPr id="1" name=""/>
+        <p:cNvGrpSpPr/>
+        <p:nvPr/>
+      </p:nvGrpSpPr>
+      <p:grpSpPr>
+        <a:xfrm>
+          <a:off x="0" y="0"/>
+          <a:ext cx="0" cy="0"/>
+          <a:chOff x="0" y="0"/>
+          <a:chExt cx="0" cy="0"/>
+        </a:xfrm>
+      </p:grpSpPr>
+      <p:sp>
+        <p:nvSpPr>
+          <p:cNvPr id="2" name="Slide Image Placeholder 1"/>
+          <p:cNvSpPr>
+            <a:spLocks noGrp="1" noRot="1" noChangeAspect="1"/>
+          </p:cNvSpPr>
+          <p:nvPr>
+            <p:ph type="sldImg"/>
+          </p:nvPr>
+        </p:nvSpPr>
+        <p:spPr/>
+      </p:sp>
+      <p:sp>
+        <p:nvSpPr>
+          <p:cNvPr id="3" name="Notes Placeholder 2"/>
+          <p:cNvSpPr>
+            <a:spLocks noGrp="1"/>
+          </p:cNvSpPr>
+          <p:nvPr>
+            <p:ph type="body" idx="1"/>
+          </p:nvPr>
+        </p:nvSpPr>
+        <p:spPr/>
+        <p:txBody>
+          <a:bodyPr/>
+          <a:lstStyle/>
+          <a:p>
+            <a:r>
+              <a:rPr lang="en-US" smtClean="0"/>
+              <a:t>Image credit:</a:t>
+            </a:r>
+            <a:r>
+              <a:rPr lang="en-US" baseline="0" smtClean="0"/>
+              <a:t> http://hsc.csu.edu.au/ipt/project_work/3287/decision_table.jpg</a:t>
+            </a:r>
+            <a:endParaRPr lang="en-US" dirty="0"/>
+          </a:p>
+        </p:txBody>
+      </p:sp>
+      <p:sp>
+        <p:nvSpPr>
+          <p:cNvPr id="4" name="Slide Number Placeholder 3"/>
+          <p:cNvSpPr>
+            <a:spLocks noGrp="1"/>
+          </p:cNvSpPr>
+          <p:nvPr>
+            <p:ph type="sldNum" sz="quarter" idx="10"/>
+          </p:nvPr>
+        </p:nvSpPr>
+        <p:spPr/>
+        <p:txBody>
+          <a:bodyPr/>
+          <a:lstStyle/>
+          <a:p>
+            <a:fld id="{A7666ED7-631A-46AF-B451-227D0A8685A0}" type="slidenum">
+              <a:rPr lang="en-US"/>
+              <a:t>6</a:t>
+            </a:fld>
+            <a:endParaRPr lang="en-US"/>
+          </a:p>
+        </p:txBody>
+      </p:sp>
+    </p:spTree>
+    <p:extLst>
+      <p:ext uri="{BB962C8B-B14F-4D97-AF65-F5344CB8AC3E}">
+        <p14:creationId xmlns:p14="http://schemas.microsoft.com/office/powerpoint/2010/main" val="2894951932"/>
+      </p:ext>
+    </p:extLst>
+  </p:cSld>
+  <p:clrMapOvr>
+    <a:masterClrMapping/>
+  </p:clrMapOvr>
+</p:notes>
+</file>
+
+<file path=ppt/notesSlides/notesSlide7.xml><?xml version="1.0" encoding="utf-8"?>
+<p:notes xmlns:a="http://schemas.openxmlformats.org/drawingml/2006/main" xmlns:r="http://schemas.openxmlformats.org/officeDocument/2006/relationships" xmlns:p="http://schemas.openxmlformats.org/presentationml/2006/main">
+  <p:cSld>
+    <p:spTree>
+      <p:nvGrpSpPr>
+        <p:cNvPr id="1" name=""/>
+        <p:cNvGrpSpPr/>
+        <p:nvPr/>
+      </p:nvGrpSpPr>
+      <p:grpSpPr>
+        <a:xfrm>
+          <a:off x="0" y="0"/>
+          <a:ext cx="0" cy="0"/>
+          <a:chOff x="0" y="0"/>
+          <a:chExt cx="0" cy="0"/>
+        </a:xfrm>
+      </p:grpSpPr>
+      <p:sp>
+        <p:nvSpPr>
+          <p:cNvPr id="2" name="Slide Image Placeholder 1"/>
+          <p:cNvSpPr>
+            <a:spLocks noGrp="1" noRot="1" noChangeAspect="1"/>
+          </p:cNvSpPr>
+          <p:nvPr>
+            <p:ph type="sldImg"/>
+          </p:nvPr>
+        </p:nvSpPr>
+        <p:spPr/>
+      </p:sp>
+      <p:sp>
+        <p:nvSpPr>
+          <p:cNvPr id="3" name="Notes Placeholder 2"/>
+          <p:cNvSpPr>
+            <a:spLocks noGrp="1"/>
+          </p:cNvSpPr>
+          <p:nvPr>
+            <p:ph type="body" idx="1"/>
+          </p:nvPr>
+        </p:nvSpPr>
+        <p:spPr/>
+        <p:txBody>
+          <a:bodyPr/>
+          <a:lstStyle/>
+          <a:p>
+            <a:r>
+              <a:rPr lang="en-US" smtClean="0"/>
+              <a:t>Image credit:</a:t>
+            </a:r>
+            <a:r>
+              <a:rPr lang="en-US" baseline="0" smtClean="0"/>
+              <a:t> http://hsc.csu.edu.au/ipt/project_work/3287/decision_table.jpg</a:t>
+            </a:r>
+            <a:endParaRPr lang="en-US" dirty="0"/>
+          </a:p>
+        </p:txBody>
+      </p:sp>
+      <p:sp>
+        <p:nvSpPr>
+          <p:cNvPr id="4" name="Slide Number Placeholder 3"/>
+          <p:cNvSpPr>
+            <a:spLocks noGrp="1"/>
+          </p:cNvSpPr>
+          <p:nvPr>
+            <p:ph type="sldNum" sz="quarter" idx="10"/>
+          </p:nvPr>
+        </p:nvSpPr>
+        <p:spPr/>
+        <p:txBody>
+          <a:bodyPr/>
+          <a:lstStyle/>
+          <a:p>
+            <a:fld id="{A7666ED7-631A-46AF-B451-227D0A8685A0}" type="slidenum">
+              <a:rPr lang="en-US"/>
+              <a:t>7</a:t>
+            </a:fld>
+            <a:endParaRPr lang="en-US"/>
+          </a:p>
+        </p:txBody>
+      </p:sp>
+    </p:spTree>
+    <p:extLst>
+      <p:ext uri="{BB962C8B-B14F-4D97-AF65-F5344CB8AC3E}">
+        <p14:creationId xmlns:p14="http://schemas.microsoft.com/office/powerpoint/2010/main" val="2202576361"/>
+      </p:ext>
+    </p:extLst>
+  </p:cSld>
+  <p:clrMapOvr>
+    <a:masterClrMapping/>
+  </p:clrMapOvr>
+</p:notes>
+</file>
+
+<file path=ppt/notesSlides/notesSlide8.xml><?xml version="1.0" encoding="utf-8"?>
+<p:notes xmlns:a="http://schemas.openxmlformats.org/drawingml/2006/main" xmlns:r="http://schemas.openxmlformats.org/officeDocument/2006/relationships" xmlns:p="http://schemas.openxmlformats.org/presentationml/2006/main">
+  <p:cSld>
+    <p:spTree>
+      <p:nvGrpSpPr>
+        <p:cNvPr id="1" name=""/>
+        <p:cNvGrpSpPr/>
+        <p:nvPr/>
+      </p:nvGrpSpPr>
+      <p:grpSpPr>
+        <a:xfrm>
+          <a:off x="0" y="0"/>
+          <a:ext cx="0" cy="0"/>
+          <a:chOff x="0" y="0"/>
+          <a:chExt cx="0" cy="0"/>
+        </a:xfrm>
+      </p:grpSpPr>
+      <p:sp>
+        <p:nvSpPr>
+          <p:cNvPr id="2" name="Slide Image Placeholder 1"/>
+          <p:cNvSpPr>
+            <a:spLocks noGrp="1" noRot="1" noChangeAspect="1"/>
+          </p:cNvSpPr>
+          <p:nvPr>
+            <p:ph type="sldImg"/>
+          </p:nvPr>
+        </p:nvSpPr>
+        <p:spPr/>
+      </p:sp>
+      <p:sp>
+        <p:nvSpPr>
+          <p:cNvPr id="3" name="Notes Placeholder 2"/>
+          <p:cNvSpPr>
+            <a:spLocks noGrp="1"/>
+          </p:cNvSpPr>
+          <p:nvPr>
+            <p:ph type="body" idx="1"/>
+          </p:nvPr>
+        </p:nvSpPr>
+        <p:spPr/>
+        <p:txBody>
+          <a:bodyPr/>
+          <a:lstStyle/>
+          <a:p>
+            <a:r>
+              <a:rPr lang="en-US" smtClean="0"/>
+              <a:t>Image credit:</a:t>
+            </a:r>
+            <a:r>
+              <a:rPr lang="en-US" baseline="0" smtClean="0"/>
+              <a:t> http://hsc.csu.edu.au/ipt/project_work/3287/decision_table.jpg</a:t>
+            </a:r>
+            <a:endParaRPr lang="en-US" dirty="0"/>
+          </a:p>
+        </p:txBody>
+      </p:sp>
+      <p:sp>
+        <p:nvSpPr>
+          <p:cNvPr id="4" name="Slide Number Placeholder 3"/>
+          <p:cNvSpPr>
+            <a:spLocks noGrp="1"/>
+          </p:cNvSpPr>
+          <p:nvPr>
+            <p:ph type="sldNum" sz="quarter" idx="10"/>
+          </p:nvPr>
+        </p:nvSpPr>
+        <p:spPr/>
+        <p:txBody>
+          <a:bodyPr/>
+          <a:lstStyle/>
+          <a:p>
+            <a:fld id="{A7666ED7-631A-46AF-B451-227D0A8685A0}" type="slidenum">
+              <a:rPr lang="en-US"/>
+              <a:t>8</a:t>
+            </a:fld>
+            <a:endParaRPr lang="en-US"/>
+          </a:p>
+        </p:txBody>
+      </p:sp>
+    </p:spTree>
+    <p:extLst>
+      <p:ext uri="{BB962C8B-B14F-4D97-AF65-F5344CB8AC3E}">
+        <p14:creationId xmlns:p14="http://schemas.microsoft.com/office/powerpoint/2010/main" val="1667631856"/>
+      </p:ext>
+    </p:extLst>
+  </p:cSld>
+  <p:clrMapOvr>
+    <a:masterClrMapping/>
+  </p:clrMapOvr>
+</p:notes>
+</file>
+
+<file path=ppt/notesSlides/notesSlide9.xml><?xml version="1.0" encoding="utf-8"?>
+<p:notes xmlns:a="http://schemas.openxmlformats.org/drawingml/2006/main" xmlns:r="http://schemas.openxmlformats.org/officeDocument/2006/relationships" xmlns:p="http://schemas.openxmlformats.org/presentationml/2006/main">
+  <p:cSld>
+    <p:spTree>
+      <p:nvGrpSpPr>
+        <p:cNvPr id="1" name=""/>
+        <p:cNvGrpSpPr/>
+        <p:nvPr/>
+      </p:nvGrpSpPr>
+      <p:grpSpPr>
+        <a:xfrm>
+          <a:off x="0" y="0"/>
+          <a:ext cx="0" cy="0"/>
+          <a:chOff x="0" y="0"/>
+          <a:chExt cx="0" cy="0"/>
+        </a:xfrm>
+      </p:grpSpPr>
+      <p:sp>
+        <p:nvSpPr>
+          <p:cNvPr id="2" name="Slide Image Placeholder 1"/>
+          <p:cNvSpPr>
+            <a:spLocks noGrp="1" noRot="1" noChangeAspect="1"/>
+          </p:cNvSpPr>
+          <p:nvPr>
+            <p:ph type="sldImg"/>
+          </p:nvPr>
+        </p:nvSpPr>
+        <p:spPr/>
+      </p:sp>
+      <p:sp>
+        <p:nvSpPr>
+          <p:cNvPr id="3" name="Notes Placeholder 2"/>
+          <p:cNvSpPr>
+            <a:spLocks noGrp="1"/>
+          </p:cNvSpPr>
+          <p:nvPr>
+            <p:ph type="body" idx="1"/>
+          </p:nvPr>
+        </p:nvSpPr>
+        <p:spPr/>
+        <p:txBody>
+          <a:bodyPr/>
+          <a:lstStyle/>
+          <a:p>
+            <a:r>
+              <a:rPr lang="en-US" smtClean="0"/>
+              <a:t>Image credit:</a:t>
+            </a:r>
+            <a:r>
+              <a:rPr lang="en-US" baseline="0" smtClean="0"/>
+              <a:t> http://hsc.csu.edu.au/ipt/project_work/3287/decision_table.jpg</a:t>
+            </a:r>
+            <a:endParaRPr lang="en-US" dirty="0"/>
+          </a:p>
+        </p:txBody>
+      </p:sp>
+      <p:sp>
+        <p:nvSpPr>
+          <p:cNvPr id="4" name="Slide Number Placeholder 3"/>
+          <p:cNvSpPr>
+            <a:spLocks noGrp="1"/>
+          </p:cNvSpPr>
+          <p:nvPr>
+            <p:ph type="sldNum" sz="quarter" idx="10"/>
+          </p:nvPr>
+        </p:nvSpPr>
+        <p:spPr/>
+        <p:txBody>
+          <a:bodyPr/>
+          <a:lstStyle/>
+          <a:p>
+            <a:fld id="{A7666ED7-631A-46AF-B451-227D0A8685A0}" type="slidenum">
+              <a:rPr lang="en-US"/>
+              <a:t>9</a:t>
+            </a:fld>
+            <a:endParaRPr lang="en-US"/>
+          </a:p>
+        </p:txBody>
+      </p:sp>
+    </p:spTree>
+    <p:extLst>
+      <p:ext uri="{BB962C8B-B14F-4D97-AF65-F5344CB8AC3E}">
+        <p14:creationId xmlns:p14="http://schemas.microsoft.com/office/powerpoint/2010/main" val="161186928"/>
       </p:ext>
     </p:extLst>
   </p:cSld>
@@ -1026,7 +2486,7 @@
             <a:fld id="{5586B75A-687E-405C-8A0B-8D00578BA2C3}" type="datetimeFigureOut">
               <a:rPr lang="en-US" smtClean="0"/>
               <a:pPr/>
-              <a:t>1/25/2015</a:t>
+              <a:t>2/1/2015</a:t>
             </a:fld>
             <a:endParaRPr lang="en-US" dirty="0"/>
           </a:p>
@@ -1229,7 +2689,7 @@
           <a:p>
             <a:fld id="{5F4E5243-F52A-4D37-9694-EB26C6C31910}" type="datetimeFigureOut">
               <a:rPr lang="en-US" smtClean="0"/>
-              <a:t>1/25/2015</a:t>
+              <a:t>2/1/2015</a:t>
             </a:fld>
             <a:endParaRPr lang="en-US" dirty="0"/>
           </a:p>
@@ -1421,7 +2881,7 @@
           <a:p>
             <a:fld id="{3A77B6E1-634A-48DC-9E8B-D894023267EF}" type="datetimeFigureOut">
               <a:rPr lang="en-US" smtClean="0"/>
-              <a:t>1/25/2015</a:t>
+              <a:t>2/1/2015</a:t>
             </a:fld>
             <a:endParaRPr lang="en-US" dirty="0"/>
           </a:p>
@@ -1603,7 +3063,7 @@
           <a:p>
             <a:fld id="{7B2D3E9E-A95C-48F2-B4BF-A71542E0BE9A}" type="datetimeFigureOut">
               <a:rPr lang="en-US" smtClean="0"/>
-              <a:t>1/25/2015</a:t>
+              <a:t>2/1/2015</a:t>
             </a:fld>
             <a:endParaRPr lang="en-US" dirty="0"/>
           </a:p>
@@ -1872,7 +3332,7 @@
             <a:fld id="{5586B75A-687E-405C-8A0B-8D00578BA2C3}" type="datetimeFigureOut">
               <a:rPr lang="en-US" smtClean="0"/>
               <a:pPr/>
-              <a:t>1/25/2015</a:t>
+              <a:t>2/1/2015</a:t>
             </a:fld>
             <a:endParaRPr lang="en-US" dirty="0"/>
           </a:p>
@@ -2173,7 +3633,7 @@
           <a:p>
             <a:fld id="{F12952B5-7A2F-4CC8-B7CE-9234E21C2837}" type="datetimeFigureOut">
               <a:rPr lang="en-US" smtClean="0"/>
-              <a:t>1/25/2015</a:t>
+              <a:t>2/1/2015</a:t>
             </a:fld>
             <a:endParaRPr lang="en-US" dirty="0"/>
           </a:p>
@@ -2623,7 +4083,7 @@
           <a:p>
             <a:fld id="{CE1DA07A-9201-4B4B-BAF2-015AFA30F520}" type="datetimeFigureOut">
               <a:rPr lang="en-US" smtClean="0"/>
-              <a:t>1/25/2015</a:t>
+              <a:t>2/1/2015</a:t>
             </a:fld>
             <a:endParaRPr lang="en-US" dirty="0"/>
           </a:p>
@@ -2753,7 +4213,7 @@
           <a:p>
             <a:fld id="{73D7E00A-486F-4252-8B1D-E32645521F49}" type="datetimeFigureOut">
               <a:rPr lang="en-US" smtClean="0"/>
-              <a:t>1/25/2015</a:t>
+              <a:t>2/1/2015</a:t>
             </a:fld>
             <a:endParaRPr lang="en-US" dirty="0"/>
           </a:p>
@@ -2860,7 +4320,7 @@
           <a:p>
             <a:fld id="{8DDF5F92-E675-4B36-9A60-69A962A68675}" type="datetimeFigureOut">
               <a:rPr lang="en-US" smtClean="0"/>
-              <a:t>1/25/2015</a:t>
+              <a:t>2/1/2015</a:t>
             </a:fld>
             <a:endParaRPr lang="en-US" dirty="0"/>
           </a:p>
@@ -3228,7 +4688,7 @@
           <a:p>
             <a:fld id="{AF6E2C9B-5FA2-460D-9BE7-B0812FC2A6FF}" type="datetimeFigureOut">
               <a:rPr lang="en-US" smtClean="0"/>
-              <a:t>1/25/2015</a:t>
+              <a:t>2/1/2015</a:t>
             </a:fld>
             <a:endParaRPr lang="en-US" dirty="0"/>
           </a:p>
@@ -3558,7 +5018,7 @@
             <a:fld id="{5586B75A-687E-405C-8A0B-8D00578BA2C3}" type="datetimeFigureOut">
               <a:rPr lang="en-US" smtClean="0"/>
               <a:pPr/>
-              <a:t>1/25/2015</a:t>
+              <a:t>2/1/2015</a:t>
             </a:fld>
             <a:endParaRPr lang="en-US" dirty="0"/>
           </a:p>
@@ -3805,7 +5265,7 @@
             <a:fld id="{5586B75A-687E-405C-8A0B-8D00578BA2C3}" type="datetimeFigureOut">
               <a:rPr lang="en-US" smtClean="0"/>
               <a:pPr/>
-              <a:t>1/25/2015</a:t>
+              <a:t>2/1/2015</a:t>
             </a:fld>
             <a:endParaRPr lang="en-US" dirty="0"/>
           </a:p>
@@ -4272,7 +5732,7 @@
           <a:p>
             <a:r>
               <a:rPr lang="en-US" dirty="0" smtClean="0"/>
-              <a:t>UML</a:t>
+              <a:t>UML Requirements</a:t>
             </a:r>
             <a:endParaRPr lang="en-US" dirty="0"/>
           </a:p>
@@ -4297,7 +5757,7 @@
           <a:p>
             <a:r>
               <a:rPr lang="en-US" dirty="0" smtClean="0"/>
-              <a:t>Use </a:t>
+              <a:t>Decision tables &amp; Use </a:t>
             </a:r>
             <a:r>
               <a:rPr lang="en-US" dirty="0" smtClean="0"/>
@@ -4335,7 +5795,7 @@
 </p:sld>
 </file>
 
-<file path=ppt/slides/slide2.xml><?xml version="1.0" encoding="utf-8"?>
+<file path=ppt/slides/slide10.xml><?xml version="1.0" encoding="utf-8"?>
 <p:sld xmlns:a="http://schemas.openxmlformats.org/drawingml/2006/main" xmlns:r="http://schemas.openxmlformats.org/officeDocument/2006/relationships" xmlns:p="http://schemas.openxmlformats.org/presentationml/2006/main">
   <p:cSld>
     <p:spTree>
@@ -4368,18 +5828,41 @@
           <a:lstStyle/>
           <a:p>
             <a:r>
-              <a:rPr lang="en-US" dirty="0" smtClean="0"/>
-              <a:t>Use case Diagrams</a:t>
-            </a:r>
-            <a:endParaRPr lang="en-US" dirty="0"/>
+              <a:rPr lang="en-CA" dirty="0" smtClean="0"/>
+              <a:t>Use Cases</a:t>
+            </a:r>
+            <a:endParaRPr lang="en-CA" dirty="0"/>
+          </a:p>
+        </p:txBody>
+      </p:sp>
+      <p:sp>
+        <p:nvSpPr>
+          <p:cNvPr id="4" name="Text Placeholder 3"/>
+          <p:cNvSpPr>
+            <a:spLocks noGrp="1"/>
+          </p:cNvSpPr>
+          <p:nvPr>
+            <p:ph type="body" sz="half" idx="2"/>
+          </p:nvPr>
+        </p:nvSpPr>
+        <p:spPr/>
+        <p:txBody>
+          <a:bodyPr/>
+          <a:lstStyle/>
+          <a:p>
+            <a:r>
+              <a:rPr lang="en-CA" dirty="0" smtClean="0"/>
+              <a:t>Describing user actions</a:t>
+            </a:r>
+            <a:endParaRPr lang="en-CA" dirty="0"/>
           </a:p>
         </p:txBody>
       </p:sp>
       <p:pic>
         <p:nvPicPr>
-          <p:cNvPr id="6" name="Content Placeholder 5"/>
+          <p:cNvPr id="3074" name="Picture 2" descr="http://i717.photobucket.com/albums/ww173/prestonjjrtr/Funny/userfriendly.jpg"/>
           <p:cNvPicPr>
-            <a:picLocks noGrp="1" noChangeAspect="1"/>
+            <a:picLocks noGrp="1" noChangeAspect="1" noChangeArrowheads="1"/>
           </p:cNvPicPr>
           <p:nvPr>
             <p:ph idx="1"/>
@@ -4393,17 +5876,92 @@
               </a:ext>
             </a:extLst>
           </a:blip>
+          <a:srcRect/>
           <a:stretch>
             <a:fillRect/>
           </a:stretch>
         </p:blipFill>
-        <p:spPr>
+        <p:spPr bwMode="auto">
           <a:xfrm>
-            <a:off x="5734226" y="194873"/>
-            <a:ext cx="6178328" cy="6026046"/>
+            <a:off x="1333500" y="542282"/>
+            <a:ext cx="4855337" cy="5386389"/>
           </a:xfrm>
+          <a:prstGeom prst="rect">
+            <a:avLst/>
+          </a:prstGeom>
+          <a:noFill/>
+          <a:extLst>
+            <a:ext uri="{909E8E84-426E-40DD-AFC4-6F175D3DCCD1}">
+              <a14:hiddenFill xmlns:a14="http://schemas.microsoft.com/office/drawing/2010/main">
+                <a:solidFill>
+                  <a:srgbClr val="FFFFFF"/>
+                </a:solidFill>
+              </a14:hiddenFill>
+            </a:ext>
+          </a:extLst>
         </p:spPr>
       </p:pic>
+    </p:spTree>
+    <p:extLst>
+      <p:ext uri="{BB962C8B-B14F-4D97-AF65-F5344CB8AC3E}">
+        <p14:creationId xmlns:p14="http://schemas.microsoft.com/office/powerpoint/2010/main" val="1696881157"/>
+      </p:ext>
+    </p:extLst>
+  </p:cSld>
+  <p:clrMapOvr>
+    <a:masterClrMapping/>
+  </p:clrMapOvr>
+  <mc:AlternateContent xmlns:mc="http://schemas.openxmlformats.org/markup-compatibility/2006">
+    <mc:Choice xmlns:p14="http://schemas.microsoft.com/office/powerpoint/2010/main" Requires="p14">
+      <p:transition p14:dur="0"/>
+    </mc:Choice>
+    <mc:Fallback>
+      <p:transition/>
+    </mc:Fallback>
+  </mc:AlternateContent>
+</p:sld>
+</file>
+
+<file path=ppt/slides/slide11.xml><?xml version="1.0" encoding="utf-8"?>
+<p:sld xmlns:a="http://schemas.openxmlformats.org/drawingml/2006/main" xmlns:r="http://schemas.openxmlformats.org/officeDocument/2006/relationships" xmlns:p="http://schemas.openxmlformats.org/presentationml/2006/main">
+  <p:cSld>
+    <p:spTree>
+      <p:nvGrpSpPr>
+        <p:cNvPr id="1" name=""/>
+        <p:cNvGrpSpPr/>
+        <p:nvPr/>
+      </p:nvGrpSpPr>
+      <p:grpSpPr>
+        <a:xfrm>
+          <a:off x="0" y="0"/>
+          <a:ext cx="0" cy="0"/>
+          <a:chOff x="0" y="0"/>
+          <a:chExt cx="0" cy="0"/>
+        </a:xfrm>
+      </p:grpSpPr>
+      <p:sp>
+        <p:nvSpPr>
+          <p:cNvPr id="2" name="Title 1"/>
+          <p:cNvSpPr>
+            <a:spLocks noGrp="1"/>
+          </p:cNvSpPr>
+          <p:nvPr>
+            <p:ph type="title"/>
+          </p:nvPr>
+        </p:nvSpPr>
+        <p:spPr/>
+        <p:txBody>
+          <a:bodyPr/>
+          <a:lstStyle/>
+          <a:p>
+            <a:r>
+              <a:rPr lang="en-US" dirty="0" smtClean="0"/>
+              <a:t>Use case Diagrams</a:t>
+            </a:r>
+            <a:endParaRPr lang="en-US" dirty="0"/>
+          </a:p>
+        </p:txBody>
+      </p:sp>
       <p:sp>
         <p:nvSpPr>
           <p:cNvPr id="7" name="TextBox 6"/>
@@ -4413,7 +5971,7 @@
         <p:spPr>
           <a:xfrm>
             <a:off x="1169233" y="2293495"/>
-            <a:ext cx="2376548" cy="1384995"/>
+            <a:ext cx="2376548" cy="1815882"/>
           </a:xfrm>
           <a:prstGeom prst="rect">
             <a:avLst/>
@@ -4431,7 +5989,11 @@
               <a:buChar char="•"/>
             </a:pPr>
             <a:r>
-              <a:rPr lang="en-CA" sz="2800" dirty="0" smtClean="0"/>
+              <a:rPr lang="en-CA" sz="2800" b="1" dirty="0" smtClean="0">
+                <a:solidFill>
+                  <a:srgbClr val="92D050"/>
+                </a:solidFill>
+              </a:rPr>
               <a:t>Actors</a:t>
             </a:r>
           </a:p>
@@ -4441,7 +6003,11 @@
               <a:buChar char="•"/>
             </a:pPr>
             <a:r>
-              <a:rPr lang="en-CA" sz="2800" dirty="0" smtClean="0"/>
+              <a:rPr lang="en-CA" sz="2800" b="1" dirty="0" smtClean="0">
+                <a:solidFill>
+                  <a:srgbClr val="00B0F0"/>
+                </a:solidFill>
+              </a:rPr>
               <a:t>Use Cases</a:t>
             </a:r>
           </a:p>
@@ -4451,28 +6017,93 @@
               <a:buChar char="•"/>
             </a:pPr>
             <a:r>
-              <a:rPr lang="en-CA" sz="2800" dirty="0" smtClean="0"/>
+              <a:rPr lang="en-CA" sz="2800" b="1" dirty="0" smtClean="0">
+                <a:solidFill>
+                  <a:srgbClr val="FFC000"/>
+                </a:solidFill>
+              </a:rPr>
               <a:t>Relationships</a:t>
             </a:r>
-            <a:endParaRPr lang="en-CA" sz="2800" dirty="0"/>
-          </a:p>
-        </p:txBody>
-      </p:sp>
+          </a:p>
+          <a:p>
+            <a:pPr marL="285750" indent="-285750">
+              <a:buFont typeface="Arial" panose="020B0604020202020204" pitchFamily="34" charset="0"/>
+              <a:buChar char="•"/>
+            </a:pPr>
+            <a:r>
+              <a:rPr lang="en-CA" sz="2800" b="1" dirty="0" smtClean="0">
+                <a:solidFill>
+                  <a:srgbClr val="7030A0"/>
+                </a:solidFill>
+              </a:rPr>
+              <a:t>Descriptions</a:t>
+            </a:r>
+            <a:endParaRPr lang="en-CA" sz="2800" b="1" dirty="0">
+              <a:solidFill>
+                <a:srgbClr val="7030A0"/>
+              </a:solidFill>
+            </a:endParaRPr>
+          </a:p>
+        </p:txBody>
+      </p:sp>
+      <p:pic>
+        <p:nvPicPr>
+          <p:cNvPr id="1028" name="Picture 4" descr="http://www.uml-diagrams.org/examples/use-case-example-online-shopping-checkout.png"/>
+          <p:cNvPicPr>
+            <a:picLocks noGrp="1" noChangeAspect="1" noChangeArrowheads="1"/>
+          </p:cNvPicPr>
+          <p:nvPr>
+            <p:ph idx="1"/>
+          </p:nvPr>
+        </p:nvPicPr>
+        <p:blipFill>
+          <a:blip r:embed="rId3">
+            <a:extLst>
+              <a:ext uri="{28A0092B-C50C-407E-A947-70E740481C1C}">
+                <a14:useLocalDpi xmlns:a14="http://schemas.microsoft.com/office/drawing/2010/main" val="0"/>
+              </a:ext>
+            </a:extLst>
+          </a:blip>
+          <a:srcRect/>
+          <a:stretch>
+            <a:fillRect/>
+          </a:stretch>
+        </p:blipFill>
+        <p:spPr bwMode="auto">
+          <a:xfrm>
+            <a:off x="5359716" y="966056"/>
+            <a:ext cx="6448946" cy="5637944"/>
+          </a:xfrm>
+          <a:prstGeom prst="rect">
+            <a:avLst/>
+          </a:prstGeom>
+          <a:noFill/>
+          <a:extLst>
+            <a:ext uri="{909E8E84-426E-40DD-AFC4-6F175D3DCCD1}">
+              <a14:hiddenFill xmlns:a14="http://schemas.microsoft.com/office/drawing/2010/main">
+                <a:solidFill>
+                  <a:srgbClr val="FFFFFF"/>
+                </a:solidFill>
+              </a14:hiddenFill>
+            </a:ext>
+          </a:extLst>
+        </p:spPr>
+      </p:pic>
     </p:spTree>
     <p:extLst>
       <p:ext uri="{BB962C8B-B14F-4D97-AF65-F5344CB8AC3E}">
-        <p14:creationId xmlns:p14="http://schemas.microsoft.com/office/powerpoint/2010/main" val="3388055983"/>
+        <p14:creationId xmlns:p14="http://schemas.microsoft.com/office/powerpoint/2010/main" val="1038044165"/>
       </p:ext>
     </p:extLst>
   </p:cSld>
   <p:clrMapOvr>
     <a:masterClrMapping/>
   </p:clrMapOvr>
-  <mc:AlternateContent xmlns:mc="http://schemas.openxmlformats.org/markup-compatibility/2006" xmlns:p14="http://schemas.microsoft.com/office/powerpoint/2010/main">
-    <mc:Choice Requires="p14">
+  <mc:AlternateContent xmlns:mc="http://schemas.openxmlformats.org/markup-compatibility/2006">
+    <mc:Choice xmlns:p14="http://schemas.microsoft.com/office/powerpoint/2010/main" Requires="p14">
       <p:transition p14:dur="0"/>
     </mc:Choice>
-    <mc:Fallback xmlns="">
+    <mc:Fallback>
       <p:transition/>
     </mc:Fallback>
   </mc:AlternateContent>
@@ -4486,7 +6117,7 @@
 </p:sld>
 </file>
 
-<file path=ppt/slides/slide3.xml><?xml version="1.0" encoding="utf-8"?>
+<file path=ppt/slides/slide12.xml><?xml version="1.0" encoding="utf-8"?>
 <p:sld xmlns:a="http://schemas.openxmlformats.org/drawingml/2006/main" xmlns:r="http://schemas.openxmlformats.org/officeDocument/2006/relationships" xmlns:p="http://schemas.openxmlformats.org/presentationml/2006/main">
   <p:cSld>
     <p:spTree>
@@ -4624,7 +6255,7 @@
 </p:sld>
 </file>
 
-<file path=ppt/slides/slide4.xml><?xml version="1.0" encoding="utf-8"?>
+<file path=ppt/slides/slide13.xml><?xml version="1.0" encoding="utf-8"?>
 <p:sld xmlns:a="http://schemas.openxmlformats.org/drawingml/2006/main" xmlns:r="http://schemas.openxmlformats.org/officeDocument/2006/relationships" xmlns:p="http://schemas.openxmlformats.org/presentationml/2006/main">
   <p:cSld>
     <p:spTree>
@@ -4775,6 +6406,2250 @@
 </p:sld>
 </file>
 
+<file path=ppt/slides/slide14.xml><?xml version="1.0" encoding="utf-8"?>
+<p:sld xmlns:a="http://schemas.openxmlformats.org/drawingml/2006/main" xmlns:r="http://schemas.openxmlformats.org/officeDocument/2006/relationships" xmlns:p="http://schemas.openxmlformats.org/presentationml/2006/main">
+  <p:cSld>
+    <p:spTree>
+      <p:nvGrpSpPr>
+        <p:cNvPr id="1" name=""/>
+        <p:cNvGrpSpPr/>
+        <p:nvPr/>
+      </p:nvGrpSpPr>
+      <p:grpSpPr>
+        <a:xfrm>
+          <a:off x="0" y="0"/>
+          <a:ext cx="0" cy="0"/>
+          <a:chOff x="0" y="0"/>
+          <a:chExt cx="0" cy="0"/>
+        </a:xfrm>
+      </p:grpSpPr>
+      <p:sp>
+        <p:nvSpPr>
+          <p:cNvPr id="2" name="Title 1"/>
+          <p:cNvSpPr>
+            <a:spLocks noGrp="1"/>
+          </p:cNvSpPr>
+          <p:nvPr>
+            <p:ph type="title"/>
+          </p:nvPr>
+        </p:nvSpPr>
+        <p:spPr/>
+        <p:txBody>
+          <a:bodyPr/>
+          <a:lstStyle/>
+          <a:p>
+            <a:r>
+              <a:rPr lang="en-CA" dirty="0" smtClean="0"/>
+              <a:t>Exercise</a:t>
+            </a:r>
+            <a:endParaRPr lang="en-CA" dirty="0"/>
+          </a:p>
+        </p:txBody>
+      </p:sp>
+      <p:sp>
+        <p:nvSpPr>
+          <p:cNvPr id="3" name="Content Placeholder 2"/>
+          <p:cNvSpPr>
+            <a:spLocks noGrp="1"/>
+          </p:cNvSpPr>
+          <p:nvPr>
+            <p:ph idx="1"/>
+          </p:nvPr>
+        </p:nvSpPr>
+        <p:spPr>
+          <a:xfrm>
+            <a:off x="676656" y="2011680"/>
+            <a:ext cx="10753725" cy="4249420"/>
+          </a:xfrm>
+        </p:spPr>
+        <p:txBody>
+          <a:bodyPr>
+            <a:normAutofit fontScale="92500"/>
+          </a:bodyPr>
+          <a:lstStyle/>
+          <a:p>
+            <a:r>
+              <a:rPr lang="en-CA" dirty="0" smtClean="0"/>
+              <a:t>The VP Communication of ECSESS needs a new way to send the </a:t>
+            </a:r>
+            <a:r>
+              <a:rPr lang="en-CA" dirty="0" smtClean="0"/>
+              <a:t>livewire newsletter to the students in EE, SE and CE. Currently students send him emails and subsequently he sends an email blast to many people including those who do not wish to receive the live wire. </a:t>
+            </a:r>
+          </a:p>
+          <a:p>
+            <a:r>
+              <a:rPr lang="en-CA" dirty="0" smtClean="0"/>
+              <a:t>What he would like is system where ECSE students can </a:t>
+            </a:r>
+            <a:r>
+              <a:rPr lang="en-CA" b="1" dirty="0" smtClean="0">
+                <a:solidFill>
+                  <a:srgbClr val="00B050"/>
+                </a:solidFill>
+              </a:rPr>
+              <a:t>login</a:t>
+            </a:r>
+            <a:r>
+              <a:rPr lang="en-CA" dirty="0" smtClean="0"/>
+              <a:t> to their </a:t>
+            </a:r>
+            <a:r>
+              <a:rPr lang="en-CA" dirty="0" err="1" smtClean="0"/>
+              <a:t>MyMcGill</a:t>
+            </a:r>
+            <a:r>
+              <a:rPr lang="en-CA" dirty="0" smtClean="0"/>
+              <a:t> account and </a:t>
+            </a:r>
+            <a:r>
+              <a:rPr lang="en-CA" b="1" dirty="0" smtClean="0">
+                <a:solidFill>
+                  <a:srgbClr val="0070C0"/>
+                </a:solidFill>
+              </a:rPr>
+              <a:t>post</a:t>
+            </a:r>
+            <a:r>
+              <a:rPr lang="en-CA" dirty="0" smtClean="0"/>
+              <a:t> their </a:t>
+            </a:r>
+            <a:r>
+              <a:rPr lang="en-CA" b="1" dirty="0" smtClean="0">
+                <a:solidFill>
+                  <a:srgbClr val="00B0F0"/>
+                </a:solidFill>
+              </a:rPr>
+              <a:t>announcements</a:t>
+            </a:r>
+            <a:r>
+              <a:rPr lang="en-CA" dirty="0" smtClean="0"/>
+              <a:t> or </a:t>
+            </a:r>
+            <a:r>
+              <a:rPr lang="en-CA" b="1" dirty="0" smtClean="0">
+                <a:solidFill>
+                  <a:srgbClr val="00B0F0"/>
+                </a:solidFill>
+              </a:rPr>
+              <a:t>campus events</a:t>
+            </a:r>
+            <a:r>
+              <a:rPr lang="en-CA" dirty="0" smtClean="0"/>
+              <a:t>, these news items can be </a:t>
+            </a:r>
+            <a:r>
+              <a:rPr lang="en-CA" b="1" dirty="0" smtClean="0">
+                <a:solidFill>
+                  <a:srgbClr val="FFC000"/>
+                </a:solidFill>
+              </a:rPr>
+              <a:t>edited or removed</a:t>
+            </a:r>
+            <a:r>
+              <a:rPr lang="en-CA" dirty="0" smtClean="0"/>
+              <a:t>. Those news events would come up on a </a:t>
+            </a:r>
+            <a:r>
+              <a:rPr lang="en-CA" b="1" dirty="0" smtClean="0">
+                <a:solidFill>
+                  <a:srgbClr val="002060"/>
+                </a:solidFill>
+              </a:rPr>
+              <a:t>news feed </a:t>
+            </a:r>
+            <a:r>
+              <a:rPr lang="en-CA" dirty="0" smtClean="0"/>
+              <a:t>that students can view in their </a:t>
+            </a:r>
+            <a:r>
+              <a:rPr lang="en-CA" dirty="0" err="1" smtClean="0"/>
+              <a:t>MyMcGill</a:t>
+            </a:r>
+            <a:r>
+              <a:rPr lang="en-CA" dirty="0" smtClean="0"/>
+              <a:t> page. Of course</a:t>
+            </a:r>
+            <a:r>
+              <a:rPr lang="en-CA" dirty="0"/>
+              <a:t>,</a:t>
+            </a:r>
+            <a:r>
+              <a:rPr lang="en-CA" dirty="0" smtClean="0"/>
+              <a:t> he would like to have administrative rights in order to </a:t>
+            </a:r>
+            <a:r>
+              <a:rPr lang="en-CA" b="1" dirty="0" smtClean="0">
+                <a:solidFill>
+                  <a:srgbClr val="FF0000"/>
+                </a:solidFill>
+              </a:rPr>
+              <a:t>prevent abuse</a:t>
+            </a:r>
+            <a:r>
+              <a:rPr lang="en-CA" dirty="0" smtClean="0"/>
+              <a:t>. This would allow him to </a:t>
+            </a:r>
+            <a:r>
+              <a:rPr lang="en-CA" b="1" dirty="0" smtClean="0">
+                <a:solidFill>
+                  <a:srgbClr val="FFC000"/>
+                </a:solidFill>
+              </a:rPr>
+              <a:t>edit and remove </a:t>
+            </a:r>
+            <a:r>
+              <a:rPr lang="en-CA" dirty="0" smtClean="0"/>
+              <a:t>abusive posts.</a:t>
+            </a:r>
+          </a:p>
+          <a:p>
+            <a:endParaRPr lang="en-CA" dirty="0"/>
+          </a:p>
+          <a:p>
+            <a:r>
+              <a:rPr lang="en-CA" dirty="0" smtClean="0"/>
+              <a:t>Draw a </a:t>
+            </a:r>
+            <a:r>
+              <a:rPr lang="en-CA" b="1" dirty="0" smtClean="0">
+                <a:solidFill>
+                  <a:srgbClr val="7030A0"/>
+                </a:solidFill>
+              </a:rPr>
+              <a:t>use case Diagram </a:t>
+            </a:r>
+            <a:r>
+              <a:rPr lang="en-CA" dirty="0" smtClean="0"/>
+              <a:t>to represent the user interface for this scenario. Be sure to have more than one actor and the correct relations between the actions and the actors.</a:t>
+            </a:r>
+            <a:endParaRPr lang="en-CA" dirty="0"/>
+          </a:p>
+        </p:txBody>
+      </p:sp>
+    </p:spTree>
+    <p:extLst>
+      <p:ext uri="{BB962C8B-B14F-4D97-AF65-F5344CB8AC3E}">
+        <p14:creationId xmlns:p14="http://schemas.microsoft.com/office/powerpoint/2010/main" val="2309986464"/>
+      </p:ext>
+    </p:extLst>
+  </p:cSld>
+  <p:clrMapOvr>
+    <a:masterClrMapping/>
+  </p:clrMapOvr>
+  <mc:AlternateContent xmlns:mc="http://schemas.openxmlformats.org/markup-compatibility/2006" xmlns:p14="http://schemas.microsoft.com/office/powerpoint/2010/main">
+    <mc:Choice Requires="p14">
+      <p:transition p14:dur="0"/>
+    </mc:Choice>
+    <mc:Fallback xmlns="">
+      <p:transition/>
+    </mc:Fallback>
+  </mc:AlternateContent>
+  <p:timing>
+    <p:tnLst>
+      <p:par>
+        <p:cTn id="1" dur="indefinite" restart="never" nodeType="tmRoot"/>
+      </p:par>
+    </p:tnLst>
+  </p:timing>
+</p:sld>
+</file>
+
+<file path=ppt/slides/slide15.xml><?xml version="1.0" encoding="utf-8"?>
+<p:sld xmlns:a="http://schemas.openxmlformats.org/drawingml/2006/main" xmlns:r="http://schemas.openxmlformats.org/officeDocument/2006/relationships" xmlns:p="http://schemas.openxmlformats.org/presentationml/2006/main">
+  <p:cSld>
+    <p:spTree>
+      <p:nvGrpSpPr>
+        <p:cNvPr id="1" name=""/>
+        <p:cNvGrpSpPr/>
+        <p:nvPr/>
+      </p:nvGrpSpPr>
+      <p:grpSpPr>
+        <a:xfrm>
+          <a:off x="0" y="0"/>
+          <a:ext cx="0" cy="0"/>
+          <a:chOff x="0" y="0"/>
+          <a:chExt cx="0" cy="0"/>
+        </a:xfrm>
+      </p:grpSpPr>
+      <p:sp>
+        <p:nvSpPr>
+          <p:cNvPr id="2" name="Title 1"/>
+          <p:cNvSpPr>
+            <a:spLocks noGrp="1"/>
+          </p:cNvSpPr>
+          <p:nvPr>
+            <p:ph type="title"/>
+          </p:nvPr>
+        </p:nvSpPr>
+        <p:spPr/>
+        <p:txBody>
+          <a:bodyPr/>
+          <a:lstStyle/>
+          <a:p>
+            <a:r>
+              <a:rPr lang="en-CA" dirty="0" smtClean="0"/>
+              <a:t>Use Case Description</a:t>
+            </a:r>
+            <a:endParaRPr lang="en-CA" dirty="0"/>
+          </a:p>
+        </p:txBody>
+      </p:sp>
+      <p:sp>
+        <p:nvSpPr>
+          <p:cNvPr id="3" name="Content Placeholder 2"/>
+          <p:cNvSpPr>
+            <a:spLocks noGrp="1"/>
+          </p:cNvSpPr>
+          <p:nvPr>
+            <p:ph idx="1"/>
+          </p:nvPr>
+        </p:nvSpPr>
+        <p:spPr>
+          <a:xfrm>
+            <a:off x="676656" y="2011680"/>
+            <a:ext cx="10753725" cy="4249420"/>
+          </a:xfrm>
+        </p:spPr>
+        <p:txBody>
+          <a:bodyPr>
+            <a:normAutofit/>
+          </a:bodyPr>
+          <a:lstStyle/>
+          <a:p>
+            <a:r>
+              <a:rPr lang="en-CA" dirty="0" smtClean="0"/>
+              <a:t>Describes a use case in the following manner:</a:t>
+            </a:r>
+          </a:p>
+          <a:p>
+            <a:pPr marL="461772" lvl="1" indent="-457200">
+              <a:buFont typeface="+mj-lt"/>
+              <a:buAutoNum type="arabicPeriod"/>
+            </a:pPr>
+            <a:r>
+              <a:rPr lang="en-CA" dirty="0" smtClean="0"/>
+              <a:t>Goals</a:t>
+            </a:r>
+          </a:p>
+          <a:p>
+            <a:pPr marL="461772" lvl="1" indent="-457200">
+              <a:buFont typeface="+mj-lt"/>
+              <a:buAutoNum type="arabicPeriod"/>
+            </a:pPr>
+            <a:r>
+              <a:rPr lang="en-CA" dirty="0" smtClean="0"/>
+              <a:t>Entry conditions</a:t>
+            </a:r>
+          </a:p>
+          <a:p>
+            <a:pPr marL="461772" lvl="1" indent="-457200">
+              <a:buFont typeface="+mj-lt"/>
+              <a:buAutoNum type="arabicPeriod"/>
+            </a:pPr>
+            <a:r>
+              <a:rPr lang="en-CA" dirty="0" smtClean="0"/>
+              <a:t>Flow of events</a:t>
+            </a:r>
+          </a:p>
+          <a:p>
+            <a:endParaRPr lang="en-CA" dirty="0"/>
+          </a:p>
+        </p:txBody>
+      </p:sp>
+    </p:spTree>
+    <p:extLst>
+      <p:ext uri="{BB962C8B-B14F-4D97-AF65-F5344CB8AC3E}">
+        <p14:creationId xmlns:p14="http://schemas.microsoft.com/office/powerpoint/2010/main" val="334726521"/>
+      </p:ext>
+    </p:extLst>
+  </p:cSld>
+  <p:clrMapOvr>
+    <a:masterClrMapping/>
+  </p:clrMapOvr>
+  <mc:AlternateContent xmlns:mc="http://schemas.openxmlformats.org/markup-compatibility/2006">
+    <mc:Choice xmlns:p14="http://schemas.microsoft.com/office/powerpoint/2010/main" Requires="p14">
+      <p:transition p14:dur="0"/>
+    </mc:Choice>
+    <mc:Fallback>
+      <p:transition/>
+    </mc:Fallback>
+  </mc:AlternateContent>
+  <p:timing>
+    <p:tnLst>
+      <p:par>
+        <p:cTn id="1" dur="indefinite" restart="never" nodeType="tmRoot"/>
+      </p:par>
+    </p:tnLst>
+  </p:timing>
+</p:sld>
+</file>
+
+<file path=ppt/slides/slide16.xml><?xml version="1.0" encoding="utf-8"?>
+<p:sld xmlns:a="http://schemas.openxmlformats.org/drawingml/2006/main" xmlns:r="http://schemas.openxmlformats.org/officeDocument/2006/relationships" xmlns:p="http://schemas.openxmlformats.org/presentationml/2006/main">
+  <p:cSld>
+    <p:spTree>
+      <p:nvGrpSpPr>
+        <p:cNvPr id="1" name=""/>
+        <p:cNvGrpSpPr/>
+        <p:nvPr/>
+      </p:nvGrpSpPr>
+      <p:grpSpPr>
+        <a:xfrm>
+          <a:off x="0" y="0"/>
+          <a:ext cx="0" cy="0"/>
+          <a:chOff x="0" y="0"/>
+          <a:chExt cx="0" cy="0"/>
+        </a:xfrm>
+      </p:grpSpPr>
+      <p:sp>
+        <p:nvSpPr>
+          <p:cNvPr id="2" name="Title 1"/>
+          <p:cNvSpPr>
+            <a:spLocks noGrp="1"/>
+          </p:cNvSpPr>
+          <p:nvPr>
+            <p:ph type="title"/>
+          </p:nvPr>
+        </p:nvSpPr>
+        <p:spPr/>
+        <p:txBody>
+          <a:bodyPr/>
+          <a:lstStyle/>
+          <a:p>
+            <a:r>
+              <a:rPr lang="en-CA" dirty="0" smtClean="0"/>
+              <a:t>Use Case Description</a:t>
+            </a:r>
+            <a:endParaRPr lang="en-CA" dirty="0"/>
+          </a:p>
+        </p:txBody>
+      </p:sp>
+      <p:pic>
+        <p:nvPicPr>
+          <p:cNvPr id="5" name="Content Placeholder 4"/>
+          <p:cNvPicPr>
+            <a:picLocks noGrp="1" noChangeAspect="1"/>
+          </p:cNvPicPr>
+          <p:nvPr>
+            <p:ph idx="1"/>
+          </p:nvPr>
+        </p:nvPicPr>
+        <p:blipFill>
+          <a:blip r:embed="rId3"/>
+          <a:stretch>
+            <a:fillRect/>
+          </a:stretch>
+        </p:blipFill>
+        <p:spPr>
+          <a:xfrm>
+            <a:off x="657224" y="2157730"/>
+            <a:ext cx="6591300" cy="3295650"/>
+          </a:xfrm>
+          <a:prstGeom prst="rect">
+            <a:avLst/>
+          </a:prstGeom>
+        </p:spPr>
+      </p:pic>
+      <p:pic>
+        <p:nvPicPr>
+          <p:cNvPr id="4" name="Picture 3"/>
+          <p:cNvPicPr>
+            <a:picLocks noChangeAspect="1"/>
+          </p:cNvPicPr>
+          <p:nvPr/>
+        </p:nvPicPr>
+        <p:blipFill>
+          <a:blip r:embed="rId4"/>
+          <a:stretch>
+            <a:fillRect/>
+          </a:stretch>
+        </p:blipFill>
+        <p:spPr>
+          <a:xfrm>
+            <a:off x="8105775" y="1038543"/>
+            <a:ext cx="2990850" cy="2238375"/>
+          </a:xfrm>
+          <a:prstGeom prst="rect">
+            <a:avLst/>
+          </a:prstGeom>
+        </p:spPr>
+      </p:pic>
+    </p:spTree>
+    <p:extLst>
+      <p:ext uri="{BB962C8B-B14F-4D97-AF65-F5344CB8AC3E}">
+        <p14:creationId xmlns:p14="http://schemas.microsoft.com/office/powerpoint/2010/main" val="785142466"/>
+      </p:ext>
+    </p:extLst>
+  </p:cSld>
+  <p:clrMapOvr>
+    <a:masterClrMapping/>
+  </p:clrMapOvr>
+  <mc:AlternateContent xmlns:mc="http://schemas.openxmlformats.org/markup-compatibility/2006">
+    <mc:Choice xmlns:p14="http://schemas.microsoft.com/office/powerpoint/2010/main" Requires="p14">
+      <p:transition p14:dur="0"/>
+    </mc:Choice>
+    <mc:Fallback>
+      <p:transition/>
+    </mc:Fallback>
+  </mc:AlternateContent>
+  <p:timing>
+    <p:tnLst>
+      <p:par>
+        <p:cTn id="1" dur="indefinite" restart="never" nodeType="tmRoot"/>
+      </p:par>
+    </p:tnLst>
+  </p:timing>
+</p:sld>
+</file>
+
+<file path=ppt/slides/slide17.xml><?xml version="1.0" encoding="utf-8"?>
+<p:sld xmlns:a="http://schemas.openxmlformats.org/drawingml/2006/main" xmlns:r="http://schemas.openxmlformats.org/officeDocument/2006/relationships" xmlns:p="http://schemas.openxmlformats.org/presentationml/2006/main">
+  <p:cSld>
+    <p:spTree>
+      <p:nvGrpSpPr>
+        <p:cNvPr id="1" name=""/>
+        <p:cNvGrpSpPr/>
+        <p:nvPr/>
+      </p:nvGrpSpPr>
+      <p:grpSpPr>
+        <a:xfrm>
+          <a:off x="0" y="0"/>
+          <a:ext cx="0" cy="0"/>
+          <a:chOff x="0" y="0"/>
+          <a:chExt cx="0" cy="0"/>
+        </a:xfrm>
+      </p:grpSpPr>
+      <p:sp>
+        <p:nvSpPr>
+          <p:cNvPr id="2" name="Title 1"/>
+          <p:cNvSpPr>
+            <a:spLocks noGrp="1"/>
+          </p:cNvSpPr>
+          <p:nvPr>
+            <p:ph type="title"/>
+          </p:nvPr>
+        </p:nvSpPr>
+        <p:spPr/>
+        <p:txBody>
+          <a:bodyPr/>
+          <a:lstStyle/>
+          <a:p>
+            <a:r>
+              <a:rPr lang="en-CA" dirty="0" smtClean="0"/>
+              <a:t>Use Case Description</a:t>
+            </a:r>
+            <a:endParaRPr lang="en-CA" dirty="0"/>
+          </a:p>
+        </p:txBody>
+      </p:sp>
+      <p:pic>
+        <p:nvPicPr>
+          <p:cNvPr id="4" name="Picture 3"/>
+          <p:cNvPicPr>
+            <a:picLocks noChangeAspect="1"/>
+          </p:cNvPicPr>
+          <p:nvPr/>
+        </p:nvPicPr>
+        <p:blipFill>
+          <a:blip r:embed="rId3"/>
+          <a:stretch>
+            <a:fillRect/>
+          </a:stretch>
+        </p:blipFill>
+        <p:spPr>
+          <a:xfrm>
+            <a:off x="8105775" y="1038543"/>
+            <a:ext cx="2990850" cy="2238375"/>
+          </a:xfrm>
+          <a:prstGeom prst="rect">
+            <a:avLst/>
+          </a:prstGeom>
+        </p:spPr>
+      </p:pic>
+      <p:pic>
+        <p:nvPicPr>
+          <p:cNvPr id="7" name="Content Placeholder 6"/>
+          <p:cNvPicPr>
+            <a:picLocks noGrp="1" noChangeAspect="1"/>
+          </p:cNvPicPr>
+          <p:nvPr>
+            <p:ph idx="1"/>
+          </p:nvPr>
+        </p:nvPicPr>
+        <p:blipFill>
+          <a:blip r:embed="rId4"/>
+          <a:stretch>
+            <a:fillRect/>
+          </a:stretch>
+        </p:blipFill>
+        <p:spPr>
+          <a:xfrm>
+            <a:off x="657224" y="2275681"/>
+            <a:ext cx="6524625" cy="1104900"/>
+          </a:xfrm>
+          <a:prstGeom prst="rect">
+            <a:avLst/>
+          </a:prstGeom>
+        </p:spPr>
+      </p:pic>
+      <p:pic>
+        <p:nvPicPr>
+          <p:cNvPr id="8" name="Picture 7"/>
+          <p:cNvPicPr>
+            <a:picLocks noChangeAspect="1"/>
+          </p:cNvPicPr>
+          <p:nvPr/>
+        </p:nvPicPr>
+        <p:blipFill>
+          <a:blip r:embed="rId5"/>
+          <a:stretch>
+            <a:fillRect/>
+          </a:stretch>
+        </p:blipFill>
+        <p:spPr>
+          <a:xfrm>
+            <a:off x="731837" y="3359046"/>
+            <a:ext cx="6486525" cy="1876425"/>
+          </a:xfrm>
+          <a:prstGeom prst="rect">
+            <a:avLst/>
+          </a:prstGeom>
+        </p:spPr>
+      </p:pic>
+    </p:spTree>
+    <p:extLst>
+      <p:ext uri="{BB962C8B-B14F-4D97-AF65-F5344CB8AC3E}">
+        <p14:creationId xmlns:p14="http://schemas.microsoft.com/office/powerpoint/2010/main" val="3386128599"/>
+      </p:ext>
+    </p:extLst>
+  </p:cSld>
+  <p:clrMapOvr>
+    <a:masterClrMapping/>
+  </p:clrMapOvr>
+  <mc:AlternateContent xmlns:mc="http://schemas.openxmlformats.org/markup-compatibility/2006">
+    <mc:Choice xmlns:p14="http://schemas.microsoft.com/office/powerpoint/2010/main" Requires="p14">
+      <p:transition p14:dur="0"/>
+    </mc:Choice>
+    <mc:Fallback>
+      <p:transition/>
+    </mc:Fallback>
+  </mc:AlternateContent>
+  <p:timing>
+    <p:tnLst>
+      <p:par>
+        <p:cTn id="1" dur="indefinite" restart="never" nodeType="tmRoot"/>
+      </p:par>
+    </p:tnLst>
+  </p:timing>
+</p:sld>
+</file>
+
+<file path=ppt/slides/slide18.xml><?xml version="1.0" encoding="utf-8"?>
+<p:sld xmlns:a="http://schemas.openxmlformats.org/drawingml/2006/main" xmlns:r="http://schemas.openxmlformats.org/officeDocument/2006/relationships" xmlns:p="http://schemas.openxmlformats.org/presentationml/2006/main">
+  <p:cSld>
+    <p:spTree>
+      <p:nvGrpSpPr>
+        <p:cNvPr id="1" name=""/>
+        <p:cNvGrpSpPr/>
+        <p:nvPr/>
+      </p:nvGrpSpPr>
+      <p:grpSpPr>
+        <a:xfrm>
+          <a:off x="0" y="0"/>
+          <a:ext cx="0" cy="0"/>
+          <a:chOff x="0" y="0"/>
+          <a:chExt cx="0" cy="0"/>
+        </a:xfrm>
+      </p:grpSpPr>
+      <p:sp>
+        <p:nvSpPr>
+          <p:cNvPr id="2" name="Title 1"/>
+          <p:cNvSpPr>
+            <a:spLocks noGrp="1"/>
+          </p:cNvSpPr>
+          <p:nvPr>
+            <p:ph type="title"/>
+          </p:nvPr>
+        </p:nvSpPr>
+        <p:spPr/>
+        <p:txBody>
+          <a:bodyPr/>
+          <a:lstStyle/>
+          <a:p>
+            <a:r>
+              <a:rPr lang="en-CA" dirty="0" smtClean="0"/>
+              <a:t>Use Case Description</a:t>
+            </a:r>
+            <a:endParaRPr lang="en-CA" dirty="0"/>
+          </a:p>
+        </p:txBody>
+      </p:sp>
+      <p:pic>
+        <p:nvPicPr>
+          <p:cNvPr id="4" name="Picture 3"/>
+          <p:cNvPicPr>
+            <a:picLocks noChangeAspect="1"/>
+          </p:cNvPicPr>
+          <p:nvPr/>
+        </p:nvPicPr>
+        <p:blipFill>
+          <a:blip r:embed="rId3"/>
+          <a:stretch>
+            <a:fillRect/>
+          </a:stretch>
+        </p:blipFill>
+        <p:spPr>
+          <a:xfrm>
+            <a:off x="8105775" y="1038543"/>
+            <a:ext cx="2990850" cy="2238375"/>
+          </a:xfrm>
+          <a:prstGeom prst="rect">
+            <a:avLst/>
+          </a:prstGeom>
+        </p:spPr>
+      </p:pic>
+      <p:pic>
+        <p:nvPicPr>
+          <p:cNvPr id="5" name="Content Placeholder 4"/>
+          <p:cNvPicPr>
+            <a:picLocks noGrp="1" noChangeAspect="1"/>
+          </p:cNvPicPr>
+          <p:nvPr>
+            <p:ph idx="1"/>
+          </p:nvPr>
+        </p:nvPicPr>
+        <p:blipFill>
+          <a:blip r:embed="rId4"/>
+          <a:stretch>
+            <a:fillRect/>
+          </a:stretch>
+        </p:blipFill>
+        <p:spPr>
+          <a:xfrm>
+            <a:off x="657224" y="2157730"/>
+            <a:ext cx="6610350" cy="3429000"/>
+          </a:xfrm>
+          <a:prstGeom prst="rect">
+            <a:avLst/>
+          </a:prstGeom>
+        </p:spPr>
+      </p:pic>
+    </p:spTree>
+    <p:extLst>
+      <p:ext uri="{BB962C8B-B14F-4D97-AF65-F5344CB8AC3E}">
+        <p14:creationId xmlns:p14="http://schemas.microsoft.com/office/powerpoint/2010/main" val="951097430"/>
+      </p:ext>
+    </p:extLst>
+  </p:cSld>
+  <p:clrMapOvr>
+    <a:masterClrMapping/>
+  </p:clrMapOvr>
+  <mc:AlternateContent xmlns:mc="http://schemas.openxmlformats.org/markup-compatibility/2006">
+    <mc:Choice xmlns:p14="http://schemas.microsoft.com/office/powerpoint/2010/main" Requires="p14">
+      <p:transition p14:dur="0"/>
+    </mc:Choice>
+    <mc:Fallback>
+      <p:transition/>
+    </mc:Fallback>
+  </mc:AlternateContent>
+  <p:timing>
+    <p:tnLst>
+      <p:par>
+        <p:cTn id="1" dur="indefinite" restart="never" nodeType="tmRoot"/>
+      </p:par>
+    </p:tnLst>
+  </p:timing>
+</p:sld>
+</file>
+
+<file path=ppt/slides/slide19.xml><?xml version="1.0" encoding="utf-8"?>
+<p:sld xmlns:a="http://schemas.openxmlformats.org/drawingml/2006/main" xmlns:r="http://schemas.openxmlformats.org/officeDocument/2006/relationships" xmlns:p="http://schemas.openxmlformats.org/presentationml/2006/main">
+  <p:cSld>
+    <p:spTree>
+      <p:nvGrpSpPr>
+        <p:cNvPr id="1" name=""/>
+        <p:cNvGrpSpPr/>
+        <p:nvPr/>
+      </p:nvGrpSpPr>
+      <p:grpSpPr>
+        <a:xfrm>
+          <a:off x="0" y="0"/>
+          <a:ext cx="0" cy="0"/>
+          <a:chOff x="0" y="0"/>
+          <a:chExt cx="0" cy="0"/>
+        </a:xfrm>
+      </p:grpSpPr>
+      <p:sp>
+        <p:nvSpPr>
+          <p:cNvPr id="2" name="Title 1"/>
+          <p:cNvSpPr>
+            <a:spLocks noGrp="1"/>
+          </p:cNvSpPr>
+          <p:nvPr>
+            <p:ph type="title"/>
+          </p:nvPr>
+        </p:nvSpPr>
+        <p:spPr/>
+        <p:txBody>
+          <a:bodyPr/>
+          <a:lstStyle/>
+          <a:p>
+            <a:r>
+              <a:rPr lang="en-CA" dirty="0" smtClean="0"/>
+              <a:t>Use Case Description Exercise</a:t>
+            </a:r>
+            <a:endParaRPr lang="en-CA" dirty="0"/>
+          </a:p>
+        </p:txBody>
+      </p:sp>
+      <p:sp>
+        <p:nvSpPr>
+          <p:cNvPr id="3" name="Content Placeholder 2"/>
+          <p:cNvSpPr>
+            <a:spLocks noGrp="1"/>
+          </p:cNvSpPr>
+          <p:nvPr>
+            <p:ph idx="1"/>
+          </p:nvPr>
+        </p:nvSpPr>
+        <p:spPr/>
+        <p:txBody>
+          <a:bodyPr/>
+          <a:lstStyle/>
+          <a:p>
+            <a:r>
+              <a:rPr lang="en-CA" dirty="0" smtClean="0"/>
+              <a:t>Create a use Case description for one of the use Cases from the Newsletter example</a:t>
+            </a:r>
+            <a:endParaRPr lang="en-CA" dirty="0"/>
+          </a:p>
+        </p:txBody>
+      </p:sp>
+    </p:spTree>
+    <p:extLst>
+      <p:ext uri="{BB962C8B-B14F-4D97-AF65-F5344CB8AC3E}">
+        <p14:creationId xmlns:p14="http://schemas.microsoft.com/office/powerpoint/2010/main" val="2099429030"/>
+      </p:ext>
+    </p:extLst>
+  </p:cSld>
+  <p:clrMapOvr>
+    <a:masterClrMapping/>
+  </p:clrMapOvr>
+  <mc:AlternateContent xmlns:mc="http://schemas.openxmlformats.org/markup-compatibility/2006">
+    <mc:Choice xmlns:p14="http://schemas.microsoft.com/office/powerpoint/2010/main" Requires="p14">
+      <p:transition p14:dur="0"/>
+    </mc:Choice>
+    <mc:Fallback>
+      <p:transition/>
+    </mc:Fallback>
+  </mc:AlternateContent>
+  <p:timing>
+    <p:tnLst>
+      <p:par>
+        <p:cTn id="1" dur="indefinite" restart="never" nodeType="tmRoot"/>
+      </p:par>
+    </p:tnLst>
+  </p:timing>
+</p:sld>
+</file>
+
+<file path=ppt/slides/slide2.xml><?xml version="1.0" encoding="utf-8"?>
+<p:sld xmlns:a="http://schemas.openxmlformats.org/drawingml/2006/main" xmlns:r="http://schemas.openxmlformats.org/officeDocument/2006/relationships" xmlns:p="http://schemas.openxmlformats.org/presentationml/2006/main">
+  <p:cSld>
+    <p:spTree>
+      <p:nvGrpSpPr>
+        <p:cNvPr id="1" name=""/>
+        <p:cNvGrpSpPr/>
+        <p:nvPr/>
+      </p:nvGrpSpPr>
+      <p:grpSpPr>
+        <a:xfrm>
+          <a:off x="0" y="0"/>
+          <a:ext cx="0" cy="0"/>
+          <a:chOff x="0" y="0"/>
+          <a:chExt cx="0" cy="0"/>
+        </a:xfrm>
+      </p:grpSpPr>
+      <p:sp>
+        <p:nvSpPr>
+          <p:cNvPr id="2" name="Title 1"/>
+          <p:cNvSpPr>
+            <a:spLocks noGrp="1"/>
+          </p:cNvSpPr>
+          <p:nvPr>
+            <p:ph type="title"/>
+          </p:nvPr>
+        </p:nvSpPr>
+        <p:spPr/>
+        <p:txBody>
+          <a:bodyPr/>
+          <a:lstStyle/>
+          <a:p>
+            <a:r>
+              <a:rPr lang="en-US" dirty="0" smtClean="0"/>
+              <a:t>Decision Tables</a:t>
+            </a:r>
+            <a:endParaRPr lang="en-US" dirty="0"/>
+          </a:p>
+        </p:txBody>
+      </p:sp>
+      <p:sp>
+        <p:nvSpPr>
+          <p:cNvPr id="7" name="TextBox 6"/>
+          <p:cNvSpPr txBox="1"/>
+          <p:nvPr/>
+        </p:nvSpPr>
+        <p:spPr>
+          <a:xfrm>
+            <a:off x="1169233" y="2293495"/>
+            <a:ext cx="2013693" cy="1815882"/>
+          </a:xfrm>
+          <a:prstGeom prst="rect">
+            <a:avLst/>
+          </a:prstGeom>
+          <a:noFill/>
+        </p:spPr>
+        <p:txBody>
+          <a:bodyPr wrap="none" rtlCol="0">
+            <a:spAutoFit/>
+          </a:bodyPr>
+          <a:lstStyle/>
+          <a:p>
+            <a:pPr marL="285750" indent="-285750">
+              <a:buFont typeface="Arial" panose="020B0604020202020204" pitchFamily="34" charset="0"/>
+              <a:buChar char="•"/>
+            </a:pPr>
+            <a:r>
+              <a:rPr lang="en-CA" sz="2800" b="1" dirty="0" smtClean="0">
+                <a:solidFill>
+                  <a:srgbClr val="7030A0"/>
+                </a:solidFill>
+              </a:rPr>
+              <a:t>Test Cases</a:t>
+            </a:r>
+            <a:endParaRPr lang="en-CA" sz="2800" b="1" dirty="0" smtClean="0">
+              <a:solidFill>
+                <a:srgbClr val="7030A0"/>
+              </a:solidFill>
+            </a:endParaRPr>
+          </a:p>
+          <a:p>
+            <a:pPr marL="285750" indent="-285750">
+              <a:buFont typeface="Arial" panose="020B0604020202020204" pitchFamily="34" charset="0"/>
+              <a:buChar char="•"/>
+            </a:pPr>
+            <a:r>
+              <a:rPr lang="en-CA" sz="2800" b="1" dirty="0" smtClean="0">
+                <a:solidFill>
+                  <a:srgbClr val="00B050"/>
+                </a:solidFill>
+              </a:rPr>
+              <a:t>Conditions</a:t>
+            </a:r>
+          </a:p>
+          <a:p>
+            <a:pPr marL="285750" indent="-285750">
+              <a:buFont typeface="Arial" panose="020B0604020202020204" pitchFamily="34" charset="0"/>
+              <a:buChar char="•"/>
+            </a:pPr>
+            <a:r>
+              <a:rPr lang="en-CA" sz="2800" b="1" dirty="0" smtClean="0">
+                <a:solidFill>
+                  <a:srgbClr val="C00000"/>
+                </a:solidFill>
+              </a:rPr>
+              <a:t>Outcomes</a:t>
+            </a:r>
+            <a:endParaRPr lang="en-CA" sz="2800" b="1" dirty="0" smtClean="0">
+              <a:solidFill>
+                <a:srgbClr val="C00000"/>
+              </a:solidFill>
+            </a:endParaRPr>
+          </a:p>
+          <a:p>
+            <a:endParaRPr lang="en-CA" sz="2800" dirty="0"/>
+          </a:p>
+        </p:txBody>
+      </p:sp>
+      <p:pic>
+        <p:nvPicPr>
+          <p:cNvPr id="1032" name="Picture 8" descr="http://hsc.csu.edu.au/ipt/project_work/3287/decision_table.jpg"/>
+          <p:cNvPicPr>
+            <a:picLocks noGrp="1" noChangeAspect="1" noChangeArrowheads="1"/>
+          </p:cNvPicPr>
+          <p:nvPr>
+            <p:ph idx="1"/>
+          </p:nvPr>
+        </p:nvPicPr>
+        <p:blipFill>
+          <a:blip r:embed="rId3">
+            <a:extLst>
+              <a:ext uri="{28A0092B-C50C-407E-A947-70E740481C1C}">
+                <a14:useLocalDpi xmlns:a14="http://schemas.microsoft.com/office/drawing/2010/main" val="0"/>
+              </a:ext>
+            </a:extLst>
+          </a:blip>
+          <a:srcRect/>
+          <a:stretch>
+            <a:fillRect/>
+          </a:stretch>
+        </p:blipFill>
+        <p:spPr bwMode="auto">
+          <a:xfrm>
+            <a:off x="5360253" y="499533"/>
+            <a:ext cx="6467342" cy="6066367"/>
+          </a:xfrm>
+          <a:prstGeom prst="rect">
+            <a:avLst/>
+          </a:prstGeom>
+          <a:noFill/>
+          <a:extLst>
+            <a:ext uri="{909E8E84-426E-40DD-AFC4-6F175D3DCCD1}">
+              <a14:hiddenFill xmlns:a14="http://schemas.microsoft.com/office/drawing/2010/main">
+                <a:solidFill>
+                  <a:srgbClr val="FFFFFF"/>
+                </a:solidFill>
+              </a14:hiddenFill>
+            </a:ext>
+          </a:extLst>
+        </p:spPr>
+      </p:pic>
+    </p:spTree>
+    <p:extLst>
+      <p:ext uri="{BB962C8B-B14F-4D97-AF65-F5344CB8AC3E}">
+        <p14:creationId xmlns:p14="http://schemas.microsoft.com/office/powerpoint/2010/main" val="3388055983"/>
+      </p:ext>
+    </p:extLst>
+  </p:cSld>
+  <p:clrMapOvr>
+    <a:masterClrMapping/>
+  </p:clrMapOvr>
+  <mc:AlternateContent xmlns:mc="http://schemas.openxmlformats.org/markup-compatibility/2006" xmlns:p14="http://schemas.microsoft.com/office/powerpoint/2010/main">
+    <mc:Choice Requires="p14">
+      <p:transition p14:dur="0"/>
+    </mc:Choice>
+    <mc:Fallback xmlns="">
+      <p:transition/>
+    </mc:Fallback>
+  </mc:AlternateContent>
+  <p:timing>
+    <p:tnLst>
+      <p:par>
+        <p:cTn id="1" dur="indefinite" restart="never" nodeType="tmRoot"/>
+      </p:par>
+    </p:tnLst>
+  </p:timing>
+</p:sld>
+</file>
+
+<file path=ppt/slides/slide20.xml><?xml version="1.0" encoding="utf-8"?>
+<p:sld xmlns:a="http://schemas.openxmlformats.org/drawingml/2006/main" xmlns:r="http://schemas.openxmlformats.org/officeDocument/2006/relationships" xmlns:p="http://schemas.openxmlformats.org/presentationml/2006/main">
+  <p:cSld>
+    <p:spTree>
+      <p:nvGrpSpPr>
+        <p:cNvPr id="1" name=""/>
+        <p:cNvGrpSpPr/>
+        <p:nvPr/>
+      </p:nvGrpSpPr>
+      <p:grpSpPr>
+        <a:xfrm>
+          <a:off x="0" y="0"/>
+          <a:ext cx="0" cy="0"/>
+          <a:chOff x="0" y="0"/>
+          <a:chExt cx="0" cy="0"/>
+        </a:xfrm>
+      </p:grpSpPr>
+      <p:sp>
+        <p:nvSpPr>
+          <p:cNvPr id="2" name="Title 1"/>
+          <p:cNvSpPr>
+            <a:spLocks noGrp="1"/>
+          </p:cNvSpPr>
+          <p:nvPr>
+            <p:ph type="title"/>
+          </p:nvPr>
+        </p:nvSpPr>
+        <p:spPr/>
+        <p:txBody>
+          <a:bodyPr/>
+          <a:lstStyle/>
+          <a:p>
+            <a:r>
+              <a:rPr lang="en-CA" dirty="0" smtClean="0"/>
+              <a:t>Use Case Concept Questions</a:t>
+            </a:r>
+            <a:endParaRPr lang="en-CA" dirty="0"/>
+          </a:p>
+        </p:txBody>
+      </p:sp>
+      <p:sp>
+        <p:nvSpPr>
+          <p:cNvPr id="3" name="Content Placeholder 2"/>
+          <p:cNvSpPr>
+            <a:spLocks noGrp="1"/>
+          </p:cNvSpPr>
+          <p:nvPr>
+            <p:ph idx="1"/>
+          </p:nvPr>
+        </p:nvSpPr>
+        <p:spPr>
+          <a:xfrm>
+            <a:off x="676656" y="2011680"/>
+            <a:ext cx="10753725" cy="4249420"/>
+          </a:xfrm>
+        </p:spPr>
+        <p:txBody>
+          <a:bodyPr>
+            <a:normAutofit/>
+          </a:bodyPr>
+          <a:lstStyle/>
+          <a:p>
+            <a:r>
+              <a:rPr lang="en-CA" dirty="0" smtClean="0"/>
+              <a:t>Is there inheritance for actors in Use case Diagrams?</a:t>
+            </a:r>
+          </a:p>
+          <a:p>
+            <a:r>
+              <a:rPr lang="en-CA" dirty="0" smtClean="0"/>
+              <a:t>Can a software component be an Actor?</a:t>
+            </a:r>
+          </a:p>
+          <a:p>
+            <a:r>
+              <a:rPr lang="en-CA" dirty="0" smtClean="0"/>
+              <a:t>Do Use Case Diagrams describe High Level concepts or Low Level Concepts?</a:t>
+            </a:r>
+            <a:endParaRPr lang="en-CA" dirty="0"/>
+          </a:p>
+        </p:txBody>
+      </p:sp>
+    </p:spTree>
+    <p:extLst>
+      <p:ext uri="{BB962C8B-B14F-4D97-AF65-F5344CB8AC3E}">
+        <p14:creationId xmlns:p14="http://schemas.microsoft.com/office/powerpoint/2010/main" val="3300774296"/>
+      </p:ext>
+    </p:extLst>
+  </p:cSld>
+  <p:clrMapOvr>
+    <a:masterClrMapping/>
+  </p:clrMapOvr>
+  <mc:AlternateContent xmlns:mc="http://schemas.openxmlformats.org/markup-compatibility/2006">
+    <mc:Choice xmlns:p14="http://schemas.microsoft.com/office/powerpoint/2010/main" Requires="p14">
+      <p:transition p14:dur="0"/>
+    </mc:Choice>
+    <mc:Fallback>
+      <p:transition/>
+    </mc:Fallback>
+  </mc:AlternateContent>
+  <p:timing>
+    <p:tnLst>
+      <p:par>
+        <p:cTn id="1" dur="indefinite" restart="never" nodeType="tmRoot"/>
+      </p:par>
+    </p:tnLst>
+  </p:timing>
+</p:sld>
+</file>
+
+<file path=ppt/slides/slide21.xml><?xml version="1.0" encoding="utf-8"?>
+<p:sld xmlns:a="http://schemas.openxmlformats.org/drawingml/2006/main" xmlns:r="http://schemas.openxmlformats.org/officeDocument/2006/relationships" xmlns:p="http://schemas.openxmlformats.org/presentationml/2006/main">
+  <p:cSld>
+    <p:spTree>
+      <p:nvGrpSpPr>
+        <p:cNvPr id="1" name=""/>
+        <p:cNvGrpSpPr/>
+        <p:nvPr/>
+      </p:nvGrpSpPr>
+      <p:grpSpPr>
+        <a:xfrm>
+          <a:off x="0" y="0"/>
+          <a:ext cx="0" cy="0"/>
+          <a:chOff x="0" y="0"/>
+          <a:chExt cx="0" cy="0"/>
+        </a:xfrm>
+      </p:grpSpPr>
+      <p:sp>
+        <p:nvSpPr>
+          <p:cNvPr id="2" name="Title 1"/>
+          <p:cNvSpPr>
+            <a:spLocks noGrp="1"/>
+          </p:cNvSpPr>
+          <p:nvPr>
+            <p:ph type="title"/>
+          </p:nvPr>
+        </p:nvSpPr>
+        <p:spPr/>
+        <p:txBody>
+          <a:bodyPr/>
+          <a:lstStyle/>
+          <a:p>
+            <a:r>
+              <a:rPr lang="en-CA" dirty="0" smtClean="0"/>
+              <a:t>Use Case Concept Questions</a:t>
+            </a:r>
+            <a:endParaRPr lang="en-CA" dirty="0"/>
+          </a:p>
+        </p:txBody>
+      </p:sp>
+      <p:sp>
+        <p:nvSpPr>
+          <p:cNvPr id="3" name="Content Placeholder 2"/>
+          <p:cNvSpPr>
+            <a:spLocks noGrp="1"/>
+          </p:cNvSpPr>
+          <p:nvPr>
+            <p:ph idx="1"/>
+          </p:nvPr>
+        </p:nvSpPr>
+        <p:spPr>
+          <a:xfrm>
+            <a:off x="676656" y="2011680"/>
+            <a:ext cx="10753725" cy="4249420"/>
+          </a:xfrm>
+        </p:spPr>
+        <p:txBody>
+          <a:bodyPr>
+            <a:normAutofit/>
+          </a:bodyPr>
+          <a:lstStyle/>
+          <a:p>
+            <a:r>
+              <a:rPr lang="en-CA" dirty="0" smtClean="0"/>
+              <a:t>SRS Due </a:t>
+            </a:r>
+            <a:r>
+              <a:rPr lang="en-CA" dirty="0" smtClean="0"/>
+              <a:t>Sunday </a:t>
+            </a:r>
+            <a:r>
+              <a:rPr lang="en-CA" dirty="0" smtClean="0"/>
+              <a:t>FEB 15</a:t>
+            </a:r>
+          </a:p>
+          <a:p>
+            <a:endParaRPr lang="en-CA" dirty="0"/>
+          </a:p>
+          <a:p>
+            <a:r>
+              <a:rPr lang="en-CA" dirty="0" smtClean="0"/>
+              <a:t>Good luck Have Fun</a:t>
+            </a:r>
+            <a:endParaRPr lang="en-CA" dirty="0"/>
+          </a:p>
+        </p:txBody>
+      </p:sp>
+    </p:spTree>
+    <p:extLst>
+      <p:ext uri="{BB962C8B-B14F-4D97-AF65-F5344CB8AC3E}">
+        <p14:creationId xmlns:p14="http://schemas.microsoft.com/office/powerpoint/2010/main" val="1646786585"/>
+      </p:ext>
+    </p:extLst>
+  </p:cSld>
+  <p:clrMapOvr>
+    <a:masterClrMapping/>
+  </p:clrMapOvr>
+  <mc:AlternateContent xmlns:mc="http://schemas.openxmlformats.org/markup-compatibility/2006">
+    <mc:Choice xmlns:p14="http://schemas.microsoft.com/office/powerpoint/2010/main" Requires="p14">
+      <p:transition p14:dur="0"/>
+    </mc:Choice>
+    <mc:Fallback>
+      <p:transition/>
+    </mc:Fallback>
+  </mc:AlternateContent>
+  <p:timing>
+    <p:tnLst>
+      <p:par>
+        <p:cTn id="1" dur="indefinite" restart="never" nodeType="tmRoot"/>
+      </p:par>
+    </p:tnLst>
+  </p:timing>
+</p:sld>
+</file>
+
+<file path=ppt/slides/slide22.xml><?xml version="1.0" encoding="utf-8"?>
+<p:sld xmlns:a="http://schemas.openxmlformats.org/drawingml/2006/main" xmlns:r="http://schemas.openxmlformats.org/officeDocument/2006/relationships" xmlns:p="http://schemas.openxmlformats.org/presentationml/2006/main">
+  <p:cSld>
+    <p:spTree>
+      <p:nvGrpSpPr>
+        <p:cNvPr id="1" name=""/>
+        <p:cNvGrpSpPr/>
+        <p:nvPr/>
+      </p:nvGrpSpPr>
+      <p:grpSpPr>
+        <a:xfrm>
+          <a:off x="0" y="0"/>
+          <a:ext cx="0" cy="0"/>
+          <a:chOff x="0" y="0"/>
+          <a:chExt cx="0" cy="0"/>
+        </a:xfrm>
+      </p:grpSpPr>
+      <p:sp>
+        <p:nvSpPr>
+          <p:cNvPr id="2" name="Title 1"/>
+          <p:cNvSpPr>
+            <a:spLocks noGrp="1"/>
+          </p:cNvSpPr>
+          <p:nvPr>
+            <p:ph type="title"/>
+          </p:nvPr>
+        </p:nvSpPr>
+        <p:spPr/>
+        <p:txBody>
+          <a:bodyPr/>
+          <a:lstStyle/>
+          <a:p>
+            <a:r>
+              <a:rPr lang="en-CA" dirty="0" smtClean="0"/>
+              <a:t>References</a:t>
+            </a:r>
+            <a:endParaRPr lang="en-CA" dirty="0"/>
+          </a:p>
+        </p:txBody>
+      </p:sp>
+      <p:sp>
+        <p:nvSpPr>
+          <p:cNvPr id="3" name="Content Placeholder 2"/>
+          <p:cNvSpPr>
+            <a:spLocks noGrp="1"/>
+          </p:cNvSpPr>
+          <p:nvPr>
+            <p:ph idx="1"/>
+          </p:nvPr>
+        </p:nvSpPr>
+        <p:spPr/>
+        <p:txBody>
+          <a:bodyPr/>
+          <a:lstStyle/>
+          <a:p>
+            <a:pPr marL="457200" indent="-457200">
+              <a:buFont typeface="+mj-lt"/>
+              <a:buAutoNum type="arabicPeriod"/>
+            </a:pPr>
+            <a:r>
+              <a:rPr lang="en-CA" dirty="0" smtClean="0"/>
+              <a:t>Class notes</a:t>
+            </a:r>
+          </a:p>
+          <a:p>
+            <a:pPr marL="457200" indent="-457200">
+              <a:buFont typeface="+mj-lt"/>
+              <a:buAutoNum type="arabicPeriod"/>
+            </a:pPr>
+            <a:r>
+              <a:rPr lang="en-CA" dirty="0" smtClean="0"/>
+              <a:t>Sample SRS on My Courses</a:t>
+            </a:r>
+            <a:endParaRPr lang="en-CA" dirty="0" smtClean="0"/>
+          </a:p>
+          <a:p>
+            <a:pPr marL="457200" indent="-457200">
+              <a:buFont typeface="+mj-lt"/>
+              <a:buAutoNum type="arabicPeriod"/>
+            </a:pPr>
+            <a:endParaRPr lang="en-CA" dirty="0"/>
+          </a:p>
+        </p:txBody>
+      </p:sp>
+    </p:spTree>
+    <p:extLst>
+      <p:ext uri="{BB962C8B-B14F-4D97-AF65-F5344CB8AC3E}">
+        <p14:creationId xmlns:p14="http://schemas.microsoft.com/office/powerpoint/2010/main" val="297653093"/>
+      </p:ext>
+    </p:extLst>
+  </p:cSld>
+  <p:clrMapOvr>
+    <a:masterClrMapping/>
+  </p:clrMapOvr>
+  <mc:AlternateContent xmlns:mc="http://schemas.openxmlformats.org/markup-compatibility/2006" xmlns:p14="http://schemas.microsoft.com/office/powerpoint/2010/main">
+    <mc:Choice Requires="p14">
+      <p:transition p14:dur="0"/>
+    </mc:Choice>
+    <mc:Fallback xmlns="">
+      <p:transition/>
+    </mc:Fallback>
+  </mc:AlternateContent>
+  <p:timing>
+    <p:tnLst>
+      <p:par>
+        <p:cTn id="1" dur="indefinite" restart="never" nodeType="tmRoot"/>
+      </p:par>
+    </p:tnLst>
+  </p:timing>
+</p:sld>
+</file>
+
+<file path=ppt/slides/slide3.xml><?xml version="1.0" encoding="utf-8"?>
+<p:sld xmlns:a="http://schemas.openxmlformats.org/drawingml/2006/main" xmlns:r="http://schemas.openxmlformats.org/officeDocument/2006/relationships" xmlns:p="http://schemas.openxmlformats.org/presentationml/2006/main">
+  <p:cSld>
+    <p:spTree>
+      <p:nvGrpSpPr>
+        <p:cNvPr id="1" name=""/>
+        <p:cNvGrpSpPr/>
+        <p:nvPr/>
+      </p:nvGrpSpPr>
+      <p:grpSpPr>
+        <a:xfrm>
+          <a:off x="0" y="0"/>
+          <a:ext cx="0" cy="0"/>
+          <a:chOff x="0" y="0"/>
+          <a:chExt cx="0" cy="0"/>
+        </a:xfrm>
+      </p:grpSpPr>
+      <p:sp>
+        <p:nvSpPr>
+          <p:cNvPr id="2" name="Title 1"/>
+          <p:cNvSpPr>
+            <a:spLocks noGrp="1"/>
+          </p:cNvSpPr>
+          <p:nvPr>
+            <p:ph type="title"/>
+          </p:nvPr>
+        </p:nvSpPr>
+        <p:spPr/>
+        <p:txBody>
+          <a:bodyPr/>
+          <a:lstStyle/>
+          <a:p>
+            <a:r>
+              <a:rPr lang="en-US" dirty="0" smtClean="0"/>
+              <a:t>Decision </a:t>
+            </a:r>
+            <a:r>
+              <a:rPr lang="en-US" dirty="0"/>
+              <a:t>T</a:t>
+            </a:r>
+            <a:r>
+              <a:rPr lang="en-US" dirty="0" smtClean="0"/>
+              <a:t>ables Example</a:t>
+            </a:r>
+            <a:endParaRPr lang="en-US" dirty="0"/>
+          </a:p>
+        </p:txBody>
+      </p:sp>
+      <p:sp>
+        <p:nvSpPr>
+          <p:cNvPr id="3" name="Content Placeholder 2"/>
+          <p:cNvSpPr>
+            <a:spLocks noGrp="1"/>
+          </p:cNvSpPr>
+          <p:nvPr>
+            <p:ph idx="1"/>
+          </p:nvPr>
+        </p:nvSpPr>
+        <p:spPr/>
+        <p:txBody>
+          <a:bodyPr/>
+          <a:lstStyle/>
+          <a:p>
+            <a:r>
+              <a:rPr lang="en-CA" dirty="0" smtClean="0"/>
+              <a:t>A login system on a banking website has a decision table to authenticate users. </a:t>
+            </a:r>
+          </a:p>
+          <a:p>
+            <a:pPr marL="457200" indent="-457200">
+              <a:buFont typeface="+mj-lt"/>
+              <a:buAutoNum type="arabicPeriod"/>
+            </a:pPr>
+            <a:r>
+              <a:rPr lang="en-CA" dirty="0" smtClean="0"/>
+              <a:t>A user must go to the login page. </a:t>
+            </a:r>
+          </a:p>
+          <a:p>
+            <a:pPr marL="457200" indent="-457200">
+              <a:buFont typeface="+mj-lt"/>
+              <a:buAutoNum type="arabicPeriod"/>
+            </a:pPr>
+            <a:r>
+              <a:rPr lang="en-CA" dirty="0" smtClean="0"/>
+              <a:t>A user must provide valid card number. </a:t>
+            </a:r>
+          </a:p>
+          <a:p>
+            <a:pPr marL="457200" indent="-457200">
+              <a:buFont typeface="+mj-lt"/>
+              <a:buAutoNum type="arabicPeriod"/>
+            </a:pPr>
+            <a:r>
+              <a:rPr lang="en-CA" dirty="0" smtClean="0"/>
+              <a:t>A user must provide a valid password</a:t>
+            </a:r>
+          </a:p>
+          <a:p>
+            <a:pPr marL="457200" indent="-457200">
+              <a:buFont typeface="+mj-lt"/>
+              <a:buAutoNum type="arabicPeriod"/>
+            </a:pPr>
+            <a:r>
+              <a:rPr lang="en-CA" dirty="0" smtClean="0"/>
+              <a:t>A user can only have 3 attempts before the account is frozen</a:t>
+            </a:r>
+            <a:endParaRPr lang="en-CA" dirty="0"/>
+          </a:p>
+        </p:txBody>
+      </p:sp>
+    </p:spTree>
+    <p:extLst>
+      <p:ext uri="{BB962C8B-B14F-4D97-AF65-F5344CB8AC3E}">
+        <p14:creationId xmlns:p14="http://schemas.microsoft.com/office/powerpoint/2010/main" val="966687932"/>
+      </p:ext>
+    </p:extLst>
+  </p:cSld>
+  <p:clrMapOvr>
+    <a:masterClrMapping/>
+  </p:clrMapOvr>
+  <mc:AlternateContent xmlns:mc="http://schemas.openxmlformats.org/markup-compatibility/2006">
+    <mc:Choice xmlns:p14="http://schemas.microsoft.com/office/powerpoint/2010/main" Requires="p14">
+      <p:transition p14:dur="0"/>
+    </mc:Choice>
+    <mc:Fallback>
+      <p:transition/>
+    </mc:Fallback>
+  </mc:AlternateContent>
+  <p:timing>
+    <p:tnLst>
+      <p:par>
+        <p:cTn id="1" dur="indefinite" restart="never" nodeType="tmRoot"/>
+      </p:par>
+    </p:tnLst>
+  </p:timing>
+</p:sld>
+</file>
+
+<file path=ppt/slides/slide4.xml><?xml version="1.0" encoding="utf-8"?>
+<p:sld xmlns:a="http://schemas.openxmlformats.org/drawingml/2006/main" xmlns:r="http://schemas.openxmlformats.org/officeDocument/2006/relationships" xmlns:p="http://schemas.openxmlformats.org/presentationml/2006/main">
+  <p:cSld>
+    <p:spTree>
+      <p:nvGrpSpPr>
+        <p:cNvPr id="1" name=""/>
+        <p:cNvGrpSpPr/>
+        <p:nvPr/>
+      </p:nvGrpSpPr>
+      <p:grpSpPr>
+        <a:xfrm>
+          <a:off x="0" y="0"/>
+          <a:ext cx="0" cy="0"/>
+          <a:chOff x="0" y="0"/>
+          <a:chExt cx="0" cy="0"/>
+        </a:xfrm>
+      </p:grpSpPr>
+      <p:sp>
+        <p:nvSpPr>
+          <p:cNvPr id="2" name="Title 1"/>
+          <p:cNvSpPr>
+            <a:spLocks noGrp="1"/>
+          </p:cNvSpPr>
+          <p:nvPr>
+            <p:ph type="title"/>
+          </p:nvPr>
+        </p:nvSpPr>
+        <p:spPr/>
+        <p:txBody>
+          <a:bodyPr/>
+          <a:lstStyle/>
+          <a:p>
+            <a:r>
+              <a:rPr lang="en-US" dirty="0" smtClean="0"/>
+              <a:t>Decision </a:t>
+            </a:r>
+            <a:r>
+              <a:rPr lang="en-US" dirty="0"/>
+              <a:t>T</a:t>
+            </a:r>
+            <a:r>
+              <a:rPr lang="en-US" dirty="0" smtClean="0"/>
+              <a:t>ables Example</a:t>
+            </a:r>
+            <a:endParaRPr lang="en-US" dirty="0"/>
+          </a:p>
+        </p:txBody>
+      </p:sp>
+      <p:graphicFrame>
+        <p:nvGraphicFramePr>
+          <p:cNvPr id="4" name="Content Placeholder 3"/>
+          <p:cNvGraphicFramePr>
+            <a:graphicFrameLocks noGrp="1"/>
+          </p:cNvGraphicFramePr>
+          <p:nvPr>
+            <p:ph idx="1"/>
+            <p:extLst>
+              <p:ext uri="{D42A27DB-BD31-4B8C-83A1-F6EECF244321}">
+                <p14:modId xmlns:p14="http://schemas.microsoft.com/office/powerpoint/2010/main" val="3003947189"/>
+              </p:ext>
+            </p:extLst>
+          </p:nvPr>
+        </p:nvGraphicFramePr>
+        <p:xfrm>
+          <a:off x="657224" y="1744663"/>
+          <a:ext cx="10753725" cy="4953000"/>
+        </p:xfrm>
+        <a:graphic>
+          <a:graphicData uri="http://schemas.openxmlformats.org/drawingml/2006/table">
+            <a:tbl>
+              <a:tblPr firstRow="1" bandRow="1">
+                <a:tableStyleId>{5C22544A-7EE6-4342-B048-85BDC9FD1C3A}</a:tableStyleId>
+              </a:tblPr>
+              <a:tblGrid>
+                <a:gridCol w="2150745"/>
+                <a:gridCol w="2150745"/>
+                <a:gridCol w="2150745"/>
+                <a:gridCol w="2150745"/>
+                <a:gridCol w="2150745"/>
+              </a:tblGrid>
+              <a:tr h="370840">
+                <a:tc>
+                  <a:txBody>
+                    <a:bodyPr/>
+                    <a:lstStyle/>
+                    <a:p>
+                      <a:r>
+                        <a:rPr lang="en-CA" dirty="0" smtClean="0"/>
+                        <a:t>Conditions</a:t>
+                      </a:r>
+                      <a:endParaRPr lang="en-CA" dirty="0"/>
+                    </a:p>
+                  </a:txBody>
+                  <a:tcPr/>
+                </a:tc>
+                <a:tc>
+                  <a:txBody>
+                    <a:bodyPr/>
+                    <a:lstStyle/>
+                    <a:p>
+                      <a:endParaRPr lang="en-CA" dirty="0"/>
+                    </a:p>
+                  </a:txBody>
+                  <a:tcPr/>
+                </a:tc>
+                <a:tc>
+                  <a:txBody>
+                    <a:bodyPr/>
+                    <a:lstStyle/>
+                    <a:p>
+                      <a:endParaRPr lang="en-CA" dirty="0"/>
+                    </a:p>
+                  </a:txBody>
+                  <a:tcPr/>
+                </a:tc>
+                <a:tc>
+                  <a:txBody>
+                    <a:bodyPr/>
+                    <a:lstStyle/>
+                    <a:p>
+                      <a:endParaRPr lang="en-CA" dirty="0"/>
+                    </a:p>
+                  </a:txBody>
+                  <a:tcPr/>
+                </a:tc>
+                <a:tc>
+                  <a:txBody>
+                    <a:bodyPr/>
+                    <a:lstStyle/>
+                    <a:p>
+                      <a:endParaRPr lang="en-CA" dirty="0"/>
+                    </a:p>
+                  </a:txBody>
+                  <a:tcPr/>
+                </a:tc>
+              </a:tr>
+              <a:tr h="370840">
+                <a:tc>
+                  <a:txBody>
+                    <a:bodyPr/>
+                    <a:lstStyle/>
+                    <a:p>
+                      <a:r>
+                        <a:rPr lang="en-CA" dirty="0" smtClean="0"/>
+                        <a:t>User goes</a:t>
+                      </a:r>
+                      <a:r>
+                        <a:rPr lang="en-CA" baseline="0" dirty="0" smtClean="0"/>
+                        <a:t> to login page</a:t>
+                      </a:r>
+                      <a:endParaRPr lang="en-CA" dirty="0"/>
+                    </a:p>
+                  </a:txBody>
+                  <a:tcPr/>
+                </a:tc>
+                <a:tc>
+                  <a:txBody>
+                    <a:bodyPr/>
+                    <a:lstStyle/>
+                    <a:p>
+                      <a:r>
+                        <a:rPr lang="en-CA" dirty="0" smtClean="0"/>
+                        <a:t>Y</a:t>
+                      </a:r>
+                      <a:endParaRPr lang="en-CA" dirty="0"/>
+                    </a:p>
+                  </a:txBody>
+                  <a:tcPr/>
+                </a:tc>
+                <a:tc>
+                  <a:txBody>
+                    <a:bodyPr/>
+                    <a:lstStyle/>
+                    <a:p>
+                      <a:r>
+                        <a:rPr lang="en-CA" dirty="0" smtClean="0"/>
+                        <a:t>N</a:t>
+                      </a:r>
+                      <a:endParaRPr lang="en-CA" dirty="0"/>
+                    </a:p>
+                  </a:txBody>
+                  <a:tcPr/>
+                </a:tc>
+                <a:tc>
+                  <a:txBody>
+                    <a:bodyPr/>
+                    <a:lstStyle/>
+                    <a:p>
+                      <a:r>
+                        <a:rPr lang="en-CA" dirty="0" smtClean="0"/>
+                        <a:t>Y</a:t>
+                      </a:r>
+                      <a:endParaRPr lang="en-CA" dirty="0"/>
+                    </a:p>
+                  </a:txBody>
+                  <a:tcPr/>
+                </a:tc>
+                <a:tc>
+                  <a:txBody>
+                    <a:bodyPr/>
+                    <a:lstStyle/>
+                    <a:p>
+                      <a:r>
+                        <a:rPr lang="en-CA" dirty="0" smtClean="0"/>
+                        <a:t>Y</a:t>
+                      </a:r>
+                      <a:endParaRPr lang="en-CA" dirty="0"/>
+                    </a:p>
+                  </a:txBody>
+                  <a:tcPr/>
+                </a:tc>
+              </a:tr>
+              <a:tr h="370840">
+                <a:tc>
+                  <a:txBody>
+                    <a:bodyPr/>
+                    <a:lstStyle/>
+                    <a:p>
+                      <a:r>
+                        <a:rPr lang="en-CA" dirty="0" smtClean="0"/>
+                        <a:t>User inputs correct card number</a:t>
+                      </a:r>
+                      <a:endParaRPr lang="en-CA" dirty="0"/>
+                    </a:p>
+                  </a:txBody>
+                  <a:tcPr/>
+                </a:tc>
+                <a:tc>
+                  <a:txBody>
+                    <a:bodyPr/>
+                    <a:lstStyle/>
+                    <a:p>
+                      <a:r>
+                        <a:rPr lang="en-CA" dirty="0" smtClean="0"/>
+                        <a:t>Y</a:t>
+                      </a:r>
+                      <a:endParaRPr lang="en-CA" dirty="0"/>
+                    </a:p>
+                  </a:txBody>
+                  <a:tcPr/>
+                </a:tc>
+                <a:tc>
+                  <a:txBody>
+                    <a:bodyPr/>
+                    <a:lstStyle/>
+                    <a:p>
+                      <a:r>
+                        <a:rPr lang="en-CA" dirty="0" smtClean="0"/>
+                        <a:t>Y</a:t>
+                      </a:r>
+                      <a:endParaRPr lang="en-CA" dirty="0"/>
+                    </a:p>
+                  </a:txBody>
+                  <a:tcPr/>
+                </a:tc>
+                <a:tc>
+                  <a:txBody>
+                    <a:bodyPr/>
+                    <a:lstStyle/>
+                    <a:p>
+                      <a:r>
+                        <a:rPr lang="en-CA" dirty="0" smtClean="0"/>
+                        <a:t>Y</a:t>
+                      </a:r>
+                      <a:endParaRPr lang="en-CA" dirty="0"/>
+                    </a:p>
+                  </a:txBody>
+                  <a:tcPr/>
+                </a:tc>
+                <a:tc>
+                  <a:txBody>
+                    <a:bodyPr/>
+                    <a:lstStyle/>
+                    <a:p>
+                      <a:r>
+                        <a:rPr lang="en-CA" dirty="0" smtClean="0"/>
+                        <a:t>Y</a:t>
+                      </a:r>
+                      <a:endParaRPr lang="en-CA" dirty="0"/>
+                    </a:p>
+                  </a:txBody>
+                  <a:tcPr/>
+                </a:tc>
+              </a:tr>
+              <a:tr h="370840">
+                <a:tc>
+                  <a:txBody>
+                    <a:bodyPr/>
+                    <a:lstStyle/>
+                    <a:p>
+                      <a:r>
+                        <a:rPr lang="en-CA" dirty="0" smtClean="0"/>
+                        <a:t>User inputs Correct password</a:t>
+                      </a:r>
+                      <a:endParaRPr lang="en-CA" dirty="0"/>
+                    </a:p>
+                  </a:txBody>
+                  <a:tcPr/>
+                </a:tc>
+                <a:tc>
+                  <a:txBody>
+                    <a:bodyPr/>
+                    <a:lstStyle/>
+                    <a:p>
+                      <a:r>
+                        <a:rPr lang="en-CA" dirty="0" smtClean="0"/>
+                        <a:t>Y</a:t>
+                      </a:r>
+                      <a:endParaRPr lang="en-CA" dirty="0"/>
+                    </a:p>
+                  </a:txBody>
+                  <a:tcPr/>
+                </a:tc>
+                <a:tc>
+                  <a:txBody>
+                    <a:bodyPr/>
+                    <a:lstStyle/>
+                    <a:p>
+                      <a:r>
+                        <a:rPr lang="en-CA" dirty="0" smtClean="0"/>
+                        <a:t>Y</a:t>
+                      </a:r>
+                      <a:endParaRPr lang="en-CA" dirty="0"/>
+                    </a:p>
+                  </a:txBody>
+                  <a:tcPr/>
+                </a:tc>
+                <a:tc>
+                  <a:txBody>
+                    <a:bodyPr/>
+                    <a:lstStyle/>
+                    <a:p>
+                      <a:r>
+                        <a:rPr lang="en-CA" dirty="0" smtClean="0"/>
+                        <a:t>N</a:t>
+                      </a:r>
+                      <a:endParaRPr lang="en-CA" dirty="0"/>
+                    </a:p>
+                  </a:txBody>
+                  <a:tcPr/>
+                </a:tc>
+                <a:tc>
+                  <a:txBody>
+                    <a:bodyPr/>
+                    <a:lstStyle/>
+                    <a:p>
+                      <a:r>
+                        <a:rPr lang="en-CA" dirty="0" smtClean="0"/>
+                        <a:t>Y</a:t>
+                      </a:r>
+                      <a:endParaRPr lang="en-CA" dirty="0"/>
+                    </a:p>
+                  </a:txBody>
+                  <a:tcPr/>
+                </a:tc>
+              </a:tr>
+              <a:tr h="370840">
+                <a:tc>
+                  <a:txBody>
+                    <a:bodyPr/>
+                    <a:lstStyle/>
+                    <a:p>
+                      <a:r>
+                        <a:rPr lang="en-CA" dirty="0" smtClean="0"/>
+                        <a:t>Attempts &gt; 3</a:t>
+                      </a:r>
+                      <a:endParaRPr lang="en-CA" dirty="0"/>
+                    </a:p>
+                  </a:txBody>
+                  <a:tcPr/>
+                </a:tc>
+                <a:tc>
+                  <a:txBody>
+                    <a:bodyPr/>
+                    <a:lstStyle/>
+                    <a:p>
+                      <a:r>
+                        <a:rPr lang="en-CA" dirty="0" smtClean="0"/>
+                        <a:t>N</a:t>
+                      </a:r>
+                      <a:endParaRPr lang="en-CA" dirty="0"/>
+                    </a:p>
+                  </a:txBody>
+                  <a:tcPr/>
+                </a:tc>
+                <a:tc>
+                  <a:txBody>
+                    <a:bodyPr/>
+                    <a:lstStyle/>
+                    <a:p>
+                      <a:r>
+                        <a:rPr lang="en-CA" dirty="0" smtClean="0"/>
+                        <a:t>N</a:t>
+                      </a:r>
+                      <a:endParaRPr lang="en-CA" dirty="0"/>
+                    </a:p>
+                  </a:txBody>
+                  <a:tcPr/>
+                </a:tc>
+                <a:tc>
+                  <a:txBody>
+                    <a:bodyPr/>
+                    <a:lstStyle/>
+                    <a:p>
+                      <a:r>
+                        <a:rPr lang="en-CA" dirty="0" smtClean="0"/>
+                        <a:t>N</a:t>
+                      </a:r>
+                      <a:endParaRPr lang="en-CA" dirty="0"/>
+                    </a:p>
+                  </a:txBody>
+                  <a:tcPr/>
+                </a:tc>
+                <a:tc>
+                  <a:txBody>
+                    <a:bodyPr/>
+                    <a:lstStyle/>
+                    <a:p>
+                      <a:r>
+                        <a:rPr lang="en-CA" dirty="0" smtClean="0"/>
+                        <a:t>Y</a:t>
+                      </a:r>
+                      <a:endParaRPr lang="en-CA" dirty="0"/>
+                    </a:p>
+                  </a:txBody>
+                  <a:tcPr/>
+                </a:tc>
+              </a:tr>
+              <a:tr h="370840">
+                <a:tc>
+                  <a:txBody>
+                    <a:bodyPr/>
+                    <a:lstStyle/>
+                    <a:p>
+                      <a:r>
+                        <a:rPr lang="en-CA" b="1" dirty="0" smtClean="0">
+                          <a:solidFill>
+                            <a:schemeClr val="bg1"/>
+                          </a:solidFill>
+                        </a:rPr>
+                        <a:t>Outcomes</a:t>
+                      </a:r>
+                      <a:endParaRPr lang="en-CA" b="1" dirty="0">
+                        <a:solidFill>
+                          <a:schemeClr val="bg1"/>
+                        </a:solidFill>
+                      </a:endParaRPr>
+                    </a:p>
+                  </a:txBody>
+                  <a:tcPr>
+                    <a:solidFill>
+                      <a:schemeClr val="tx2">
+                        <a:lumMod val="50000"/>
+                        <a:lumOff val="50000"/>
+                      </a:schemeClr>
+                    </a:solidFill>
+                  </a:tcPr>
+                </a:tc>
+                <a:tc>
+                  <a:txBody>
+                    <a:bodyPr/>
+                    <a:lstStyle/>
+                    <a:p>
+                      <a:endParaRPr lang="en-CA" dirty="0"/>
+                    </a:p>
+                  </a:txBody>
+                  <a:tcPr>
+                    <a:solidFill>
+                      <a:schemeClr val="tx2">
+                        <a:lumMod val="50000"/>
+                        <a:lumOff val="50000"/>
+                      </a:schemeClr>
+                    </a:solidFill>
+                  </a:tcPr>
+                </a:tc>
+                <a:tc>
+                  <a:txBody>
+                    <a:bodyPr/>
+                    <a:lstStyle/>
+                    <a:p>
+                      <a:endParaRPr lang="en-CA" dirty="0"/>
+                    </a:p>
+                  </a:txBody>
+                  <a:tcPr>
+                    <a:solidFill>
+                      <a:schemeClr val="tx2">
+                        <a:lumMod val="50000"/>
+                        <a:lumOff val="50000"/>
+                      </a:schemeClr>
+                    </a:solidFill>
+                  </a:tcPr>
+                </a:tc>
+                <a:tc>
+                  <a:txBody>
+                    <a:bodyPr/>
+                    <a:lstStyle/>
+                    <a:p>
+                      <a:endParaRPr lang="en-CA" dirty="0"/>
+                    </a:p>
+                  </a:txBody>
+                  <a:tcPr>
+                    <a:solidFill>
+                      <a:schemeClr val="tx2">
+                        <a:lumMod val="50000"/>
+                        <a:lumOff val="50000"/>
+                      </a:schemeClr>
+                    </a:solidFill>
+                  </a:tcPr>
+                </a:tc>
+                <a:tc>
+                  <a:txBody>
+                    <a:bodyPr/>
+                    <a:lstStyle/>
+                    <a:p>
+                      <a:endParaRPr lang="en-CA" dirty="0"/>
+                    </a:p>
+                  </a:txBody>
+                  <a:tcPr>
+                    <a:solidFill>
+                      <a:schemeClr val="tx2">
+                        <a:lumMod val="50000"/>
+                        <a:lumOff val="50000"/>
+                      </a:schemeClr>
+                    </a:solidFill>
+                  </a:tcPr>
+                </a:tc>
+              </a:tr>
+              <a:tr h="370840">
+                <a:tc>
+                  <a:txBody>
+                    <a:bodyPr/>
+                    <a:lstStyle/>
+                    <a:p>
+                      <a:r>
+                        <a:rPr lang="en-CA" dirty="0" smtClean="0"/>
+                        <a:t>User is taken to Accounts page</a:t>
+                      </a:r>
+                      <a:endParaRPr lang="en-CA" dirty="0"/>
+                    </a:p>
+                  </a:txBody>
+                  <a:tcPr/>
+                </a:tc>
+                <a:tc>
+                  <a:txBody>
+                    <a:bodyPr/>
+                    <a:lstStyle/>
+                    <a:p>
+                      <a:endParaRPr lang="en-CA" dirty="0"/>
+                    </a:p>
+                  </a:txBody>
+                  <a:tcPr/>
+                </a:tc>
+                <a:tc>
+                  <a:txBody>
+                    <a:bodyPr/>
+                    <a:lstStyle/>
+                    <a:p>
+                      <a:endParaRPr lang="en-CA" dirty="0"/>
+                    </a:p>
+                  </a:txBody>
+                  <a:tcPr/>
+                </a:tc>
+                <a:tc>
+                  <a:txBody>
+                    <a:bodyPr/>
+                    <a:lstStyle/>
+                    <a:p>
+                      <a:endParaRPr lang="en-CA" dirty="0"/>
+                    </a:p>
+                  </a:txBody>
+                  <a:tcPr/>
+                </a:tc>
+                <a:tc>
+                  <a:txBody>
+                    <a:bodyPr/>
+                    <a:lstStyle/>
+                    <a:p>
+                      <a:endParaRPr lang="en-CA" dirty="0"/>
+                    </a:p>
+                  </a:txBody>
+                  <a:tcPr/>
+                </a:tc>
+              </a:tr>
+              <a:tr h="370840">
+                <a:tc>
+                  <a:txBody>
+                    <a:bodyPr/>
+                    <a:lstStyle/>
+                    <a:p>
+                      <a:r>
+                        <a:rPr lang="en-CA" dirty="0" smtClean="0"/>
+                        <a:t>User is taken to</a:t>
+                      </a:r>
+                      <a:r>
+                        <a:rPr lang="en-CA" baseline="0" dirty="0" smtClean="0"/>
+                        <a:t> login page </a:t>
+                      </a:r>
+                      <a:endParaRPr lang="en-CA" dirty="0"/>
+                    </a:p>
+                  </a:txBody>
+                  <a:tcPr/>
+                </a:tc>
+                <a:tc>
+                  <a:txBody>
+                    <a:bodyPr/>
+                    <a:lstStyle/>
+                    <a:p>
+                      <a:endParaRPr lang="en-CA" dirty="0"/>
+                    </a:p>
+                  </a:txBody>
+                  <a:tcPr/>
+                </a:tc>
+                <a:tc>
+                  <a:txBody>
+                    <a:bodyPr/>
+                    <a:lstStyle/>
+                    <a:p>
+                      <a:endParaRPr lang="en-CA" dirty="0"/>
+                    </a:p>
+                  </a:txBody>
+                  <a:tcPr/>
+                </a:tc>
+                <a:tc>
+                  <a:txBody>
+                    <a:bodyPr/>
+                    <a:lstStyle/>
+                    <a:p>
+                      <a:endParaRPr lang="en-CA" dirty="0"/>
+                    </a:p>
+                  </a:txBody>
+                  <a:tcPr/>
+                </a:tc>
+                <a:tc>
+                  <a:txBody>
+                    <a:bodyPr/>
+                    <a:lstStyle/>
+                    <a:p>
+                      <a:endParaRPr lang="en-CA" dirty="0"/>
+                    </a:p>
+                  </a:txBody>
+                  <a:tcPr/>
+                </a:tc>
+              </a:tr>
+              <a:tr h="370840">
+                <a:tc>
+                  <a:txBody>
+                    <a:bodyPr/>
+                    <a:lstStyle/>
+                    <a:p>
+                      <a:r>
+                        <a:rPr lang="en-CA" dirty="0" smtClean="0"/>
+                        <a:t>User’s account is frozen</a:t>
+                      </a:r>
+                      <a:endParaRPr lang="en-CA" dirty="0"/>
+                    </a:p>
+                  </a:txBody>
+                  <a:tcPr/>
+                </a:tc>
+                <a:tc>
+                  <a:txBody>
+                    <a:bodyPr/>
+                    <a:lstStyle/>
+                    <a:p>
+                      <a:endParaRPr lang="en-CA" dirty="0"/>
+                    </a:p>
+                  </a:txBody>
+                  <a:tcPr/>
+                </a:tc>
+                <a:tc>
+                  <a:txBody>
+                    <a:bodyPr/>
+                    <a:lstStyle/>
+                    <a:p>
+                      <a:endParaRPr lang="en-CA" dirty="0"/>
+                    </a:p>
+                  </a:txBody>
+                  <a:tcPr/>
+                </a:tc>
+                <a:tc>
+                  <a:txBody>
+                    <a:bodyPr/>
+                    <a:lstStyle/>
+                    <a:p>
+                      <a:endParaRPr lang="en-CA" dirty="0"/>
+                    </a:p>
+                  </a:txBody>
+                  <a:tcPr/>
+                </a:tc>
+                <a:tc>
+                  <a:txBody>
+                    <a:bodyPr/>
+                    <a:lstStyle/>
+                    <a:p>
+                      <a:endParaRPr lang="en-CA" dirty="0"/>
+                    </a:p>
+                  </a:txBody>
+                  <a:tcPr/>
+                </a:tc>
+              </a:tr>
+            </a:tbl>
+          </a:graphicData>
+        </a:graphic>
+      </p:graphicFrame>
+    </p:spTree>
+    <p:extLst>
+      <p:ext uri="{BB962C8B-B14F-4D97-AF65-F5344CB8AC3E}">
+        <p14:creationId xmlns:p14="http://schemas.microsoft.com/office/powerpoint/2010/main" val="2229496326"/>
+      </p:ext>
+    </p:extLst>
+  </p:cSld>
+  <p:clrMapOvr>
+    <a:masterClrMapping/>
+  </p:clrMapOvr>
+  <mc:AlternateContent xmlns:mc="http://schemas.openxmlformats.org/markup-compatibility/2006">
+    <mc:Choice xmlns:p14="http://schemas.microsoft.com/office/powerpoint/2010/main" Requires="p14">
+      <p:transition p14:dur="0"/>
+    </mc:Choice>
+    <mc:Fallback>
+      <p:transition/>
+    </mc:Fallback>
+  </mc:AlternateContent>
+  <p:timing>
+    <p:tnLst>
+      <p:par>
+        <p:cTn id="1" dur="indefinite" restart="never" nodeType="tmRoot"/>
+      </p:par>
+    </p:tnLst>
+  </p:timing>
+</p:sld>
+</file>
+
 <file path=ppt/slides/slide5.xml><?xml version="1.0" encoding="utf-8"?>
 <p:sld xmlns:a="http://schemas.openxmlformats.org/drawingml/2006/main" xmlns:r="http://schemas.openxmlformats.org/officeDocument/2006/relationships" xmlns:p="http://schemas.openxmlformats.org/presentationml/2006/main">
   <p:cSld>
@@ -4808,116 +8683,703 @@
           <a:lstStyle/>
           <a:p>
             <a:r>
-              <a:rPr lang="en-CA" dirty="0" smtClean="0"/>
-              <a:t>Exercise</a:t>
-            </a:r>
-            <a:endParaRPr lang="en-CA" dirty="0"/>
-          </a:p>
-        </p:txBody>
-      </p:sp>
-      <p:sp>
-        <p:nvSpPr>
-          <p:cNvPr id="3" name="Content Placeholder 2"/>
-          <p:cNvSpPr>
-            <a:spLocks noGrp="1"/>
-          </p:cNvSpPr>
+              <a:rPr lang="en-US" dirty="0" smtClean="0"/>
+              <a:t>Decision </a:t>
+            </a:r>
+            <a:r>
+              <a:rPr lang="en-US" dirty="0"/>
+              <a:t>T</a:t>
+            </a:r>
+            <a:r>
+              <a:rPr lang="en-US" dirty="0" smtClean="0"/>
+              <a:t>ables Example</a:t>
+            </a:r>
+            <a:endParaRPr lang="en-US" dirty="0"/>
+          </a:p>
+        </p:txBody>
+      </p:sp>
+      <p:graphicFrame>
+        <p:nvGraphicFramePr>
+          <p:cNvPr id="4" name="Content Placeholder 3"/>
+          <p:cNvGraphicFramePr>
+            <a:graphicFrameLocks noGrp="1"/>
+          </p:cNvGraphicFramePr>
           <p:nvPr>
             <p:ph idx="1"/>
-          </p:nvPr>
-        </p:nvSpPr>
-        <p:spPr/>
-        <p:txBody>
-          <a:bodyPr>
-            <a:normAutofit/>
-          </a:bodyPr>
-          <a:lstStyle/>
-          <a:p>
-            <a:r>
-              <a:rPr lang="en-CA" dirty="0"/>
-              <a:t>You have been </a:t>
-            </a:r>
-            <a:r>
-              <a:rPr lang="en-CA" dirty="0" smtClean="0"/>
-              <a:t>asked </a:t>
-            </a:r>
-            <a:r>
-              <a:rPr lang="en-CA" dirty="0"/>
-              <a:t>to design the backend system of a library</a:t>
-            </a:r>
-            <a:r>
-              <a:rPr lang="en-CA" dirty="0" smtClean="0"/>
-              <a:t>. </a:t>
-            </a:r>
-            <a:r>
-              <a:rPr lang="en-CA" dirty="0"/>
-              <a:t>The library has books, videos, and CDs that it loans to its </a:t>
-            </a:r>
-            <a:r>
-              <a:rPr lang="en-CA" dirty="0" smtClean="0"/>
-              <a:t>users.</a:t>
-            </a:r>
-            <a:r>
-              <a:rPr lang="en-CA" dirty="0"/>
-              <a:t> Reference-only material is loaned for 2hrs and can’t be removed from the library. </a:t>
-            </a:r>
-          </a:p>
-          <a:p>
-            <a:r>
-              <a:rPr lang="en-CA" dirty="0" smtClean="0"/>
-              <a:t> Users can borrow, renew or return any of these items. However, children are allowed only to borrow books.</a:t>
-            </a:r>
-          </a:p>
-          <a:p>
-            <a:r>
-              <a:rPr lang="en-CA" dirty="0"/>
-              <a:t>L</a:t>
-            </a:r>
-            <a:r>
-              <a:rPr lang="en-CA" dirty="0" smtClean="0"/>
-              <a:t>ibrarians can create new users and charge late fees.</a:t>
-            </a:r>
-          </a:p>
-          <a:p>
-            <a:pPr marL="0" indent="0">
-              <a:buNone/>
-            </a:pPr>
-            <a:endParaRPr lang="en-CA" dirty="0"/>
-          </a:p>
-          <a:p>
-            <a:pPr marL="0" indent="0">
-              <a:buNone/>
-            </a:pPr>
-            <a:r>
-              <a:rPr lang="en-CA" dirty="0" smtClean="0"/>
-              <a:t>Draw a use case diagram using </a:t>
-            </a:r>
-            <a:r>
-              <a:rPr lang="en-CA" dirty="0" err="1" smtClean="0"/>
-              <a:t>ArgoUML</a:t>
-            </a:r>
-            <a:r>
-              <a:rPr lang="en-CA" dirty="0" smtClean="0"/>
-              <a:t>. You may choose to be as detailed as you like</a:t>
-            </a:r>
-            <a:endParaRPr lang="en-CA" dirty="0"/>
-          </a:p>
-        </p:txBody>
-      </p:sp>
+            <p:extLst>
+              <p:ext uri="{D42A27DB-BD31-4B8C-83A1-F6EECF244321}">
+                <p14:modId xmlns:p14="http://schemas.microsoft.com/office/powerpoint/2010/main" val="2096439791"/>
+              </p:ext>
+            </p:extLst>
+          </p:nvPr>
+        </p:nvGraphicFramePr>
+        <p:xfrm>
+          <a:off x="657224" y="1744663"/>
+          <a:ext cx="10753725" cy="4953000"/>
+        </p:xfrm>
+        <a:graphic>
+          <a:graphicData uri="http://schemas.openxmlformats.org/drawingml/2006/table">
+            <a:tbl>
+              <a:tblPr firstRow="1" bandRow="1">
+                <a:tableStyleId>{5C22544A-7EE6-4342-B048-85BDC9FD1C3A}</a:tableStyleId>
+              </a:tblPr>
+              <a:tblGrid>
+                <a:gridCol w="2150745"/>
+                <a:gridCol w="2150745"/>
+                <a:gridCol w="2150745"/>
+                <a:gridCol w="2150745"/>
+                <a:gridCol w="2150745"/>
+              </a:tblGrid>
+              <a:tr h="370840">
+                <a:tc>
+                  <a:txBody>
+                    <a:bodyPr/>
+                    <a:lstStyle/>
+                    <a:p>
+                      <a:r>
+                        <a:rPr lang="en-CA" dirty="0" smtClean="0"/>
+                        <a:t>Conditions</a:t>
+                      </a:r>
+                      <a:endParaRPr lang="en-CA" dirty="0"/>
+                    </a:p>
+                  </a:txBody>
+                  <a:tcPr/>
+                </a:tc>
+                <a:tc>
+                  <a:txBody>
+                    <a:bodyPr/>
+                    <a:lstStyle/>
+                    <a:p>
+                      <a:endParaRPr lang="en-CA" dirty="0"/>
+                    </a:p>
+                  </a:txBody>
+                  <a:tcPr/>
+                </a:tc>
+                <a:tc>
+                  <a:txBody>
+                    <a:bodyPr/>
+                    <a:lstStyle/>
+                    <a:p>
+                      <a:endParaRPr lang="en-CA" dirty="0"/>
+                    </a:p>
+                  </a:txBody>
+                  <a:tcPr/>
+                </a:tc>
+                <a:tc>
+                  <a:txBody>
+                    <a:bodyPr/>
+                    <a:lstStyle/>
+                    <a:p>
+                      <a:endParaRPr lang="en-CA" dirty="0"/>
+                    </a:p>
+                  </a:txBody>
+                  <a:tcPr/>
+                </a:tc>
+                <a:tc>
+                  <a:txBody>
+                    <a:bodyPr/>
+                    <a:lstStyle/>
+                    <a:p>
+                      <a:endParaRPr lang="en-CA" dirty="0"/>
+                    </a:p>
+                  </a:txBody>
+                  <a:tcPr/>
+                </a:tc>
+              </a:tr>
+              <a:tr h="370840">
+                <a:tc>
+                  <a:txBody>
+                    <a:bodyPr/>
+                    <a:lstStyle/>
+                    <a:p>
+                      <a:r>
+                        <a:rPr lang="en-CA" dirty="0" smtClean="0"/>
+                        <a:t>User goes</a:t>
+                      </a:r>
+                      <a:r>
+                        <a:rPr lang="en-CA" baseline="0" dirty="0" smtClean="0"/>
+                        <a:t> to login page</a:t>
+                      </a:r>
+                      <a:endParaRPr lang="en-CA" dirty="0"/>
+                    </a:p>
+                  </a:txBody>
+                  <a:tcPr/>
+                </a:tc>
+                <a:tc>
+                  <a:txBody>
+                    <a:bodyPr/>
+                    <a:lstStyle/>
+                    <a:p>
+                      <a:r>
+                        <a:rPr lang="en-CA" dirty="0" smtClean="0"/>
+                        <a:t>Y</a:t>
+                      </a:r>
+                      <a:endParaRPr lang="en-CA" dirty="0"/>
+                    </a:p>
+                  </a:txBody>
+                  <a:tcPr/>
+                </a:tc>
+                <a:tc>
+                  <a:txBody>
+                    <a:bodyPr/>
+                    <a:lstStyle/>
+                    <a:p>
+                      <a:r>
+                        <a:rPr lang="en-CA" dirty="0" smtClean="0"/>
+                        <a:t>N</a:t>
+                      </a:r>
+                      <a:endParaRPr lang="en-CA" dirty="0"/>
+                    </a:p>
+                  </a:txBody>
+                  <a:tcPr/>
+                </a:tc>
+                <a:tc>
+                  <a:txBody>
+                    <a:bodyPr/>
+                    <a:lstStyle/>
+                    <a:p>
+                      <a:r>
+                        <a:rPr lang="en-CA" dirty="0" smtClean="0"/>
+                        <a:t>Y</a:t>
+                      </a:r>
+                      <a:endParaRPr lang="en-CA" dirty="0"/>
+                    </a:p>
+                  </a:txBody>
+                  <a:tcPr/>
+                </a:tc>
+                <a:tc>
+                  <a:txBody>
+                    <a:bodyPr/>
+                    <a:lstStyle/>
+                    <a:p>
+                      <a:r>
+                        <a:rPr lang="en-CA" dirty="0" smtClean="0"/>
+                        <a:t>Y</a:t>
+                      </a:r>
+                      <a:endParaRPr lang="en-CA" dirty="0"/>
+                    </a:p>
+                  </a:txBody>
+                  <a:tcPr/>
+                </a:tc>
+              </a:tr>
+              <a:tr h="370840">
+                <a:tc>
+                  <a:txBody>
+                    <a:bodyPr/>
+                    <a:lstStyle/>
+                    <a:p>
+                      <a:r>
+                        <a:rPr lang="en-CA" dirty="0" smtClean="0"/>
+                        <a:t>User inputs correct card number</a:t>
+                      </a:r>
+                      <a:endParaRPr lang="en-CA" dirty="0"/>
+                    </a:p>
+                  </a:txBody>
+                  <a:tcPr/>
+                </a:tc>
+                <a:tc>
+                  <a:txBody>
+                    <a:bodyPr/>
+                    <a:lstStyle/>
+                    <a:p>
+                      <a:r>
+                        <a:rPr lang="en-CA" dirty="0" smtClean="0"/>
+                        <a:t>Y</a:t>
+                      </a:r>
+                      <a:endParaRPr lang="en-CA" dirty="0"/>
+                    </a:p>
+                  </a:txBody>
+                  <a:tcPr/>
+                </a:tc>
+                <a:tc>
+                  <a:txBody>
+                    <a:bodyPr/>
+                    <a:lstStyle/>
+                    <a:p>
+                      <a:r>
+                        <a:rPr lang="en-CA" dirty="0" smtClean="0"/>
+                        <a:t>Y</a:t>
+                      </a:r>
+                      <a:endParaRPr lang="en-CA" dirty="0"/>
+                    </a:p>
+                  </a:txBody>
+                  <a:tcPr/>
+                </a:tc>
+                <a:tc>
+                  <a:txBody>
+                    <a:bodyPr/>
+                    <a:lstStyle/>
+                    <a:p>
+                      <a:r>
+                        <a:rPr lang="en-CA" dirty="0" smtClean="0"/>
+                        <a:t>Y</a:t>
+                      </a:r>
+                      <a:endParaRPr lang="en-CA" dirty="0"/>
+                    </a:p>
+                  </a:txBody>
+                  <a:tcPr/>
+                </a:tc>
+                <a:tc>
+                  <a:txBody>
+                    <a:bodyPr/>
+                    <a:lstStyle/>
+                    <a:p>
+                      <a:r>
+                        <a:rPr lang="en-CA" dirty="0" smtClean="0"/>
+                        <a:t>Y</a:t>
+                      </a:r>
+                      <a:endParaRPr lang="en-CA" dirty="0"/>
+                    </a:p>
+                  </a:txBody>
+                  <a:tcPr/>
+                </a:tc>
+              </a:tr>
+              <a:tr h="370840">
+                <a:tc>
+                  <a:txBody>
+                    <a:bodyPr/>
+                    <a:lstStyle/>
+                    <a:p>
+                      <a:r>
+                        <a:rPr lang="en-CA" dirty="0" smtClean="0"/>
+                        <a:t>User inputs Correct password</a:t>
+                      </a:r>
+                      <a:endParaRPr lang="en-CA" dirty="0"/>
+                    </a:p>
+                  </a:txBody>
+                  <a:tcPr/>
+                </a:tc>
+                <a:tc>
+                  <a:txBody>
+                    <a:bodyPr/>
+                    <a:lstStyle/>
+                    <a:p>
+                      <a:r>
+                        <a:rPr lang="en-CA" dirty="0" smtClean="0"/>
+                        <a:t>Y</a:t>
+                      </a:r>
+                      <a:endParaRPr lang="en-CA" dirty="0"/>
+                    </a:p>
+                  </a:txBody>
+                  <a:tcPr/>
+                </a:tc>
+                <a:tc>
+                  <a:txBody>
+                    <a:bodyPr/>
+                    <a:lstStyle/>
+                    <a:p>
+                      <a:r>
+                        <a:rPr lang="en-CA" dirty="0" smtClean="0"/>
+                        <a:t>Y</a:t>
+                      </a:r>
+                      <a:endParaRPr lang="en-CA" dirty="0"/>
+                    </a:p>
+                  </a:txBody>
+                  <a:tcPr/>
+                </a:tc>
+                <a:tc>
+                  <a:txBody>
+                    <a:bodyPr/>
+                    <a:lstStyle/>
+                    <a:p>
+                      <a:r>
+                        <a:rPr lang="en-CA" dirty="0" smtClean="0"/>
+                        <a:t>N</a:t>
+                      </a:r>
+                      <a:endParaRPr lang="en-CA" dirty="0"/>
+                    </a:p>
+                  </a:txBody>
+                  <a:tcPr/>
+                </a:tc>
+                <a:tc>
+                  <a:txBody>
+                    <a:bodyPr/>
+                    <a:lstStyle/>
+                    <a:p>
+                      <a:r>
+                        <a:rPr lang="en-CA" dirty="0" smtClean="0"/>
+                        <a:t>Y</a:t>
+                      </a:r>
+                      <a:endParaRPr lang="en-CA" dirty="0"/>
+                    </a:p>
+                  </a:txBody>
+                  <a:tcPr/>
+                </a:tc>
+              </a:tr>
+              <a:tr h="370840">
+                <a:tc>
+                  <a:txBody>
+                    <a:bodyPr/>
+                    <a:lstStyle/>
+                    <a:p>
+                      <a:r>
+                        <a:rPr lang="en-CA" dirty="0" smtClean="0"/>
+                        <a:t>Attempts &gt; 3</a:t>
+                      </a:r>
+                      <a:endParaRPr lang="en-CA" dirty="0"/>
+                    </a:p>
+                  </a:txBody>
+                  <a:tcPr/>
+                </a:tc>
+                <a:tc>
+                  <a:txBody>
+                    <a:bodyPr/>
+                    <a:lstStyle/>
+                    <a:p>
+                      <a:r>
+                        <a:rPr lang="en-CA" dirty="0" smtClean="0"/>
+                        <a:t>N</a:t>
+                      </a:r>
+                      <a:endParaRPr lang="en-CA" dirty="0"/>
+                    </a:p>
+                  </a:txBody>
+                  <a:tcPr/>
+                </a:tc>
+                <a:tc>
+                  <a:txBody>
+                    <a:bodyPr/>
+                    <a:lstStyle/>
+                    <a:p>
+                      <a:r>
+                        <a:rPr lang="en-CA" dirty="0" smtClean="0"/>
+                        <a:t>N</a:t>
+                      </a:r>
+                      <a:endParaRPr lang="en-CA" dirty="0"/>
+                    </a:p>
+                  </a:txBody>
+                  <a:tcPr/>
+                </a:tc>
+                <a:tc>
+                  <a:txBody>
+                    <a:bodyPr/>
+                    <a:lstStyle/>
+                    <a:p>
+                      <a:r>
+                        <a:rPr lang="en-CA" dirty="0" smtClean="0"/>
+                        <a:t>N</a:t>
+                      </a:r>
+                      <a:endParaRPr lang="en-CA" dirty="0"/>
+                    </a:p>
+                  </a:txBody>
+                  <a:tcPr/>
+                </a:tc>
+                <a:tc>
+                  <a:txBody>
+                    <a:bodyPr/>
+                    <a:lstStyle/>
+                    <a:p>
+                      <a:r>
+                        <a:rPr lang="en-CA" dirty="0" smtClean="0"/>
+                        <a:t>Y</a:t>
+                      </a:r>
+                      <a:endParaRPr lang="en-CA" dirty="0"/>
+                    </a:p>
+                  </a:txBody>
+                  <a:tcPr/>
+                </a:tc>
+              </a:tr>
+              <a:tr h="370840">
+                <a:tc>
+                  <a:txBody>
+                    <a:bodyPr/>
+                    <a:lstStyle/>
+                    <a:p>
+                      <a:r>
+                        <a:rPr lang="en-CA" b="1" dirty="0" smtClean="0">
+                          <a:solidFill>
+                            <a:schemeClr val="bg1"/>
+                          </a:solidFill>
+                        </a:rPr>
+                        <a:t>Outcomes</a:t>
+                      </a:r>
+                      <a:endParaRPr lang="en-CA" b="1" dirty="0">
+                        <a:solidFill>
+                          <a:schemeClr val="bg1"/>
+                        </a:solidFill>
+                      </a:endParaRPr>
+                    </a:p>
+                  </a:txBody>
+                  <a:tcPr>
+                    <a:solidFill>
+                      <a:schemeClr val="tx2">
+                        <a:lumMod val="50000"/>
+                        <a:lumOff val="50000"/>
+                      </a:schemeClr>
+                    </a:solidFill>
+                  </a:tcPr>
+                </a:tc>
+                <a:tc>
+                  <a:txBody>
+                    <a:bodyPr/>
+                    <a:lstStyle/>
+                    <a:p>
+                      <a:endParaRPr lang="en-CA" dirty="0"/>
+                    </a:p>
+                  </a:txBody>
+                  <a:tcPr>
+                    <a:solidFill>
+                      <a:schemeClr val="tx2">
+                        <a:lumMod val="50000"/>
+                        <a:lumOff val="50000"/>
+                      </a:schemeClr>
+                    </a:solidFill>
+                  </a:tcPr>
+                </a:tc>
+                <a:tc>
+                  <a:txBody>
+                    <a:bodyPr/>
+                    <a:lstStyle/>
+                    <a:p>
+                      <a:endParaRPr lang="en-CA" dirty="0"/>
+                    </a:p>
+                  </a:txBody>
+                  <a:tcPr>
+                    <a:solidFill>
+                      <a:schemeClr val="tx2">
+                        <a:lumMod val="50000"/>
+                        <a:lumOff val="50000"/>
+                      </a:schemeClr>
+                    </a:solidFill>
+                  </a:tcPr>
+                </a:tc>
+                <a:tc>
+                  <a:txBody>
+                    <a:bodyPr/>
+                    <a:lstStyle/>
+                    <a:p>
+                      <a:endParaRPr lang="en-CA" dirty="0"/>
+                    </a:p>
+                  </a:txBody>
+                  <a:tcPr>
+                    <a:solidFill>
+                      <a:schemeClr val="tx2">
+                        <a:lumMod val="50000"/>
+                        <a:lumOff val="50000"/>
+                      </a:schemeClr>
+                    </a:solidFill>
+                  </a:tcPr>
+                </a:tc>
+                <a:tc>
+                  <a:txBody>
+                    <a:bodyPr/>
+                    <a:lstStyle/>
+                    <a:p>
+                      <a:endParaRPr lang="en-CA" dirty="0"/>
+                    </a:p>
+                  </a:txBody>
+                  <a:tcPr>
+                    <a:solidFill>
+                      <a:schemeClr val="tx2">
+                        <a:lumMod val="50000"/>
+                        <a:lumOff val="50000"/>
+                      </a:schemeClr>
+                    </a:solidFill>
+                  </a:tcPr>
+                </a:tc>
+              </a:tr>
+              <a:tr h="370840">
+                <a:tc>
+                  <a:txBody>
+                    <a:bodyPr/>
+                    <a:lstStyle/>
+                    <a:p>
+                      <a:r>
+                        <a:rPr lang="en-CA" dirty="0" smtClean="0"/>
+                        <a:t>User is taken to Accounts page</a:t>
+                      </a:r>
+                      <a:endParaRPr lang="en-CA" dirty="0"/>
+                    </a:p>
+                  </a:txBody>
+                  <a:tcPr/>
+                </a:tc>
+                <a:tc>
+                  <a:txBody>
+                    <a:bodyPr/>
+                    <a:lstStyle/>
+                    <a:p>
+                      <a:r>
+                        <a:rPr lang="en-CA" dirty="0" smtClean="0"/>
+                        <a:t>Y</a:t>
+                      </a:r>
+                      <a:endParaRPr lang="en-CA" dirty="0"/>
+                    </a:p>
+                  </a:txBody>
+                  <a:tcPr/>
+                </a:tc>
+                <a:tc>
+                  <a:txBody>
+                    <a:bodyPr/>
+                    <a:lstStyle/>
+                    <a:p>
+                      <a:endParaRPr lang="en-CA" dirty="0"/>
+                    </a:p>
+                  </a:txBody>
+                  <a:tcPr/>
+                </a:tc>
+                <a:tc>
+                  <a:txBody>
+                    <a:bodyPr/>
+                    <a:lstStyle/>
+                    <a:p>
+                      <a:endParaRPr lang="en-CA" dirty="0"/>
+                    </a:p>
+                  </a:txBody>
+                  <a:tcPr/>
+                </a:tc>
+                <a:tc>
+                  <a:txBody>
+                    <a:bodyPr/>
+                    <a:lstStyle/>
+                    <a:p>
+                      <a:endParaRPr lang="en-CA" dirty="0"/>
+                    </a:p>
+                  </a:txBody>
+                  <a:tcPr/>
+                </a:tc>
+              </a:tr>
+              <a:tr h="370840">
+                <a:tc>
+                  <a:txBody>
+                    <a:bodyPr/>
+                    <a:lstStyle/>
+                    <a:p>
+                      <a:r>
+                        <a:rPr lang="en-CA" dirty="0" smtClean="0"/>
+                        <a:t>User is taken to</a:t>
+                      </a:r>
+                      <a:r>
+                        <a:rPr lang="en-CA" baseline="0" dirty="0" smtClean="0"/>
+                        <a:t> login page </a:t>
+                      </a:r>
+                      <a:endParaRPr lang="en-CA" dirty="0"/>
+                    </a:p>
+                  </a:txBody>
+                  <a:tcPr/>
+                </a:tc>
+                <a:tc>
+                  <a:txBody>
+                    <a:bodyPr/>
+                    <a:lstStyle/>
+                    <a:p>
+                      <a:r>
+                        <a:rPr lang="en-CA" dirty="0" smtClean="0"/>
+                        <a:t>N</a:t>
+                      </a:r>
+                      <a:endParaRPr lang="en-CA" dirty="0"/>
+                    </a:p>
+                  </a:txBody>
+                  <a:tcPr/>
+                </a:tc>
+                <a:tc>
+                  <a:txBody>
+                    <a:bodyPr/>
+                    <a:lstStyle/>
+                    <a:p>
+                      <a:endParaRPr lang="en-CA" dirty="0"/>
+                    </a:p>
+                  </a:txBody>
+                  <a:tcPr/>
+                </a:tc>
+                <a:tc>
+                  <a:txBody>
+                    <a:bodyPr/>
+                    <a:lstStyle/>
+                    <a:p>
+                      <a:endParaRPr lang="en-CA" dirty="0"/>
+                    </a:p>
+                  </a:txBody>
+                  <a:tcPr/>
+                </a:tc>
+                <a:tc>
+                  <a:txBody>
+                    <a:bodyPr/>
+                    <a:lstStyle/>
+                    <a:p>
+                      <a:endParaRPr lang="en-CA" dirty="0"/>
+                    </a:p>
+                  </a:txBody>
+                  <a:tcPr/>
+                </a:tc>
+              </a:tr>
+              <a:tr h="370840">
+                <a:tc>
+                  <a:txBody>
+                    <a:bodyPr/>
+                    <a:lstStyle/>
+                    <a:p>
+                      <a:r>
+                        <a:rPr lang="en-CA" dirty="0" smtClean="0"/>
+                        <a:t>User’s account is frozen</a:t>
+                      </a:r>
+                      <a:endParaRPr lang="en-CA" dirty="0"/>
+                    </a:p>
+                  </a:txBody>
+                  <a:tcPr/>
+                </a:tc>
+                <a:tc>
+                  <a:txBody>
+                    <a:bodyPr/>
+                    <a:lstStyle/>
+                    <a:p>
+                      <a:r>
+                        <a:rPr lang="en-CA" dirty="0" smtClean="0"/>
+                        <a:t>N</a:t>
+                      </a:r>
+                      <a:endParaRPr lang="en-CA" dirty="0"/>
+                    </a:p>
+                  </a:txBody>
+                  <a:tcPr/>
+                </a:tc>
+                <a:tc>
+                  <a:txBody>
+                    <a:bodyPr/>
+                    <a:lstStyle/>
+                    <a:p>
+                      <a:endParaRPr lang="en-CA" dirty="0"/>
+                    </a:p>
+                  </a:txBody>
+                  <a:tcPr/>
+                </a:tc>
+                <a:tc>
+                  <a:txBody>
+                    <a:bodyPr/>
+                    <a:lstStyle/>
+                    <a:p>
+                      <a:endParaRPr lang="en-CA" dirty="0"/>
+                    </a:p>
+                  </a:txBody>
+                  <a:tcPr/>
+                </a:tc>
+                <a:tc>
+                  <a:txBody>
+                    <a:bodyPr/>
+                    <a:lstStyle/>
+                    <a:p>
+                      <a:endParaRPr lang="en-CA" dirty="0"/>
+                    </a:p>
+                  </a:txBody>
+                  <a:tcPr/>
+                </a:tc>
+              </a:tr>
+            </a:tbl>
+          </a:graphicData>
+        </a:graphic>
+      </p:graphicFrame>
     </p:spTree>
     <p:extLst>
       <p:ext uri="{BB962C8B-B14F-4D97-AF65-F5344CB8AC3E}">
-        <p14:creationId xmlns:p14="http://schemas.microsoft.com/office/powerpoint/2010/main" val="2309986464"/>
+        <p14:creationId xmlns:p14="http://schemas.microsoft.com/office/powerpoint/2010/main" val="2031566419"/>
       </p:ext>
     </p:extLst>
   </p:cSld>
   <p:clrMapOvr>
     <a:masterClrMapping/>
   </p:clrMapOvr>
-  <mc:AlternateContent xmlns:mc="http://schemas.openxmlformats.org/markup-compatibility/2006" xmlns:p14="http://schemas.microsoft.com/office/powerpoint/2010/main">
-    <mc:Choice Requires="p14">
+  <mc:AlternateContent xmlns:mc="http://schemas.openxmlformats.org/markup-compatibility/2006">
+    <mc:Choice xmlns:p14="http://schemas.microsoft.com/office/powerpoint/2010/main" Requires="p14">
       <p:transition p14:dur="0"/>
     </mc:Choice>
-    <mc:Fallback xmlns="">
+    <mc:Fallback>
       <p:transition/>
     </mc:Fallback>
   </mc:AlternateContent>
@@ -4964,136 +9426,2366 @@
           <a:lstStyle/>
           <a:p>
             <a:r>
-              <a:rPr lang="en-CA" dirty="0" smtClean="0"/>
-              <a:t>References</a:t>
-            </a:r>
-            <a:endParaRPr lang="en-CA" dirty="0"/>
-          </a:p>
-        </p:txBody>
-      </p:sp>
-      <p:sp>
-        <p:nvSpPr>
-          <p:cNvPr id="3" name="Content Placeholder 2"/>
-          <p:cNvSpPr>
-            <a:spLocks noGrp="1"/>
-          </p:cNvSpPr>
+              <a:rPr lang="en-US" dirty="0" smtClean="0"/>
+              <a:t>Decision </a:t>
+            </a:r>
+            <a:r>
+              <a:rPr lang="en-US" dirty="0"/>
+              <a:t>T</a:t>
+            </a:r>
+            <a:r>
+              <a:rPr lang="en-US" dirty="0" smtClean="0"/>
+              <a:t>ables Example</a:t>
+            </a:r>
+            <a:endParaRPr lang="en-US" dirty="0"/>
+          </a:p>
+        </p:txBody>
+      </p:sp>
+      <p:graphicFrame>
+        <p:nvGraphicFramePr>
+          <p:cNvPr id="4" name="Content Placeholder 3"/>
+          <p:cNvGraphicFramePr>
+            <a:graphicFrameLocks noGrp="1"/>
+          </p:cNvGraphicFramePr>
           <p:nvPr>
             <p:ph idx="1"/>
-          </p:nvPr>
-        </p:nvSpPr>
-        <p:spPr/>
-        <p:txBody>
-          <a:bodyPr/>
-          <a:lstStyle/>
-          <a:p>
-            <a:pPr marL="457200" indent="-457200">
-              <a:buFont typeface="+mj-lt"/>
-              <a:buAutoNum type="arabicPeriod"/>
-            </a:pPr>
-            <a:r>
-              <a:rPr lang="en-CA" dirty="0">
-                <a:hlinkClick r:id="rId2"/>
-              </a:rPr>
-              <a:t>http://</a:t>
-            </a:r>
-            <a:r>
-              <a:rPr lang="en-CA" dirty="0" smtClean="0">
-                <a:hlinkClick r:id="rId2"/>
-              </a:rPr>
-              <a:t>www.objectmentor.com/resources/articles/umlClassDiagrams.pdf</a:t>
-            </a:r>
-            <a:r>
-              <a:rPr lang="en-CA" dirty="0" smtClean="0"/>
-              <a:t> </a:t>
-            </a:r>
-          </a:p>
-          <a:p>
-            <a:pPr marL="457200" indent="-457200">
-              <a:buFont typeface="+mj-lt"/>
-              <a:buAutoNum type="arabicPeriod"/>
-            </a:pPr>
-            <a:r>
-              <a:rPr lang="en-CA" dirty="0">
-                <a:hlinkClick r:id="rId3"/>
-              </a:rPr>
-              <a:t>http://www.ibm.com/developerworks/rational/library/content/RationalEdge/sep04/bell</a:t>
-            </a:r>
-            <a:r>
-              <a:rPr lang="en-CA" dirty="0" smtClean="0">
-                <a:hlinkClick r:id="rId3"/>
-              </a:rPr>
-              <a:t>/</a:t>
-            </a:r>
-            <a:r>
-              <a:rPr lang="en-CA" dirty="0" smtClean="0"/>
-              <a:t> </a:t>
-            </a:r>
-          </a:p>
-          <a:p>
-            <a:pPr marL="457200" indent="-457200">
-              <a:buFont typeface="+mj-lt"/>
-              <a:buAutoNum type="arabicPeriod"/>
-            </a:pPr>
-            <a:r>
-              <a:rPr lang="en-CA" dirty="0">
-                <a:hlinkClick r:id="rId4"/>
-              </a:rPr>
-              <a:t>http://</a:t>
-            </a:r>
-            <a:r>
-              <a:rPr lang="en-CA" dirty="0" smtClean="0">
-                <a:hlinkClick r:id="rId4"/>
-              </a:rPr>
-              <a:t>en.wikipedia.org/wiki/Class_diagram</a:t>
-            </a:r>
-            <a:r>
-              <a:rPr lang="en-CA" dirty="0" smtClean="0"/>
-              <a:t> </a:t>
-            </a:r>
-          </a:p>
-          <a:p>
-            <a:pPr marL="457200" indent="-457200">
-              <a:buFont typeface="+mj-lt"/>
-              <a:buAutoNum type="arabicPeriod"/>
-            </a:pPr>
-            <a:r>
-              <a:rPr lang="en-CA" dirty="0">
-                <a:hlinkClick r:id="rId5"/>
-              </a:rPr>
-              <a:t>http://slides.com/dominiccharleyroy</a:t>
-            </a:r>
-            <a:r>
-              <a:rPr lang="en-CA" dirty="0" smtClean="0">
-                <a:hlinkClick r:id="rId5"/>
-              </a:rPr>
-              <a:t>/</a:t>
-            </a:r>
-            <a:endParaRPr lang="en-CA" dirty="0" smtClean="0"/>
-          </a:p>
-          <a:p>
-            <a:pPr marL="457200" indent="-457200">
-              <a:buFont typeface="+mj-lt"/>
-              <a:buAutoNum type="arabicPeriod"/>
-            </a:pPr>
-            <a:endParaRPr lang="en-CA" dirty="0"/>
-          </a:p>
-        </p:txBody>
-      </p:sp>
+            <p:extLst>
+              <p:ext uri="{D42A27DB-BD31-4B8C-83A1-F6EECF244321}">
+                <p14:modId xmlns:p14="http://schemas.microsoft.com/office/powerpoint/2010/main" val="2559172406"/>
+              </p:ext>
+            </p:extLst>
+          </p:nvPr>
+        </p:nvGraphicFramePr>
+        <p:xfrm>
+          <a:off x="657224" y="1744663"/>
+          <a:ext cx="10753725" cy="4953000"/>
+        </p:xfrm>
+        <a:graphic>
+          <a:graphicData uri="http://schemas.openxmlformats.org/drawingml/2006/table">
+            <a:tbl>
+              <a:tblPr firstRow="1" bandRow="1">
+                <a:tableStyleId>{5C22544A-7EE6-4342-B048-85BDC9FD1C3A}</a:tableStyleId>
+              </a:tblPr>
+              <a:tblGrid>
+                <a:gridCol w="2150745"/>
+                <a:gridCol w="2150745"/>
+                <a:gridCol w="2150745"/>
+                <a:gridCol w="2150745"/>
+                <a:gridCol w="2150745"/>
+              </a:tblGrid>
+              <a:tr h="370840">
+                <a:tc>
+                  <a:txBody>
+                    <a:bodyPr/>
+                    <a:lstStyle/>
+                    <a:p>
+                      <a:r>
+                        <a:rPr lang="en-CA" dirty="0" smtClean="0"/>
+                        <a:t>Conditions</a:t>
+                      </a:r>
+                      <a:endParaRPr lang="en-CA" dirty="0"/>
+                    </a:p>
+                  </a:txBody>
+                  <a:tcPr/>
+                </a:tc>
+                <a:tc>
+                  <a:txBody>
+                    <a:bodyPr/>
+                    <a:lstStyle/>
+                    <a:p>
+                      <a:endParaRPr lang="en-CA" dirty="0"/>
+                    </a:p>
+                  </a:txBody>
+                  <a:tcPr/>
+                </a:tc>
+                <a:tc>
+                  <a:txBody>
+                    <a:bodyPr/>
+                    <a:lstStyle/>
+                    <a:p>
+                      <a:endParaRPr lang="en-CA" dirty="0"/>
+                    </a:p>
+                  </a:txBody>
+                  <a:tcPr/>
+                </a:tc>
+                <a:tc>
+                  <a:txBody>
+                    <a:bodyPr/>
+                    <a:lstStyle/>
+                    <a:p>
+                      <a:endParaRPr lang="en-CA" dirty="0"/>
+                    </a:p>
+                  </a:txBody>
+                  <a:tcPr/>
+                </a:tc>
+                <a:tc>
+                  <a:txBody>
+                    <a:bodyPr/>
+                    <a:lstStyle/>
+                    <a:p>
+                      <a:endParaRPr lang="en-CA" dirty="0"/>
+                    </a:p>
+                  </a:txBody>
+                  <a:tcPr/>
+                </a:tc>
+              </a:tr>
+              <a:tr h="370840">
+                <a:tc>
+                  <a:txBody>
+                    <a:bodyPr/>
+                    <a:lstStyle/>
+                    <a:p>
+                      <a:r>
+                        <a:rPr lang="en-CA" dirty="0" smtClean="0"/>
+                        <a:t>User goes</a:t>
+                      </a:r>
+                      <a:r>
+                        <a:rPr lang="en-CA" baseline="0" dirty="0" smtClean="0"/>
+                        <a:t> to login page</a:t>
+                      </a:r>
+                      <a:endParaRPr lang="en-CA" dirty="0"/>
+                    </a:p>
+                  </a:txBody>
+                  <a:tcPr/>
+                </a:tc>
+                <a:tc>
+                  <a:txBody>
+                    <a:bodyPr/>
+                    <a:lstStyle/>
+                    <a:p>
+                      <a:r>
+                        <a:rPr lang="en-CA" dirty="0" smtClean="0"/>
+                        <a:t>Y</a:t>
+                      </a:r>
+                      <a:endParaRPr lang="en-CA" dirty="0"/>
+                    </a:p>
+                  </a:txBody>
+                  <a:tcPr/>
+                </a:tc>
+                <a:tc>
+                  <a:txBody>
+                    <a:bodyPr/>
+                    <a:lstStyle/>
+                    <a:p>
+                      <a:r>
+                        <a:rPr lang="en-CA" dirty="0" smtClean="0"/>
+                        <a:t>N</a:t>
+                      </a:r>
+                      <a:endParaRPr lang="en-CA" dirty="0"/>
+                    </a:p>
+                  </a:txBody>
+                  <a:tcPr/>
+                </a:tc>
+                <a:tc>
+                  <a:txBody>
+                    <a:bodyPr/>
+                    <a:lstStyle/>
+                    <a:p>
+                      <a:r>
+                        <a:rPr lang="en-CA" dirty="0" smtClean="0"/>
+                        <a:t>Y</a:t>
+                      </a:r>
+                      <a:endParaRPr lang="en-CA" dirty="0"/>
+                    </a:p>
+                  </a:txBody>
+                  <a:tcPr/>
+                </a:tc>
+                <a:tc>
+                  <a:txBody>
+                    <a:bodyPr/>
+                    <a:lstStyle/>
+                    <a:p>
+                      <a:r>
+                        <a:rPr lang="en-CA" dirty="0" smtClean="0"/>
+                        <a:t>Y</a:t>
+                      </a:r>
+                      <a:endParaRPr lang="en-CA" dirty="0"/>
+                    </a:p>
+                  </a:txBody>
+                  <a:tcPr/>
+                </a:tc>
+              </a:tr>
+              <a:tr h="370840">
+                <a:tc>
+                  <a:txBody>
+                    <a:bodyPr/>
+                    <a:lstStyle/>
+                    <a:p>
+                      <a:r>
+                        <a:rPr lang="en-CA" dirty="0" smtClean="0"/>
+                        <a:t>User inputs correct card number</a:t>
+                      </a:r>
+                      <a:endParaRPr lang="en-CA" dirty="0"/>
+                    </a:p>
+                  </a:txBody>
+                  <a:tcPr/>
+                </a:tc>
+                <a:tc>
+                  <a:txBody>
+                    <a:bodyPr/>
+                    <a:lstStyle/>
+                    <a:p>
+                      <a:r>
+                        <a:rPr lang="en-CA" dirty="0" smtClean="0"/>
+                        <a:t>Y</a:t>
+                      </a:r>
+                      <a:endParaRPr lang="en-CA" dirty="0"/>
+                    </a:p>
+                  </a:txBody>
+                  <a:tcPr/>
+                </a:tc>
+                <a:tc>
+                  <a:txBody>
+                    <a:bodyPr/>
+                    <a:lstStyle/>
+                    <a:p>
+                      <a:r>
+                        <a:rPr lang="en-CA" dirty="0" smtClean="0"/>
+                        <a:t>Y</a:t>
+                      </a:r>
+                      <a:endParaRPr lang="en-CA" dirty="0"/>
+                    </a:p>
+                  </a:txBody>
+                  <a:tcPr/>
+                </a:tc>
+                <a:tc>
+                  <a:txBody>
+                    <a:bodyPr/>
+                    <a:lstStyle/>
+                    <a:p>
+                      <a:r>
+                        <a:rPr lang="en-CA" dirty="0" smtClean="0"/>
+                        <a:t>Y</a:t>
+                      </a:r>
+                      <a:endParaRPr lang="en-CA" dirty="0"/>
+                    </a:p>
+                  </a:txBody>
+                  <a:tcPr/>
+                </a:tc>
+                <a:tc>
+                  <a:txBody>
+                    <a:bodyPr/>
+                    <a:lstStyle/>
+                    <a:p>
+                      <a:r>
+                        <a:rPr lang="en-CA" dirty="0" smtClean="0"/>
+                        <a:t>Y</a:t>
+                      </a:r>
+                      <a:endParaRPr lang="en-CA" dirty="0"/>
+                    </a:p>
+                  </a:txBody>
+                  <a:tcPr/>
+                </a:tc>
+              </a:tr>
+              <a:tr h="370840">
+                <a:tc>
+                  <a:txBody>
+                    <a:bodyPr/>
+                    <a:lstStyle/>
+                    <a:p>
+                      <a:r>
+                        <a:rPr lang="en-CA" dirty="0" smtClean="0"/>
+                        <a:t>User inputs Correct password</a:t>
+                      </a:r>
+                      <a:endParaRPr lang="en-CA" dirty="0"/>
+                    </a:p>
+                  </a:txBody>
+                  <a:tcPr/>
+                </a:tc>
+                <a:tc>
+                  <a:txBody>
+                    <a:bodyPr/>
+                    <a:lstStyle/>
+                    <a:p>
+                      <a:r>
+                        <a:rPr lang="en-CA" dirty="0" smtClean="0"/>
+                        <a:t>Y</a:t>
+                      </a:r>
+                      <a:endParaRPr lang="en-CA" dirty="0"/>
+                    </a:p>
+                  </a:txBody>
+                  <a:tcPr/>
+                </a:tc>
+                <a:tc>
+                  <a:txBody>
+                    <a:bodyPr/>
+                    <a:lstStyle/>
+                    <a:p>
+                      <a:r>
+                        <a:rPr lang="en-CA" dirty="0" smtClean="0"/>
+                        <a:t>Y</a:t>
+                      </a:r>
+                      <a:endParaRPr lang="en-CA" dirty="0"/>
+                    </a:p>
+                  </a:txBody>
+                  <a:tcPr/>
+                </a:tc>
+                <a:tc>
+                  <a:txBody>
+                    <a:bodyPr/>
+                    <a:lstStyle/>
+                    <a:p>
+                      <a:r>
+                        <a:rPr lang="en-CA" dirty="0" smtClean="0"/>
+                        <a:t>N</a:t>
+                      </a:r>
+                      <a:endParaRPr lang="en-CA" dirty="0"/>
+                    </a:p>
+                  </a:txBody>
+                  <a:tcPr/>
+                </a:tc>
+                <a:tc>
+                  <a:txBody>
+                    <a:bodyPr/>
+                    <a:lstStyle/>
+                    <a:p>
+                      <a:r>
+                        <a:rPr lang="en-CA" dirty="0" smtClean="0"/>
+                        <a:t>Y</a:t>
+                      </a:r>
+                      <a:endParaRPr lang="en-CA" dirty="0"/>
+                    </a:p>
+                  </a:txBody>
+                  <a:tcPr/>
+                </a:tc>
+              </a:tr>
+              <a:tr h="370840">
+                <a:tc>
+                  <a:txBody>
+                    <a:bodyPr/>
+                    <a:lstStyle/>
+                    <a:p>
+                      <a:r>
+                        <a:rPr lang="en-CA" dirty="0" smtClean="0"/>
+                        <a:t>Attempts &gt; 3</a:t>
+                      </a:r>
+                      <a:endParaRPr lang="en-CA" dirty="0"/>
+                    </a:p>
+                  </a:txBody>
+                  <a:tcPr/>
+                </a:tc>
+                <a:tc>
+                  <a:txBody>
+                    <a:bodyPr/>
+                    <a:lstStyle/>
+                    <a:p>
+                      <a:r>
+                        <a:rPr lang="en-CA" dirty="0" smtClean="0"/>
+                        <a:t>N</a:t>
+                      </a:r>
+                      <a:endParaRPr lang="en-CA" dirty="0"/>
+                    </a:p>
+                  </a:txBody>
+                  <a:tcPr/>
+                </a:tc>
+                <a:tc>
+                  <a:txBody>
+                    <a:bodyPr/>
+                    <a:lstStyle/>
+                    <a:p>
+                      <a:r>
+                        <a:rPr lang="en-CA" dirty="0" smtClean="0"/>
+                        <a:t>N</a:t>
+                      </a:r>
+                      <a:endParaRPr lang="en-CA" dirty="0"/>
+                    </a:p>
+                  </a:txBody>
+                  <a:tcPr/>
+                </a:tc>
+                <a:tc>
+                  <a:txBody>
+                    <a:bodyPr/>
+                    <a:lstStyle/>
+                    <a:p>
+                      <a:r>
+                        <a:rPr lang="en-CA" dirty="0" smtClean="0"/>
+                        <a:t>N</a:t>
+                      </a:r>
+                      <a:endParaRPr lang="en-CA" dirty="0"/>
+                    </a:p>
+                  </a:txBody>
+                  <a:tcPr/>
+                </a:tc>
+                <a:tc>
+                  <a:txBody>
+                    <a:bodyPr/>
+                    <a:lstStyle/>
+                    <a:p>
+                      <a:r>
+                        <a:rPr lang="en-CA" dirty="0" smtClean="0"/>
+                        <a:t>Y</a:t>
+                      </a:r>
+                      <a:endParaRPr lang="en-CA" dirty="0"/>
+                    </a:p>
+                  </a:txBody>
+                  <a:tcPr/>
+                </a:tc>
+              </a:tr>
+              <a:tr h="370840">
+                <a:tc>
+                  <a:txBody>
+                    <a:bodyPr/>
+                    <a:lstStyle/>
+                    <a:p>
+                      <a:r>
+                        <a:rPr lang="en-CA" b="1" dirty="0" smtClean="0">
+                          <a:solidFill>
+                            <a:schemeClr val="bg1"/>
+                          </a:solidFill>
+                        </a:rPr>
+                        <a:t>Outcomes</a:t>
+                      </a:r>
+                      <a:endParaRPr lang="en-CA" b="1" dirty="0">
+                        <a:solidFill>
+                          <a:schemeClr val="bg1"/>
+                        </a:solidFill>
+                      </a:endParaRPr>
+                    </a:p>
+                  </a:txBody>
+                  <a:tcPr>
+                    <a:solidFill>
+                      <a:schemeClr val="tx2">
+                        <a:lumMod val="50000"/>
+                        <a:lumOff val="50000"/>
+                      </a:schemeClr>
+                    </a:solidFill>
+                  </a:tcPr>
+                </a:tc>
+                <a:tc>
+                  <a:txBody>
+                    <a:bodyPr/>
+                    <a:lstStyle/>
+                    <a:p>
+                      <a:endParaRPr lang="en-CA" dirty="0"/>
+                    </a:p>
+                  </a:txBody>
+                  <a:tcPr>
+                    <a:solidFill>
+                      <a:schemeClr val="tx2">
+                        <a:lumMod val="50000"/>
+                        <a:lumOff val="50000"/>
+                      </a:schemeClr>
+                    </a:solidFill>
+                  </a:tcPr>
+                </a:tc>
+                <a:tc>
+                  <a:txBody>
+                    <a:bodyPr/>
+                    <a:lstStyle/>
+                    <a:p>
+                      <a:endParaRPr lang="en-CA" dirty="0"/>
+                    </a:p>
+                  </a:txBody>
+                  <a:tcPr>
+                    <a:solidFill>
+                      <a:schemeClr val="tx2">
+                        <a:lumMod val="50000"/>
+                        <a:lumOff val="50000"/>
+                      </a:schemeClr>
+                    </a:solidFill>
+                  </a:tcPr>
+                </a:tc>
+                <a:tc>
+                  <a:txBody>
+                    <a:bodyPr/>
+                    <a:lstStyle/>
+                    <a:p>
+                      <a:endParaRPr lang="en-CA" dirty="0"/>
+                    </a:p>
+                  </a:txBody>
+                  <a:tcPr>
+                    <a:solidFill>
+                      <a:schemeClr val="tx2">
+                        <a:lumMod val="50000"/>
+                        <a:lumOff val="50000"/>
+                      </a:schemeClr>
+                    </a:solidFill>
+                  </a:tcPr>
+                </a:tc>
+                <a:tc>
+                  <a:txBody>
+                    <a:bodyPr/>
+                    <a:lstStyle/>
+                    <a:p>
+                      <a:endParaRPr lang="en-CA" dirty="0"/>
+                    </a:p>
+                  </a:txBody>
+                  <a:tcPr>
+                    <a:solidFill>
+                      <a:schemeClr val="tx2">
+                        <a:lumMod val="50000"/>
+                        <a:lumOff val="50000"/>
+                      </a:schemeClr>
+                    </a:solidFill>
+                  </a:tcPr>
+                </a:tc>
+              </a:tr>
+              <a:tr h="370840">
+                <a:tc>
+                  <a:txBody>
+                    <a:bodyPr/>
+                    <a:lstStyle/>
+                    <a:p>
+                      <a:r>
+                        <a:rPr lang="en-CA" dirty="0" smtClean="0"/>
+                        <a:t>User is taken to Accounts page</a:t>
+                      </a:r>
+                      <a:endParaRPr lang="en-CA" dirty="0"/>
+                    </a:p>
+                  </a:txBody>
+                  <a:tcPr/>
+                </a:tc>
+                <a:tc>
+                  <a:txBody>
+                    <a:bodyPr/>
+                    <a:lstStyle/>
+                    <a:p>
+                      <a:r>
+                        <a:rPr lang="en-CA" dirty="0" smtClean="0"/>
+                        <a:t>Y</a:t>
+                      </a:r>
+                      <a:endParaRPr lang="en-CA" dirty="0"/>
+                    </a:p>
+                  </a:txBody>
+                  <a:tcPr/>
+                </a:tc>
+                <a:tc>
+                  <a:txBody>
+                    <a:bodyPr/>
+                    <a:lstStyle/>
+                    <a:p>
+                      <a:r>
+                        <a:rPr lang="en-CA" dirty="0" smtClean="0"/>
+                        <a:t>N</a:t>
+                      </a:r>
+                      <a:endParaRPr lang="en-CA" dirty="0"/>
+                    </a:p>
+                  </a:txBody>
+                  <a:tcPr/>
+                </a:tc>
+                <a:tc>
+                  <a:txBody>
+                    <a:bodyPr/>
+                    <a:lstStyle/>
+                    <a:p>
+                      <a:endParaRPr lang="en-CA" dirty="0"/>
+                    </a:p>
+                  </a:txBody>
+                  <a:tcPr/>
+                </a:tc>
+                <a:tc>
+                  <a:txBody>
+                    <a:bodyPr/>
+                    <a:lstStyle/>
+                    <a:p>
+                      <a:endParaRPr lang="en-CA" dirty="0"/>
+                    </a:p>
+                  </a:txBody>
+                  <a:tcPr/>
+                </a:tc>
+              </a:tr>
+              <a:tr h="370840">
+                <a:tc>
+                  <a:txBody>
+                    <a:bodyPr/>
+                    <a:lstStyle/>
+                    <a:p>
+                      <a:r>
+                        <a:rPr lang="en-CA" dirty="0" smtClean="0"/>
+                        <a:t>User is taken to</a:t>
+                      </a:r>
+                      <a:r>
+                        <a:rPr lang="en-CA" baseline="0" dirty="0" smtClean="0"/>
+                        <a:t> login page </a:t>
+                      </a:r>
+                      <a:endParaRPr lang="en-CA" dirty="0"/>
+                    </a:p>
+                  </a:txBody>
+                  <a:tcPr/>
+                </a:tc>
+                <a:tc>
+                  <a:txBody>
+                    <a:bodyPr/>
+                    <a:lstStyle/>
+                    <a:p>
+                      <a:r>
+                        <a:rPr lang="en-CA" dirty="0" smtClean="0"/>
+                        <a:t>N</a:t>
+                      </a:r>
+                      <a:endParaRPr lang="en-CA" dirty="0"/>
+                    </a:p>
+                  </a:txBody>
+                  <a:tcPr/>
+                </a:tc>
+                <a:tc>
+                  <a:txBody>
+                    <a:bodyPr/>
+                    <a:lstStyle/>
+                    <a:p>
+                      <a:r>
+                        <a:rPr lang="en-CA" dirty="0" smtClean="0"/>
+                        <a:t>Y</a:t>
+                      </a:r>
+                      <a:endParaRPr lang="en-CA" dirty="0"/>
+                    </a:p>
+                  </a:txBody>
+                  <a:tcPr/>
+                </a:tc>
+                <a:tc>
+                  <a:txBody>
+                    <a:bodyPr/>
+                    <a:lstStyle/>
+                    <a:p>
+                      <a:endParaRPr lang="en-CA" dirty="0"/>
+                    </a:p>
+                  </a:txBody>
+                  <a:tcPr/>
+                </a:tc>
+                <a:tc>
+                  <a:txBody>
+                    <a:bodyPr/>
+                    <a:lstStyle/>
+                    <a:p>
+                      <a:endParaRPr lang="en-CA" dirty="0"/>
+                    </a:p>
+                  </a:txBody>
+                  <a:tcPr/>
+                </a:tc>
+              </a:tr>
+              <a:tr h="370840">
+                <a:tc>
+                  <a:txBody>
+                    <a:bodyPr/>
+                    <a:lstStyle/>
+                    <a:p>
+                      <a:r>
+                        <a:rPr lang="en-CA" dirty="0" smtClean="0"/>
+                        <a:t>User’s account is frozen</a:t>
+                      </a:r>
+                      <a:endParaRPr lang="en-CA" dirty="0"/>
+                    </a:p>
+                  </a:txBody>
+                  <a:tcPr/>
+                </a:tc>
+                <a:tc>
+                  <a:txBody>
+                    <a:bodyPr/>
+                    <a:lstStyle/>
+                    <a:p>
+                      <a:r>
+                        <a:rPr lang="en-CA" dirty="0" smtClean="0"/>
+                        <a:t>N</a:t>
+                      </a:r>
+                      <a:endParaRPr lang="en-CA" dirty="0"/>
+                    </a:p>
+                  </a:txBody>
+                  <a:tcPr/>
+                </a:tc>
+                <a:tc>
+                  <a:txBody>
+                    <a:bodyPr/>
+                    <a:lstStyle/>
+                    <a:p>
+                      <a:r>
+                        <a:rPr lang="en-CA" dirty="0" smtClean="0"/>
+                        <a:t>N</a:t>
+                      </a:r>
+                      <a:endParaRPr lang="en-CA" dirty="0"/>
+                    </a:p>
+                  </a:txBody>
+                  <a:tcPr/>
+                </a:tc>
+                <a:tc>
+                  <a:txBody>
+                    <a:bodyPr/>
+                    <a:lstStyle/>
+                    <a:p>
+                      <a:endParaRPr lang="en-CA" dirty="0"/>
+                    </a:p>
+                  </a:txBody>
+                  <a:tcPr/>
+                </a:tc>
+                <a:tc>
+                  <a:txBody>
+                    <a:bodyPr/>
+                    <a:lstStyle/>
+                    <a:p>
+                      <a:endParaRPr lang="en-CA" dirty="0"/>
+                    </a:p>
+                  </a:txBody>
+                  <a:tcPr/>
+                </a:tc>
+              </a:tr>
+            </a:tbl>
+          </a:graphicData>
+        </a:graphic>
+      </p:graphicFrame>
     </p:spTree>
     <p:extLst>
       <p:ext uri="{BB962C8B-B14F-4D97-AF65-F5344CB8AC3E}">
-        <p14:creationId xmlns:p14="http://schemas.microsoft.com/office/powerpoint/2010/main" val="297653093"/>
+        <p14:creationId xmlns:p14="http://schemas.microsoft.com/office/powerpoint/2010/main" val="4232600911"/>
       </p:ext>
     </p:extLst>
   </p:cSld>
   <p:clrMapOvr>
     <a:masterClrMapping/>
   </p:clrMapOvr>
-  <mc:AlternateContent xmlns:mc="http://schemas.openxmlformats.org/markup-compatibility/2006" xmlns:p14="http://schemas.microsoft.com/office/powerpoint/2010/main">
-    <mc:Choice Requires="p14">
+  <mc:AlternateContent xmlns:mc="http://schemas.openxmlformats.org/markup-compatibility/2006">
+    <mc:Choice xmlns:p14="http://schemas.microsoft.com/office/powerpoint/2010/main" Requires="p14">
       <p:transition p14:dur="0"/>
     </mc:Choice>
-    <mc:Fallback xmlns="">
+    <mc:Fallback>
+      <p:transition/>
+    </mc:Fallback>
+  </mc:AlternateContent>
+  <p:timing>
+    <p:tnLst>
+      <p:par>
+        <p:cTn id="1" dur="indefinite" restart="never" nodeType="tmRoot"/>
+      </p:par>
+    </p:tnLst>
+  </p:timing>
+</p:sld>
+</file>
+
+<file path=ppt/slides/slide7.xml><?xml version="1.0" encoding="utf-8"?>
+<p:sld xmlns:a="http://schemas.openxmlformats.org/drawingml/2006/main" xmlns:r="http://schemas.openxmlformats.org/officeDocument/2006/relationships" xmlns:p="http://schemas.openxmlformats.org/presentationml/2006/main">
+  <p:cSld>
+    <p:spTree>
+      <p:nvGrpSpPr>
+        <p:cNvPr id="1" name=""/>
+        <p:cNvGrpSpPr/>
+        <p:nvPr/>
+      </p:nvGrpSpPr>
+      <p:grpSpPr>
+        <a:xfrm>
+          <a:off x="0" y="0"/>
+          <a:ext cx="0" cy="0"/>
+          <a:chOff x="0" y="0"/>
+          <a:chExt cx="0" cy="0"/>
+        </a:xfrm>
+      </p:grpSpPr>
+      <p:sp>
+        <p:nvSpPr>
+          <p:cNvPr id="2" name="Title 1"/>
+          <p:cNvSpPr>
+            <a:spLocks noGrp="1"/>
+          </p:cNvSpPr>
+          <p:nvPr>
+            <p:ph type="title"/>
+          </p:nvPr>
+        </p:nvSpPr>
+        <p:spPr/>
+        <p:txBody>
+          <a:bodyPr/>
+          <a:lstStyle/>
+          <a:p>
+            <a:r>
+              <a:rPr lang="en-US" dirty="0" smtClean="0"/>
+              <a:t>Decision </a:t>
+            </a:r>
+            <a:r>
+              <a:rPr lang="en-US" dirty="0"/>
+              <a:t>T</a:t>
+            </a:r>
+            <a:r>
+              <a:rPr lang="en-US" dirty="0" smtClean="0"/>
+              <a:t>ables Example</a:t>
+            </a:r>
+            <a:endParaRPr lang="en-US" dirty="0"/>
+          </a:p>
+        </p:txBody>
+      </p:sp>
+      <p:graphicFrame>
+        <p:nvGraphicFramePr>
+          <p:cNvPr id="4" name="Content Placeholder 3"/>
+          <p:cNvGraphicFramePr>
+            <a:graphicFrameLocks noGrp="1"/>
+          </p:cNvGraphicFramePr>
+          <p:nvPr>
+            <p:ph idx="1"/>
+            <p:extLst>
+              <p:ext uri="{D42A27DB-BD31-4B8C-83A1-F6EECF244321}">
+                <p14:modId xmlns:p14="http://schemas.microsoft.com/office/powerpoint/2010/main" val="266346907"/>
+              </p:ext>
+            </p:extLst>
+          </p:nvPr>
+        </p:nvGraphicFramePr>
+        <p:xfrm>
+          <a:off x="657224" y="1744663"/>
+          <a:ext cx="10753725" cy="4953000"/>
+        </p:xfrm>
+        <a:graphic>
+          <a:graphicData uri="http://schemas.openxmlformats.org/drawingml/2006/table">
+            <a:tbl>
+              <a:tblPr firstRow="1" bandRow="1">
+                <a:tableStyleId>{5C22544A-7EE6-4342-B048-85BDC9FD1C3A}</a:tableStyleId>
+              </a:tblPr>
+              <a:tblGrid>
+                <a:gridCol w="2150745"/>
+                <a:gridCol w="2150745"/>
+                <a:gridCol w="2150745"/>
+                <a:gridCol w="2150745"/>
+                <a:gridCol w="2150745"/>
+              </a:tblGrid>
+              <a:tr h="370840">
+                <a:tc>
+                  <a:txBody>
+                    <a:bodyPr/>
+                    <a:lstStyle/>
+                    <a:p>
+                      <a:r>
+                        <a:rPr lang="en-CA" dirty="0" smtClean="0"/>
+                        <a:t>Conditions</a:t>
+                      </a:r>
+                      <a:endParaRPr lang="en-CA" dirty="0"/>
+                    </a:p>
+                  </a:txBody>
+                  <a:tcPr/>
+                </a:tc>
+                <a:tc>
+                  <a:txBody>
+                    <a:bodyPr/>
+                    <a:lstStyle/>
+                    <a:p>
+                      <a:endParaRPr lang="en-CA" dirty="0"/>
+                    </a:p>
+                  </a:txBody>
+                  <a:tcPr/>
+                </a:tc>
+                <a:tc>
+                  <a:txBody>
+                    <a:bodyPr/>
+                    <a:lstStyle/>
+                    <a:p>
+                      <a:endParaRPr lang="en-CA" dirty="0"/>
+                    </a:p>
+                  </a:txBody>
+                  <a:tcPr/>
+                </a:tc>
+                <a:tc>
+                  <a:txBody>
+                    <a:bodyPr/>
+                    <a:lstStyle/>
+                    <a:p>
+                      <a:endParaRPr lang="en-CA" dirty="0"/>
+                    </a:p>
+                  </a:txBody>
+                  <a:tcPr/>
+                </a:tc>
+                <a:tc>
+                  <a:txBody>
+                    <a:bodyPr/>
+                    <a:lstStyle/>
+                    <a:p>
+                      <a:endParaRPr lang="en-CA" dirty="0"/>
+                    </a:p>
+                  </a:txBody>
+                  <a:tcPr/>
+                </a:tc>
+              </a:tr>
+              <a:tr h="370840">
+                <a:tc>
+                  <a:txBody>
+                    <a:bodyPr/>
+                    <a:lstStyle/>
+                    <a:p>
+                      <a:r>
+                        <a:rPr lang="en-CA" dirty="0" smtClean="0"/>
+                        <a:t>User goes</a:t>
+                      </a:r>
+                      <a:r>
+                        <a:rPr lang="en-CA" baseline="0" dirty="0" smtClean="0"/>
+                        <a:t> to login page</a:t>
+                      </a:r>
+                      <a:endParaRPr lang="en-CA" dirty="0"/>
+                    </a:p>
+                  </a:txBody>
+                  <a:tcPr/>
+                </a:tc>
+                <a:tc>
+                  <a:txBody>
+                    <a:bodyPr/>
+                    <a:lstStyle/>
+                    <a:p>
+                      <a:r>
+                        <a:rPr lang="en-CA" dirty="0" smtClean="0"/>
+                        <a:t>Y</a:t>
+                      </a:r>
+                      <a:endParaRPr lang="en-CA" dirty="0"/>
+                    </a:p>
+                  </a:txBody>
+                  <a:tcPr/>
+                </a:tc>
+                <a:tc>
+                  <a:txBody>
+                    <a:bodyPr/>
+                    <a:lstStyle/>
+                    <a:p>
+                      <a:r>
+                        <a:rPr lang="en-CA" dirty="0" smtClean="0"/>
+                        <a:t>N</a:t>
+                      </a:r>
+                      <a:endParaRPr lang="en-CA" dirty="0"/>
+                    </a:p>
+                  </a:txBody>
+                  <a:tcPr/>
+                </a:tc>
+                <a:tc>
+                  <a:txBody>
+                    <a:bodyPr/>
+                    <a:lstStyle/>
+                    <a:p>
+                      <a:r>
+                        <a:rPr lang="en-CA" dirty="0" smtClean="0"/>
+                        <a:t>Y</a:t>
+                      </a:r>
+                      <a:endParaRPr lang="en-CA" dirty="0"/>
+                    </a:p>
+                  </a:txBody>
+                  <a:tcPr/>
+                </a:tc>
+                <a:tc>
+                  <a:txBody>
+                    <a:bodyPr/>
+                    <a:lstStyle/>
+                    <a:p>
+                      <a:r>
+                        <a:rPr lang="en-CA" dirty="0" smtClean="0"/>
+                        <a:t>Y</a:t>
+                      </a:r>
+                      <a:endParaRPr lang="en-CA" dirty="0"/>
+                    </a:p>
+                  </a:txBody>
+                  <a:tcPr/>
+                </a:tc>
+              </a:tr>
+              <a:tr h="370840">
+                <a:tc>
+                  <a:txBody>
+                    <a:bodyPr/>
+                    <a:lstStyle/>
+                    <a:p>
+                      <a:r>
+                        <a:rPr lang="en-CA" dirty="0" smtClean="0"/>
+                        <a:t>User inputs correct card number</a:t>
+                      </a:r>
+                      <a:endParaRPr lang="en-CA" dirty="0"/>
+                    </a:p>
+                  </a:txBody>
+                  <a:tcPr/>
+                </a:tc>
+                <a:tc>
+                  <a:txBody>
+                    <a:bodyPr/>
+                    <a:lstStyle/>
+                    <a:p>
+                      <a:r>
+                        <a:rPr lang="en-CA" dirty="0" smtClean="0"/>
+                        <a:t>Y</a:t>
+                      </a:r>
+                      <a:endParaRPr lang="en-CA" dirty="0"/>
+                    </a:p>
+                  </a:txBody>
+                  <a:tcPr/>
+                </a:tc>
+                <a:tc>
+                  <a:txBody>
+                    <a:bodyPr/>
+                    <a:lstStyle/>
+                    <a:p>
+                      <a:r>
+                        <a:rPr lang="en-CA" dirty="0" smtClean="0"/>
+                        <a:t>Y</a:t>
+                      </a:r>
+                      <a:endParaRPr lang="en-CA" dirty="0"/>
+                    </a:p>
+                  </a:txBody>
+                  <a:tcPr/>
+                </a:tc>
+                <a:tc>
+                  <a:txBody>
+                    <a:bodyPr/>
+                    <a:lstStyle/>
+                    <a:p>
+                      <a:r>
+                        <a:rPr lang="en-CA" dirty="0" smtClean="0"/>
+                        <a:t>Y</a:t>
+                      </a:r>
+                      <a:endParaRPr lang="en-CA" dirty="0"/>
+                    </a:p>
+                  </a:txBody>
+                  <a:tcPr/>
+                </a:tc>
+                <a:tc>
+                  <a:txBody>
+                    <a:bodyPr/>
+                    <a:lstStyle/>
+                    <a:p>
+                      <a:r>
+                        <a:rPr lang="en-CA" dirty="0" smtClean="0"/>
+                        <a:t>Y</a:t>
+                      </a:r>
+                      <a:endParaRPr lang="en-CA" dirty="0"/>
+                    </a:p>
+                  </a:txBody>
+                  <a:tcPr/>
+                </a:tc>
+              </a:tr>
+              <a:tr h="370840">
+                <a:tc>
+                  <a:txBody>
+                    <a:bodyPr/>
+                    <a:lstStyle/>
+                    <a:p>
+                      <a:r>
+                        <a:rPr lang="en-CA" dirty="0" smtClean="0"/>
+                        <a:t>User inputs Correct password</a:t>
+                      </a:r>
+                      <a:endParaRPr lang="en-CA" dirty="0"/>
+                    </a:p>
+                  </a:txBody>
+                  <a:tcPr/>
+                </a:tc>
+                <a:tc>
+                  <a:txBody>
+                    <a:bodyPr/>
+                    <a:lstStyle/>
+                    <a:p>
+                      <a:r>
+                        <a:rPr lang="en-CA" dirty="0" smtClean="0"/>
+                        <a:t>Y</a:t>
+                      </a:r>
+                      <a:endParaRPr lang="en-CA" dirty="0"/>
+                    </a:p>
+                  </a:txBody>
+                  <a:tcPr/>
+                </a:tc>
+                <a:tc>
+                  <a:txBody>
+                    <a:bodyPr/>
+                    <a:lstStyle/>
+                    <a:p>
+                      <a:r>
+                        <a:rPr lang="en-CA" dirty="0" smtClean="0"/>
+                        <a:t>Y</a:t>
+                      </a:r>
+                      <a:endParaRPr lang="en-CA" dirty="0"/>
+                    </a:p>
+                  </a:txBody>
+                  <a:tcPr/>
+                </a:tc>
+                <a:tc>
+                  <a:txBody>
+                    <a:bodyPr/>
+                    <a:lstStyle/>
+                    <a:p>
+                      <a:r>
+                        <a:rPr lang="en-CA" dirty="0" smtClean="0"/>
+                        <a:t>N</a:t>
+                      </a:r>
+                      <a:endParaRPr lang="en-CA" dirty="0"/>
+                    </a:p>
+                  </a:txBody>
+                  <a:tcPr/>
+                </a:tc>
+                <a:tc>
+                  <a:txBody>
+                    <a:bodyPr/>
+                    <a:lstStyle/>
+                    <a:p>
+                      <a:r>
+                        <a:rPr lang="en-CA" dirty="0" smtClean="0"/>
+                        <a:t>Y</a:t>
+                      </a:r>
+                      <a:endParaRPr lang="en-CA" dirty="0"/>
+                    </a:p>
+                  </a:txBody>
+                  <a:tcPr/>
+                </a:tc>
+              </a:tr>
+              <a:tr h="370840">
+                <a:tc>
+                  <a:txBody>
+                    <a:bodyPr/>
+                    <a:lstStyle/>
+                    <a:p>
+                      <a:r>
+                        <a:rPr lang="en-CA" dirty="0" smtClean="0"/>
+                        <a:t>Attempts &gt; 3</a:t>
+                      </a:r>
+                      <a:endParaRPr lang="en-CA" dirty="0"/>
+                    </a:p>
+                  </a:txBody>
+                  <a:tcPr/>
+                </a:tc>
+                <a:tc>
+                  <a:txBody>
+                    <a:bodyPr/>
+                    <a:lstStyle/>
+                    <a:p>
+                      <a:r>
+                        <a:rPr lang="en-CA" dirty="0" smtClean="0"/>
+                        <a:t>N</a:t>
+                      </a:r>
+                      <a:endParaRPr lang="en-CA" dirty="0"/>
+                    </a:p>
+                  </a:txBody>
+                  <a:tcPr/>
+                </a:tc>
+                <a:tc>
+                  <a:txBody>
+                    <a:bodyPr/>
+                    <a:lstStyle/>
+                    <a:p>
+                      <a:r>
+                        <a:rPr lang="en-CA" dirty="0" smtClean="0"/>
+                        <a:t>N</a:t>
+                      </a:r>
+                      <a:endParaRPr lang="en-CA" dirty="0"/>
+                    </a:p>
+                  </a:txBody>
+                  <a:tcPr/>
+                </a:tc>
+                <a:tc>
+                  <a:txBody>
+                    <a:bodyPr/>
+                    <a:lstStyle/>
+                    <a:p>
+                      <a:r>
+                        <a:rPr lang="en-CA" dirty="0" smtClean="0"/>
+                        <a:t>N</a:t>
+                      </a:r>
+                      <a:endParaRPr lang="en-CA" dirty="0"/>
+                    </a:p>
+                  </a:txBody>
+                  <a:tcPr/>
+                </a:tc>
+                <a:tc>
+                  <a:txBody>
+                    <a:bodyPr/>
+                    <a:lstStyle/>
+                    <a:p>
+                      <a:r>
+                        <a:rPr lang="en-CA" dirty="0" smtClean="0"/>
+                        <a:t>Y</a:t>
+                      </a:r>
+                      <a:endParaRPr lang="en-CA" dirty="0"/>
+                    </a:p>
+                  </a:txBody>
+                  <a:tcPr/>
+                </a:tc>
+              </a:tr>
+              <a:tr h="370840">
+                <a:tc>
+                  <a:txBody>
+                    <a:bodyPr/>
+                    <a:lstStyle/>
+                    <a:p>
+                      <a:r>
+                        <a:rPr lang="en-CA" b="1" dirty="0" smtClean="0">
+                          <a:solidFill>
+                            <a:schemeClr val="bg1"/>
+                          </a:solidFill>
+                        </a:rPr>
+                        <a:t>Outcomes</a:t>
+                      </a:r>
+                      <a:endParaRPr lang="en-CA" b="1" dirty="0">
+                        <a:solidFill>
+                          <a:schemeClr val="bg1"/>
+                        </a:solidFill>
+                      </a:endParaRPr>
+                    </a:p>
+                  </a:txBody>
+                  <a:tcPr>
+                    <a:solidFill>
+                      <a:schemeClr val="tx2">
+                        <a:lumMod val="50000"/>
+                        <a:lumOff val="50000"/>
+                      </a:schemeClr>
+                    </a:solidFill>
+                  </a:tcPr>
+                </a:tc>
+                <a:tc>
+                  <a:txBody>
+                    <a:bodyPr/>
+                    <a:lstStyle/>
+                    <a:p>
+                      <a:endParaRPr lang="en-CA" dirty="0"/>
+                    </a:p>
+                  </a:txBody>
+                  <a:tcPr>
+                    <a:solidFill>
+                      <a:schemeClr val="tx2">
+                        <a:lumMod val="50000"/>
+                        <a:lumOff val="50000"/>
+                      </a:schemeClr>
+                    </a:solidFill>
+                  </a:tcPr>
+                </a:tc>
+                <a:tc>
+                  <a:txBody>
+                    <a:bodyPr/>
+                    <a:lstStyle/>
+                    <a:p>
+                      <a:endParaRPr lang="en-CA" dirty="0"/>
+                    </a:p>
+                  </a:txBody>
+                  <a:tcPr>
+                    <a:solidFill>
+                      <a:schemeClr val="tx2">
+                        <a:lumMod val="50000"/>
+                        <a:lumOff val="50000"/>
+                      </a:schemeClr>
+                    </a:solidFill>
+                  </a:tcPr>
+                </a:tc>
+                <a:tc>
+                  <a:txBody>
+                    <a:bodyPr/>
+                    <a:lstStyle/>
+                    <a:p>
+                      <a:endParaRPr lang="en-CA" dirty="0"/>
+                    </a:p>
+                  </a:txBody>
+                  <a:tcPr>
+                    <a:solidFill>
+                      <a:schemeClr val="tx2">
+                        <a:lumMod val="50000"/>
+                        <a:lumOff val="50000"/>
+                      </a:schemeClr>
+                    </a:solidFill>
+                  </a:tcPr>
+                </a:tc>
+                <a:tc>
+                  <a:txBody>
+                    <a:bodyPr/>
+                    <a:lstStyle/>
+                    <a:p>
+                      <a:endParaRPr lang="en-CA" dirty="0"/>
+                    </a:p>
+                  </a:txBody>
+                  <a:tcPr>
+                    <a:solidFill>
+                      <a:schemeClr val="tx2">
+                        <a:lumMod val="50000"/>
+                        <a:lumOff val="50000"/>
+                      </a:schemeClr>
+                    </a:solidFill>
+                  </a:tcPr>
+                </a:tc>
+              </a:tr>
+              <a:tr h="370840">
+                <a:tc>
+                  <a:txBody>
+                    <a:bodyPr/>
+                    <a:lstStyle/>
+                    <a:p>
+                      <a:r>
+                        <a:rPr lang="en-CA" dirty="0" smtClean="0"/>
+                        <a:t>User is taken to Accounts page</a:t>
+                      </a:r>
+                      <a:endParaRPr lang="en-CA" dirty="0"/>
+                    </a:p>
+                  </a:txBody>
+                  <a:tcPr/>
+                </a:tc>
+                <a:tc>
+                  <a:txBody>
+                    <a:bodyPr/>
+                    <a:lstStyle/>
+                    <a:p>
+                      <a:r>
+                        <a:rPr lang="en-CA" dirty="0" smtClean="0"/>
+                        <a:t>Y</a:t>
+                      </a:r>
+                      <a:endParaRPr lang="en-CA" dirty="0"/>
+                    </a:p>
+                  </a:txBody>
+                  <a:tcPr/>
+                </a:tc>
+                <a:tc>
+                  <a:txBody>
+                    <a:bodyPr/>
+                    <a:lstStyle/>
+                    <a:p>
+                      <a:r>
+                        <a:rPr lang="en-CA" dirty="0" smtClean="0"/>
+                        <a:t>N</a:t>
+                      </a:r>
+                      <a:endParaRPr lang="en-CA" dirty="0"/>
+                    </a:p>
+                  </a:txBody>
+                  <a:tcPr/>
+                </a:tc>
+                <a:tc>
+                  <a:txBody>
+                    <a:bodyPr/>
+                    <a:lstStyle/>
+                    <a:p>
+                      <a:r>
+                        <a:rPr lang="en-CA" dirty="0" smtClean="0"/>
+                        <a:t>N</a:t>
+                      </a:r>
+                      <a:endParaRPr lang="en-CA" dirty="0"/>
+                    </a:p>
+                  </a:txBody>
+                  <a:tcPr/>
+                </a:tc>
+                <a:tc>
+                  <a:txBody>
+                    <a:bodyPr/>
+                    <a:lstStyle/>
+                    <a:p>
+                      <a:endParaRPr lang="en-CA" dirty="0"/>
+                    </a:p>
+                  </a:txBody>
+                  <a:tcPr/>
+                </a:tc>
+              </a:tr>
+              <a:tr h="370840">
+                <a:tc>
+                  <a:txBody>
+                    <a:bodyPr/>
+                    <a:lstStyle/>
+                    <a:p>
+                      <a:r>
+                        <a:rPr lang="en-CA" dirty="0" smtClean="0"/>
+                        <a:t>User is taken to</a:t>
+                      </a:r>
+                      <a:r>
+                        <a:rPr lang="en-CA" baseline="0" dirty="0" smtClean="0"/>
+                        <a:t> login page </a:t>
+                      </a:r>
+                      <a:endParaRPr lang="en-CA" dirty="0"/>
+                    </a:p>
+                  </a:txBody>
+                  <a:tcPr/>
+                </a:tc>
+                <a:tc>
+                  <a:txBody>
+                    <a:bodyPr/>
+                    <a:lstStyle/>
+                    <a:p>
+                      <a:r>
+                        <a:rPr lang="en-CA" dirty="0" smtClean="0"/>
+                        <a:t>N</a:t>
+                      </a:r>
+                      <a:endParaRPr lang="en-CA" dirty="0"/>
+                    </a:p>
+                  </a:txBody>
+                  <a:tcPr/>
+                </a:tc>
+                <a:tc>
+                  <a:txBody>
+                    <a:bodyPr/>
+                    <a:lstStyle/>
+                    <a:p>
+                      <a:r>
+                        <a:rPr lang="en-CA" dirty="0" smtClean="0"/>
+                        <a:t>Y</a:t>
+                      </a:r>
+                      <a:endParaRPr lang="en-CA" dirty="0"/>
+                    </a:p>
+                  </a:txBody>
+                  <a:tcPr/>
+                </a:tc>
+                <a:tc>
+                  <a:txBody>
+                    <a:bodyPr/>
+                    <a:lstStyle/>
+                    <a:p>
+                      <a:r>
+                        <a:rPr lang="en-CA" dirty="0" smtClean="0"/>
+                        <a:t>Y</a:t>
+                      </a:r>
+                      <a:endParaRPr lang="en-CA" dirty="0"/>
+                    </a:p>
+                  </a:txBody>
+                  <a:tcPr/>
+                </a:tc>
+                <a:tc>
+                  <a:txBody>
+                    <a:bodyPr/>
+                    <a:lstStyle/>
+                    <a:p>
+                      <a:endParaRPr lang="en-CA" dirty="0"/>
+                    </a:p>
+                  </a:txBody>
+                  <a:tcPr/>
+                </a:tc>
+              </a:tr>
+              <a:tr h="370840">
+                <a:tc>
+                  <a:txBody>
+                    <a:bodyPr/>
+                    <a:lstStyle/>
+                    <a:p>
+                      <a:r>
+                        <a:rPr lang="en-CA" dirty="0" smtClean="0"/>
+                        <a:t>User’s account is frozen</a:t>
+                      </a:r>
+                      <a:endParaRPr lang="en-CA" dirty="0"/>
+                    </a:p>
+                  </a:txBody>
+                  <a:tcPr/>
+                </a:tc>
+                <a:tc>
+                  <a:txBody>
+                    <a:bodyPr/>
+                    <a:lstStyle/>
+                    <a:p>
+                      <a:r>
+                        <a:rPr lang="en-CA" dirty="0" smtClean="0"/>
+                        <a:t>N</a:t>
+                      </a:r>
+                      <a:endParaRPr lang="en-CA" dirty="0"/>
+                    </a:p>
+                  </a:txBody>
+                  <a:tcPr/>
+                </a:tc>
+                <a:tc>
+                  <a:txBody>
+                    <a:bodyPr/>
+                    <a:lstStyle/>
+                    <a:p>
+                      <a:r>
+                        <a:rPr lang="en-CA" dirty="0" smtClean="0"/>
+                        <a:t>N</a:t>
+                      </a:r>
+                      <a:endParaRPr lang="en-CA" dirty="0"/>
+                    </a:p>
+                  </a:txBody>
+                  <a:tcPr/>
+                </a:tc>
+                <a:tc>
+                  <a:txBody>
+                    <a:bodyPr/>
+                    <a:lstStyle/>
+                    <a:p>
+                      <a:r>
+                        <a:rPr lang="en-CA" dirty="0" smtClean="0"/>
+                        <a:t>N</a:t>
+                      </a:r>
+                      <a:endParaRPr lang="en-CA" dirty="0"/>
+                    </a:p>
+                  </a:txBody>
+                  <a:tcPr/>
+                </a:tc>
+                <a:tc>
+                  <a:txBody>
+                    <a:bodyPr/>
+                    <a:lstStyle/>
+                    <a:p>
+                      <a:endParaRPr lang="en-CA" dirty="0"/>
+                    </a:p>
+                  </a:txBody>
+                  <a:tcPr/>
+                </a:tc>
+              </a:tr>
+            </a:tbl>
+          </a:graphicData>
+        </a:graphic>
+      </p:graphicFrame>
+    </p:spTree>
+    <p:extLst>
+      <p:ext uri="{BB962C8B-B14F-4D97-AF65-F5344CB8AC3E}">
+        <p14:creationId xmlns:p14="http://schemas.microsoft.com/office/powerpoint/2010/main" val="1768415598"/>
+      </p:ext>
+    </p:extLst>
+  </p:cSld>
+  <p:clrMapOvr>
+    <a:masterClrMapping/>
+  </p:clrMapOvr>
+  <mc:AlternateContent xmlns:mc="http://schemas.openxmlformats.org/markup-compatibility/2006">
+    <mc:Choice xmlns:p14="http://schemas.microsoft.com/office/powerpoint/2010/main" Requires="p14">
+      <p:transition p14:dur="0"/>
+    </mc:Choice>
+    <mc:Fallback>
+      <p:transition/>
+    </mc:Fallback>
+  </mc:AlternateContent>
+  <p:timing>
+    <p:tnLst>
+      <p:par>
+        <p:cTn id="1" dur="indefinite" restart="never" nodeType="tmRoot"/>
+      </p:par>
+    </p:tnLst>
+  </p:timing>
+</p:sld>
+</file>
+
+<file path=ppt/slides/slide8.xml><?xml version="1.0" encoding="utf-8"?>
+<p:sld xmlns:a="http://schemas.openxmlformats.org/drawingml/2006/main" xmlns:r="http://schemas.openxmlformats.org/officeDocument/2006/relationships" xmlns:p="http://schemas.openxmlformats.org/presentationml/2006/main">
+  <p:cSld>
+    <p:spTree>
+      <p:nvGrpSpPr>
+        <p:cNvPr id="1" name=""/>
+        <p:cNvGrpSpPr/>
+        <p:nvPr/>
+      </p:nvGrpSpPr>
+      <p:grpSpPr>
+        <a:xfrm>
+          <a:off x="0" y="0"/>
+          <a:ext cx="0" cy="0"/>
+          <a:chOff x="0" y="0"/>
+          <a:chExt cx="0" cy="0"/>
+        </a:xfrm>
+      </p:grpSpPr>
+      <p:sp>
+        <p:nvSpPr>
+          <p:cNvPr id="2" name="Title 1"/>
+          <p:cNvSpPr>
+            <a:spLocks noGrp="1"/>
+          </p:cNvSpPr>
+          <p:nvPr>
+            <p:ph type="title"/>
+          </p:nvPr>
+        </p:nvSpPr>
+        <p:spPr/>
+        <p:txBody>
+          <a:bodyPr/>
+          <a:lstStyle/>
+          <a:p>
+            <a:r>
+              <a:rPr lang="en-US" dirty="0" smtClean="0"/>
+              <a:t>Decision </a:t>
+            </a:r>
+            <a:r>
+              <a:rPr lang="en-US" dirty="0"/>
+              <a:t>T</a:t>
+            </a:r>
+            <a:r>
+              <a:rPr lang="en-US" dirty="0" smtClean="0"/>
+              <a:t>ables Example</a:t>
+            </a:r>
+            <a:endParaRPr lang="en-US" dirty="0"/>
+          </a:p>
+        </p:txBody>
+      </p:sp>
+      <p:graphicFrame>
+        <p:nvGraphicFramePr>
+          <p:cNvPr id="4" name="Content Placeholder 3"/>
+          <p:cNvGraphicFramePr>
+            <a:graphicFrameLocks noGrp="1"/>
+          </p:cNvGraphicFramePr>
+          <p:nvPr>
+            <p:ph idx="1"/>
+            <p:extLst>
+              <p:ext uri="{D42A27DB-BD31-4B8C-83A1-F6EECF244321}">
+                <p14:modId xmlns:p14="http://schemas.microsoft.com/office/powerpoint/2010/main" val="1436671167"/>
+              </p:ext>
+            </p:extLst>
+          </p:nvPr>
+        </p:nvGraphicFramePr>
+        <p:xfrm>
+          <a:off x="657224" y="1744663"/>
+          <a:ext cx="10753725" cy="4953000"/>
+        </p:xfrm>
+        <a:graphic>
+          <a:graphicData uri="http://schemas.openxmlformats.org/drawingml/2006/table">
+            <a:tbl>
+              <a:tblPr firstRow="1" bandRow="1">
+                <a:tableStyleId>{5C22544A-7EE6-4342-B048-85BDC9FD1C3A}</a:tableStyleId>
+              </a:tblPr>
+              <a:tblGrid>
+                <a:gridCol w="2150745"/>
+                <a:gridCol w="2150745"/>
+                <a:gridCol w="2150745"/>
+                <a:gridCol w="2150745"/>
+                <a:gridCol w="2150745"/>
+              </a:tblGrid>
+              <a:tr h="370840">
+                <a:tc>
+                  <a:txBody>
+                    <a:bodyPr/>
+                    <a:lstStyle/>
+                    <a:p>
+                      <a:r>
+                        <a:rPr lang="en-CA" dirty="0" smtClean="0"/>
+                        <a:t>Conditions</a:t>
+                      </a:r>
+                      <a:endParaRPr lang="en-CA" dirty="0"/>
+                    </a:p>
+                  </a:txBody>
+                  <a:tcPr/>
+                </a:tc>
+                <a:tc>
+                  <a:txBody>
+                    <a:bodyPr/>
+                    <a:lstStyle/>
+                    <a:p>
+                      <a:endParaRPr lang="en-CA" dirty="0"/>
+                    </a:p>
+                  </a:txBody>
+                  <a:tcPr/>
+                </a:tc>
+                <a:tc>
+                  <a:txBody>
+                    <a:bodyPr/>
+                    <a:lstStyle/>
+                    <a:p>
+                      <a:endParaRPr lang="en-CA" dirty="0"/>
+                    </a:p>
+                  </a:txBody>
+                  <a:tcPr/>
+                </a:tc>
+                <a:tc>
+                  <a:txBody>
+                    <a:bodyPr/>
+                    <a:lstStyle/>
+                    <a:p>
+                      <a:endParaRPr lang="en-CA" dirty="0"/>
+                    </a:p>
+                  </a:txBody>
+                  <a:tcPr/>
+                </a:tc>
+                <a:tc>
+                  <a:txBody>
+                    <a:bodyPr/>
+                    <a:lstStyle/>
+                    <a:p>
+                      <a:endParaRPr lang="en-CA" dirty="0"/>
+                    </a:p>
+                  </a:txBody>
+                  <a:tcPr/>
+                </a:tc>
+              </a:tr>
+              <a:tr h="370840">
+                <a:tc>
+                  <a:txBody>
+                    <a:bodyPr/>
+                    <a:lstStyle/>
+                    <a:p>
+                      <a:r>
+                        <a:rPr lang="en-CA" dirty="0" smtClean="0"/>
+                        <a:t>User goes</a:t>
+                      </a:r>
+                      <a:r>
+                        <a:rPr lang="en-CA" baseline="0" dirty="0" smtClean="0"/>
+                        <a:t> to login page</a:t>
+                      </a:r>
+                      <a:endParaRPr lang="en-CA" dirty="0"/>
+                    </a:p>
+                  </a:txBody>
+                  <a:tcPr/>
+                </a:tc>
+                <a:tc>
+                  <a:txBody>
+                    <a:bodyPr/>
+                    <a:lstStyle/>
+                    <a:p>
+                      <a:r>
+                        <a:rPr lang="en-CA" dirty="0" smtClean="0"/>
+                        <a:t>Y</a:t>
+                      </a:r>
+                      <a:endParaRPr lang="en-CA" dirty="0"/>
+                    </a:p>
+                  </a:txBody>
+                  <a:tcPr/>
+                </a:tc>
+                <a:tc>
+                  <a:txBody>
+                    <a:bodyPr/>
+                    <a:lstStyle/>
+                    <a:p>
+                      <a:r>
+                        <a:rPr lang="en-CA" dirty="0" smtClean="0"/>
+                        <a:t>N</a:t>
+                      </a:r>
+                      <a:endParaRPr lang="en-CA" dirty="0"/>
+                    </a:p>
+                  </a:txBody>
+                  <a:tcPr/>
+                </a:tc>
+                <a:tc>
+                  <a:txBody>
+                    <a:bodyPr/>
+                    <a:lstStyle/>
+                    <a:p>
+                      <a:r>
+                        <a:rPr lang="en-CA" dirty="0" smtClean="0"/>
+                        <a:t>Y</a:t>
+                      </a:r>
+                      <a:endParaRPr lang="en-CA" dirty="0"/>
+                    </a:p>
+                  </a:txBody>
+                  <a:tcPr/>
+                </a:tc>
+                <a:tc>
+                  <a:txBody>
+                    <a:bodyPr/>
+                    <a:lstStyle/>
+                    <a:p>
+                      <a:r>
+                        <a:rPr lang="en-CA" dirty="0" smtClean="0"/>
+                        <a:t>Y</a:t>
+                      </a:r>
+                      <a:endParaRPr lang="en-CA" dirty="0"/>
+                    </a:p>
+                  </a:txBody>
+                  <a:tcPr/>
+                </a:tc>
+              </a:tr>
+              <a:tr h="370840">
+                <a:tc>
+                  <a:txBody>
+                    <a:bodyPr/>
+                    <a:lstStyle/>
+                    <a:p>
+                      <a:r>
+                        <a:rPr lang="en-CA" dirty="0" smtClean="0"/>
+                        <a:t>User inputs correct card number</a:t>
+                      </a:r>
+                      <a:endParaRPr lang="en-CA" dirty="0"/>
+                    </a:p>
+                  </a:txBody>
+                  <a:tcPr/>
+                </a:tc>
+                <a:tc>
+                  <a:txBody>
+                    <a:bodyPr/>
+                    <a:lstStyle/>
+                    <a:p>
+                      <a:r>
+                        <a:rPr lang="en-CA" dirty="0" smtClean="0"/>
+                        <a:t>Y</a:t>
+                      </a:r>
+                      <a:endParaRPr lang="en-CA" dirty="0"/>
+                    </a:p>
+                  </a:txBody>
+                  <a:tcPr/>
+                </a:tc>
+                <a:tc>
+                  <a:txBody>
+                    <a:bodyPr/>
+                    <a:lstStyle/>
+                    <a:p>
+                      <a:r>
+                        <a:rPr lang="en-CA" dirty="0" smtClean="0"/>
+                        <a:t>Y</a:t>
+                      </a:r>
+                      <a:endParaRPr lang="en-CA" dirty="0"/>
+                    </a:p>
+                  </a:txBody>
+                  <a:tcPr/>
+                </a:tc>
+                <a:tc>
+                  <a:txBody>
+                    <a:bodyPr/>
+                    <a:lstStyle/>
+                    <a:p>
+                      <a:r>
+                        <a:rPr lang="en-CA" dirty="0" smtClean="0"/>
+                        <a:t>Y</a:t>
+                      </a:r>
+                      <a:endParaRPr lang="en-CA" dirty="0"/>
+                    </a:p>
+                  </a:txBody>
+                  <a:tcPr/>
+                </a:tc>
+                <a:tc>
+                  <a:txBody>
+                    <a:bodyPr/>
+                    <a:lstStyle/>
+                    <a:p>
+                      <a:r>
+                        <a:rPr lang="en-CA" dirty="0" smtClean="0"/>
+                        <a:t>Y</a:t>
+                      </a:r>
+                      <a:endParaRPr lang="en-CA" dirty="0"/>
+                    </a:p>
+                  </a:txBody>
+                  <a:tcPr/>
+                </a:tc>
+              </a:tr>
+              <a:tr h="370840">
+                <a:tc>
+                  <a:txBody>
+                    <a:bodyPr/>
+                    <a:lstStyle/>
+                    <a:p>
+                      <a:r>
+                        <a:rPr lang="en-CA" dirty="0" smtClean="0"/>
+                        <a:t>User inputs Correct password</a:t>
+                      </a:r>
+                      <a:endParaRPr lang="en-CA" dirty="0"/>
+                    </a:p>
+                  </a:txBody>
+                  <a:tcPr/>
+                </a:tc>
+                <a:tc>
+                  <a:txBody>
+                    <a:bodyPr/>
+                    <a:lstStyle/>
+                    <a:p>
+                      <a:r>
+                        <a:rPr lang="en-CA" dirty="0" smtClean="0"/>
+                        <a:t>Y</a:t>
+                      </a:r>
+                      <a:endParaRPr lang="en-CA" dirty="0"/>
+                    </a:p>
+                  </a:txBody>
+                  <a:tcPr/>
+                </a:tc>
+                <a:tc>
+                  <a:txBody>
+                    <a:bodyPr/>
+                    <a:lstStyle/>
+                    <a:p>
+                      <a:r>
+                        <a:rPr lang="en-CA" dirty="0" smtClean="0"/>
+                        <a:t>Y</a:t>
+                      </a:r>
+                      <a:endParaRPr lang="en-CA" dirty="0"/>
+                    </a:p>
+                  </a:txBody>
+                  <a:tcPr/>
+                </a:tc>
+                <a:tc>
+                  <a:txBody>
+                    <a:bodyPr/>
+                    <a:lstStyle/>
+                    <a:p>
+                      <a:r>
+                        <a:rPr lang="en-CA" dirty="0" smtClean="0"/>
+                        <a:t>N</a:t>
+                      </a:r>
+                      <a:endParaRPr lang="en-CA" dirty="0"/>
+                    </a:p>
+                  </a:txBody>
+                  <a:tcPr/>
+                </a:tc>
+                <a:tc>
+                  <a:txBody>
+                    <a:bodyPr/>
+                    <a:lstStyle/>
+                    <a:p>
+                      <a:r>
+                        <a:rPr lang="en-CA" dirty="0" smtClean="0"/>
+                        <a:t>Y</a:t>
+                      </a:r>
+                      <a:endParaRPr lang="en-CA" dirty="0"/>
+                    </a:p>
+                  </a:txBody>
+                  <a:tcPr/>
+                </a:tc>
+              </a:tr>
+              <a:tr h="370840">
+                <a:tc>
+                  <a:txBody>
+                    <a:bodyPr/>
+                    <a:lstStyle/>
+                    <a:p>
+                      <a:r>
+                        <a:rPr lang="en-CA" dirty="0" smtClean="0"/>
+                        <a:t>Attempts &gt; 3</a:t>
+                      </a:r>
+                      <a:endParaRPr lang="en-CA" dirty="0"/>
+                    </a:p>
+                  </a:txBody>
+                  <a:tcPr/>
+                </a:tc>
+                <a:tc>
+                  <a:txBody>
+                    <a:bodyPr/>
+                    <a:lstStyle/>
+                    <a:p>
+                      <a:r>
+                        <a:rPr lang="en-CA" dirty="0" smtClean="0"/>
+                        <a:t>N</a:t>
+                      </a:r>
+                      <a:endParaRPr lang="en-CA" dirty="0"/>
+                    </a:p>
+                  </a:txBody>
+                  <a:tcPr/>
+                </a:tc>
+                <a:tc>
+                  <a:txBody>
+                    <a:bodyPr/>
+                    <a:lstStyle/>
+                    <a:p>
+                      <a:r>
+                        <a:rPr lang="en-CA" dirty="0" smtClean="0"/>
+                        <a:t>N</a:t>
+                      </a:r>
+                      <a:endParaRPr lang="en-CA" dirty="0"/>
+                    </a:p>
+                  </a:txBody>
+                  <a:tcPr/>
+                </a:tc>
+                <a:tc>
+                  <a:txBody>
+                    <a:bodyPr/>
+                    <a:lstStyle/>
+                    <a:p>
+                      <a:r>
+                        <a:rPr lang="en-CA" dirty="0" smtClean="0"/>
+                        <a:t>N</a:t>
+                      </a:r>
+                      <a:endParaRPr lang="en-CA" dirty="0"/>
+                    </a:p>
+                  </a:txBody>
+                  <a:tcPr/>
+                </a:tc>
+                <a:tc>
+                  <a:txBody>
+                    <a:bodyPr/>
+                    <a:lstStyle/>
+                    <a:p>
+                      <a:r>
+                        <a:rPr lang="en-CA" dirty="0" smtClean="0"/>
+                        <a:t>Y</a:t>
+                      </a:r>
+                      <a:endParaRPr lang="en-CA" dirty="0"/>
+                    </a:p>
+                  </a:txBody>
+                  <a:tcPr/>
+                </a:tc>
+              </a:tr>
+              <a:tr h="370840">
+                <a:tc>
+                  <a:txBody>
+                    <a:bodyPr/>
+                    <a:lstStyle/>
+                    <a:p>
+                      <a:r>
+                        <a:rPr lang="en-CA" b="1" dirty="0" smtClean="0">
+                          <a:solidFill>
+                            <a:schemeClr val="bg1"/>
+                          </a:solidFill>
+                        </a:rPr>
+                        <a:t>Outcomes</a:t>
+                      </a:r>
+                      <a:endParaRPr lang="en-CA" b="1" dirty="0">
+                        <a:solidFill>
+                          <a:schemeClr val="bg1"/>
+                        </a:solidFill>
+                      </a:endParaRPr>
+                    </a:p>
+                  </a:txBody>
+                  <a:tcPr>
+                    <a:solidFill>
+                      <a:schemeClr val="tx2">
+                        <a:lumMod val="50000"/>
+                        <a:lumOff val="50000"/>
+                      </a:schemeClr>
+                    </a:solidFill>
+                  </a:tcPr>
+                </a:tc>
+                <a:tc>
+                  <a:txBody>
+                    <a:bodyPr/>
+                    <a:lstStyle/>
+                    <a:p>
+                      <a:endParaRPr lang="en-CA" dirty="0"/>
+                    </a:p>
+                  </a:txBody>
+                  <a:tcPr>
+                    <a:solidFill>
+                      <a:schemeClr val="tx2">
+                        <a:lumMod val="50000"/>
+                        <a:lumOff val="50000"/>
+                      </a:schemeClr>
+                    </a:solidFill>
+                  </a:tcPr>
+                </a:tc>
+                <a:tc>
+                  <a:txBody>
+                    <a:bodyPr/>
+                    <a:lstStyle/>
+                    <a:p>
+                      <a:endParaRPr lang="en-CA" dirty="0"/>
+                    </a:p>
+                  </a:txBody>
+                  <a:tcPr>
+                    <a:solidFill>
+                      <a:schemeClr val="tx2">
+                        <a:lumMod val="50000"/>
+                        <a:lumOff val="50000"/>
+                      </a:schemeClr>
+                    </a:solidFill>
+                  </a:tcPr>
+                </a:tc>
+                <a:tc>
+                  <a:txBody>
+                    <a:bodyPr/>
+                    <a:lstStyle/>
+                    <a:p>
+                      <a:endParaRPr lang="en-CA" dirty="0"/>
+                    </a:p>
+                  </a:txBody>
+                  <a:tcPr>
+                    <a:solidFill>
+                      <a:schemeClr val="tx2">
+                        <a:lumMod val="50000"/>
+                        <a:lumOff val="50000"/>
+                      </a:schemeClr>
+                    </a:solidFill>
+                  </a:tcPr>
+                </a:tc>
+                <a:tc>
+                  <a:txBody>
+                    <a:bodyPr/>
+                    <a:lstStyle/>
+                    <a:p>
+                      <a:endParaRPr lang="en-CA" dirty="0"/>
+                    </a:p>
+                  </a:txBody>
+                  <a:tcPr>
+                    <a:solidFill>
+                      <a:schemeClr val="tx2">
+                        <a:lumMod val="50000"/>
+                        <a:lumOff val="50000"/>
+                      </a:schemeClr>
+                    </a:solidFill>
+                  </a:tcPr>
+                </a:tc>
+              </a:tr>
+              <a:tr h="370840">
+                <a:tc>
+                  <a:txBody>
+                    <a:bodyPr/>
+                    <a:lstStyle/>
+                    <a:p>
+                      <a:r>
+                        <a:rPr lang="en-CA" dirty="0" smtClean="0"/>
+                        <a:t>User is taken to Accounts page</a:t>
+                      </a:r>
+                      <a:endParaRPr lang="en-CA" dirty="0"/>
+                    </a:p>
+                  </a:txBody>
+                  <a:tcPr/>
+                </a:tc>
+                <a:tc>
+                  <a:txBody>
+                    <a:bodyPr/>
+                    <a:lstStyle/>
+                    <a:p>
+                      <a:r>
+                        <a:rPr lang="en-CA" dirty="0" smtClean="0"/>
+                        <a:t>Y</a:t>
+                      </a:r>
+                      <a:endParaRPr lang="en-CA" dirty="0"/>
+                    </a:p>
+                  </a:txBody>
+                  <a:tcPr/>
+                </a:tc>
+                <a:tc>
+                  <a:txBody>
+                    <a:bodyPr/>
+                    <a:lstStyle/>
+                    <a:p>
+                      <a:r>
+                        <a:rPr lang="en-CA" dirty="0" smtClean="0"/>
+                        <a:t>N</a:t>
+                      </a:r>
+                      <a:endParaRPr lang="en-CA" dirty="0"/>
+                    </a:p>
+                  </a:txBody>
+                  <a:tcPr/>
+                </a:tc>
+                <a:tc>
+                  <a:txBody>
+                    <a:bodyPr/>
+                    <a:lstStyle/>
+                    <a:p>
+                      <a:r>
+                        <a:rPr lang="en-CA" dirty="0" smtClean="0"/>
+                        <a:t>N</a:t>
+                      </a:r>
+                      <a:endParaRPr lang="en-CA" dirty="0"/>
+                    </a:p>
+                  </a:txBody>
+                  <a:tcPr/>
+                </a:tc>
+                <a:tc>
+                  <a:txBody>
+                    <a:bodyPr/>
+                    <a:lstStyle/>
+                    <a:p>
+                      <a:r>
+                        <a:rPr lang="en-CA" dirty="0" smtClean="0"/>
+                        <a:t>N</a:t>
+                      </a:r>
+                      <a:endParaRPr lang="en-CA" dirty="0"/>
+                    </a:p>
+                  </a:txBody>
+                  <a:tcPr/>
+                </a:tc>
+              </a:tr>
+              <a:tr h="370840">
+                <a:tc>
+                  <a:txBody>
+                    <a:bodyPr/>
+                    <a:lstStyle/>
+                    <a:p>
+                      <a:r>
+                        <a:rPr lang="en-CA" dirty="0" smtClean="0"/>
+                        <a:t>User is taken to</a:t>
+                      </a:r>
+                      <a:r>
+                        <a:rPr lang="en-CA" baseline="0" dirty="0" smtClean="0"/>
+                        <a:t> login page </a:t>
+                      </a:r>
+                      <a:endParaRPr lang="en-CA" dirty="0"/>
+                    </a:p>
+                  </a:txBody>
+                  <a:tcPr/>
+                </a:tc>
+                <a:tc>
+                  <a:txBody>
+                    <a:bodyPr/>
+                    <a:lstStyle/>
+                    <a:p>
+                      <a:r>
+                        <a:rPr lang="en-CA" dirty="0" smtClean="0"/>
+                        <a:t>N</a:t>
+                      </a:r>
+                      <a:endParaRPr lang="en-CA" dirty="0"/>
+                    </a:p>
+                  </a:txBody>
+                  <a:tcPr/>
+                </a:tc>
+                <a:tc>
+                  <a:txBody>
+                    <a:bodyPr/>
+                    <a:lstStyle/>
+                    <a:p>
+                      <a:r>
+                        <a:rPr lang="en-CA" dirty="0" smtClean="0"/>
+                        <a:t>Y</a:t>
+                      </a:r>
+                      <a:endParaRPr lang="en-CA" dirty="0"/>
+                    </a:p>
+                  </a:txBody>
+                  <a:tcPr/>
+                </a:tc>
+                <a:tc>
+                  <a:txBody>
+                    <a:bodyPr/>
+                    <a:lstStyle/>
+                    <a:p>
+                      <a:r>
+                        <a:rPr lang="en-CA" dirty="0" smtClean="0"/>
+                        <a:t>Y</a:t>
+                      </a:r>
+                      <a:endParaRPr lang="en-CA" dirty="0"/>
+                    </a:p>
+                  </a:txBody>
+                  <a:tcPr/>
+                </a:tc>
+                <a:tc>
+                  <a:txBody>
+                    <a:bodyPr/>
+                    <a:lstStyle/>
+                    <a:p>
+                      <a:r>
+                        <a:rPr lang="en-CA" dirty="0" smtClean="0"/>
+                        <a:t>N</a:t>
+                      </a:r>
+                      <a:endParaRPr lang="en-CA" dirty="0"/>
+                    </a:p>
+                  </a:txBody>
+                  <a:tcPr/>
+                </a:tc>
+              </a:tr>
+              <a:tr h="370840">
+                <a:tc>
+                  <a:txBody>
+                    <a:bodyPr/>
+                    <a:lstStyle/>
+                    <a:p>
+                      <a:r>
+                        <a:rPr lang="en-CA" dirty="0" smtClean="0"/>
+                        <a:t>User’s account is frozen</a:t>
+                      </a:r>
+                      <a:endParaRPr lang="en-CA" dirty="0"/>
+                    </a:p>
+                  </a:txBody>
+                  <a:tcPr/>
+                </a:tc>
+                <a:tc>
+                  <a:txBody>
+                    <a:bodyPr/>
+                    <a:lstStyle/>
+                    <a:p>
+                      <a:r>
+                        <a:rPr lang="en-CA" dirty="0" smtClean="0"/>
+                        <a:t>N</a:t>
+                      </a:r>
+                      <a:endParaRPr lang="en-CA" dirty="0"/>
+                    </a:p>
+                  </a:txBody>
+                  <a:tcPr/>
+                </a:tc>
+                <a:tc>
+                  <a:txBody>
+                    <a:bodyPr/>
+                    <a:lstStyle/>
+                    <a:p>
+                      <a:r>
+                        <a:rPr lang="en-CA" dirty="0" smtClean="0"/>
+                        <a:t>N</a:t>
+                      </a:r>
+                      <a:endParaRPr lang="en-CA" dirty="0"/>
+                    </a:p>
+                  </a:txBody>
+                  <a:tcPr/>
+                </a:tc>
+                <a:tc>
+                  <a:txBody>
+                    <a:bodyPr/>
+                    <a:lstStyle/>
+                    <a:p>
+                      <a:r>
+                        <a:rPr lang="en-CA" dirty="0" smtClean="0"/>
+                        <a:t>N</a:t>
+                      </a:r>
+                      <a:endParaRPr lang="en-CA" dirty="0"/>
+                    </a:p>
+                  </a:txBody>
+                  <a:tcPr/>
+                </a:tc>
+                <a:tc>
+                  <a:txBody>
+                    <a:bodyPr/>
+                    <a:lstStyle/>
+                    <a:p>
+                      <a:r>
+                        <a:rPr lang="en-CA" dirty="0" smtClean="0"/>
+                        <a:t>Y</a:t>
+                      </a:r>
+                      <a:endParaRPr lang="en-CA" dirty="0"/>
+                    </a:p>
+                  </a:txBody>
+                  <a:tcPr/>
+                </a:tc>
+              </a:tr>
+            </a:tbl>
+          </a:graphicData>
+        </a:graphic>
+      </p:graphicFrame>
+    </p:spTree>
+    <p:extLst>
+      <p:ext uri="{BB962C8B-B14F-4D97-AF65-F5344CB8AC3E}">
+        <p14:creationId xmlns:p14="http://schemas.microsoft.com/office/powerpoint/2010/main" val="1227085097"/>
+      </p:ext>
+    </p:extLst>
+  </p:cSld>
+  <p:clrMapOvr>
+    <a:masterClrMapping/>
+  </p:clrMapOvr>
+  <mc:AlternateContent xmlns:mc="http://schemas.openxmlformats.org/markup-compatibility/2006">
+    <mc:Choice xmlns:p14="http://schemas.microsoft.com/office/powerpoint/2010/main" Requires="p14">
+      <p:transition p14:dur="0"/>
+    </mc:Choice>
+    <mc:Fallback>
+      <p:transition/>
+    </mc:Fallback>
+  </mc:AlternateContent>
+  <p:timing>
+    <p:tnLst>
+      <p:par>
+        <p:cTn id="1" dur="indefinite" restart="never" nodeType="tmRoot"/>
+      </p:par>
+    </p:tnLst>
+  </p:timing>
+</p:sld>
+</file>
+
+<file path=ppt/slides/slide9.xml><?xml version="1.0" encoding="utf-8"?>
+<p:sld xmlns:a="http://schemas.openxmlformats.org/drawingml/2006/main" xmlns:r="http://schemas.openxmlformats.org/officeDocument/2006/relationships" xmlns:p="http://schemas.openxmlformats.org/presentationml/2006/main">
+  <p:cSld>
+    <p:spTree>
+      <p:nvGrpSpPr>
+        <p:cNvPr id="1" name=""/>
+        <p:cNvGrpSpPr/>
+        <p:nvPr/>
+      </p:nvGrpSpPr>
+      <p:grpSpPr>
+        <a:xfrm>
+          <a:off x="0" y="0"/>
+          <a:ext cx="0" cy="0"/>
+          <a:chOff x="0" y="0"/>
+          <a:chExt cx="0" cy="0"/>
+        </a:xfrm>
+      </p:grpSpPr>
+      <p:sp>
+        <p:nvSpPr>
+          <p:cNvPr id="2" name="Title 1"/>
+          <p:cNvSpPr>
+            <a:spLocks noGrp="1"/>
+          </p:cNvSpPr>
+          <p:nvPr>
+            <p:ph type="title"/>
+          </p:nvPr>
+        </p:nvSpPr>
+        <p:spPr/>
+        <p:txBody>
+          <a:bodyPr/>
+          <a:lstStyle/>
+          <a:p>
+            <a:r>
+              <a:rPr lang="en-US" dirty="0" smtClean="0"/>
+              <a:t>Decision </a:t>
+            </a:r>
+            <a:r>
+              <a:rPr lang="en-US" dirty="0"/>
+              <a:t>T</a:t>
+            </a:r>
+            <a:r>
+              <a:rPr lang="en-US" dirty="0" smtClean="0"/>
+              <a:t>ables Questions</a:t>
+            </a:r>
+            <a:endParaRPr lang="en-US" dirty="0"/>
+          </a:p>
+        </p:txBody>
+      </p:sp>
+      <p:sp>
+        <p:nvSpPr>
+          <p:cNvPr id="3" name="Content Placeholder 2"/>
+          <p:cNvSpPr>
+            <a:spLocks noGrp="1"/>
+          </p:cNvSpPr>
+          <p:nvPr>
+            <p:ph idx="1"/>
+          </p:nvPr>
+        </p:nvSpPr>
+        <p:spPr/>
+        <p:txBody>
+          <a:bodyPr/>
+          <a:lstStyle/>
+          <a:p>
+            <a:r>
+              <a:rPr lang="en-CA" dirty="0" smtClean="0"/>
+              <a:t>When are these tables useful?</a:t>
+            </a:r>
+          </a:p>
+          <a:p>
+            <a:r>
+              <a:rPr lang="en-CA" dirty="0" smtClean="0"/>
+              <a:t>What does a star mean?</a:t>
+            </a:r>
+            <a:endParaRPr lang="en-CA" dirty="0"/>
+          </a:p>
+        </p:txBody>
+      </p:sp>
+    </p:spTree>
+    <p:extLst>
+      <p:ext uri="{BB962C8B-B14F-4D97-AF65-F5344CB8AC3E}">
+        <p14:creationId xmlns:p14="http://schemas.microsoft.com/office/powerpoint/2010/main" val="428738642"/>
+      </p:ext>
+    </p:extLst>
+  </p:cSld>
+  <p:clrMapOvr>
+    <a:masterClrMapping/>
+  </p:clrMapOvr>
+  <mc:AlternateContent xmlns:mc="http://schemas.openxmlformats.org/markup-compatibility/2006">
+    <mc:Choice xmlns:p14="http://schemas.microsoft.com/office/powerpoint/2010/main" Requires="p14">
+      <p:transition p14:dur="0"/>
+    </mc:Choice>
+    <mc:Fallback>
       <p:transition/>
     </mc:Fallback>
   </mc:AlternateContent>
@@ -5606,6 +12298,21 @@
 </file>
 
 <file path=customXml/item1.xml><?xml version="1.0" encoding="utf-8"?>
+<p:properties xmlns:p="http://schemas.microsoft.com/office/2006/metadata/properties" xmlns:xsi="http://www.w3.org/2001/XMLSchema-instance" xmlns:pc="http://schemas.microsoft.com/office/infopath/2007/PartnerControls">
+  <documentManagement/>
+</p:properties>
+</file>
+
+<file path=customXml/item2.xml><?xml version="1.0" encoding="utf-8"?>
+<?mso-contentType ?>
+<FormTemplates xmlns="http://schemas.microsoft.com/sharepoint/v3/contenttype/forms">
+  <Display>DocumentLibraryForm</Display>
+  <Edit>DocumentLibraryForm</Edit>
+  <New>DocumentLibraryForm</New>
+</FormTemplates>
+</file>
+
+<file path=customXml/item3.xml><?xml version="1.0" encoding="utf-8"?>
 <ct:contentTypeSchema xmlns:ct="http://schemas.microsoft.com/office/2006/metadata/contentType" xmlns:ma="http://schemas.microsoft.com/office/2006/metadata/properties/metaAttributes" ct:_="" ma:_="" ma:contentTypeName="Document" ma:contentTypeID="0x0101007C1D5F340F01F94FA2FD29A5E6DC872E" ma:contentTypeVersion="0" ma:contentTypeDescription="Create a new document." ma:contentTypeScope="" ma:versionID="f583bd66513a361a730282b6a794e352">
   <xsd:schema xmlns:xsd="http://www.w3.org/2001/XMLSchema" xmlns:xs="http://www.w3.org/2001/XMLSchema" xmlns:p="http://schemas.microsoft.com/office/2006/metadata/properties" targetNamespace="http://schemas.microsoft.com/office/2006/metadata/properties" ma:root="true" ma:fieldsID="6841151cf538834e171094e4faaf2d73">
     <xsd:element name="properties">
@@ -5719,22 +12426,30 @@
 </ct:contentTypeSchema>
 </file>
 
-<file path=customXml/item2.xml><?xml version="1.0" encoding="utf-8"?>
-<?mso-contentType ?>
-<FormTemplates xmlns="http://schemas.microsoft.com/sharepoint/v3/contenttype/forms">
-  <Display>DocumentLibraryForm</Display>
-  <Edit>DocumentLibraryForm</Edit>
-  <New>DocumentLibraryForm</New>
-</FormTemplates>
+<file path=customXml/itemProps1.xml><?xml version="1.0" encoding="utf-8"?>
+<ds:datastoreItem xmlns:ds="http://schemas.openxmlformats.org/officeDocument/2006/customXml" ds:itemID="{FF71E0A8-DA6F-4DC5-84AA-9AE90625C277}">
+  <ds:schemaRefs>
+    <ds:schemaRef ds:uri="http://schemas.microsoft.com/office/2006/metadata/properties"/>
+    <ds:schemaRef ds:uri="http://purl.org/dc/elements/1.1/"/>
+    <ds:schemaRef ds:uri="http://purl.org/dc/terms/"/>
+    <ds:schemaRef ds:uri="http://purl.org/dc/dcmitype/"/>
+    <ds:schemaRef ds:uri="http://schemas.microsoft.com/office/2006/documentManagement/types"/>
+    <ds:schemaRef ds:uri="http://schemas.microsoft.com/office/infopath/2007/PartnerControls"/>
+    <ds:schemaRef ds:uri="http://schemas.openxmlformats.org/package/2006/metadata/core-properties"/>
+    <ds:schemaRef ds:uri="http://www.w3.org/XML/1998/namespace"/>
+  </ds:schemaRefs>
+</ds:datastoreItem>
 </file>
 
-<file path=customXml/item3.xml><?xml version="1.0" encoding="utf-8"?>
-<p:properties xmlns:p="http://schemas.microsoft.com/office/2006/metadata/properties" xmlns:xsi="http://www.w3.org/2001/XMLSchema-instance" xmlns:pc="http://schemas.microsoft.com/office/infopath/2007/PartnerControls">
-  <documentManagement/>
-</p:properties>
+<file path=customXml/itemProps2.xml><?xml version="1.0" encoding="utf-8"?>
+<ds:datastoreItem xmlns:ds="http://schemas.openxmlformats.org/officeDocument/2006/customXml" ds:itemID="{76B64549-C1F2-49EA-8B2D-5EF61BF1CE56}">
+  <ds:schemaRefs>
+    <ds:schemaRef ds:uri="http://schemas.microsoft.com/sharepoint/v3/contenttype/forms"/>
+  </ds:schemaRefs>
+</ds:datastoreItem>
 </file>
 
-<file path=customXml/itemProps1.xml><?xml version="1.0" encoding="utf-8"?>
+<file path=customXml/itemProps3.xml><?xml version="1.0" encoding="utf-8"?>
 <ds:datastoreItem xmlns:ds="http://schemas.openxmlformats.org/officeDocument/2006/customXml" ds:itemID="{29F17D79-05FE-43C7-A9B5-360E9D6B5ACC}">
   <ds:schemaRefs>
     <ds:schemaRef ds:uri="http://schemas.microsoft.com/office/2006/metadata/contentType"/>
@@ -5748,27 +12463,4 @@
     <ds:schemaRef ds:uri="http://schemas.microsoft.com/office/infopath/2007/PartnerControls"/>
   </ds:schemaRefs>
 </ds:datastoreItem>
-</file>
-
-<file path=customXml/itemProps2.xml><?xml version="1.0" encoding="utf-8"?>
-<ds:datastoreItem xmlns:ds="http://schemas.openxmlformats.org/officeDocument/2006/customXml" ds:itemID="{76B64549-C1F2-49EA-8B2D-5EF61BF1CE56}">
-  <ds:schemaRefs>
-    <ds:schemaRef ds:uri="http://schemas.microsoft.com/sharepoint/v3/contenttype/forms"/>
-  </ds:schemaRefs>
-</ds:datastoreItem>
-</file>
-
-<file path=customXml/itemProps3.xml><?xml version="1.0" encoding="utf-8"?>
-<ds:datastoreItem xmlns:ds="http://schemas.openxmlformats.org/officeDocument/2006/customXml" ds:itemID="{FF71E0A8-DA6F-4DC5-84AA-9AE90625C277}">
-  <ds:schemaRefs>
-    <ds:schemaRef ds:uri="http://schemas.microsoft.com/office/2006/metadata/properties"/>
-    <ds:schemaRef ds:uri="http://purl.org/dc/elements/1.1/"/>
-    <ds:schemaRef ds:uri="http://purl.org/dc/terms/"/>
-    <ds:schemaRef ds:uri="http://purl.org/dc/dcmitype/"/>
-    <ds:schemaRef ds:uri="http://schemas.microsoft.com/office/2006/documentManagement/types"/>
-    <ds:schemaRef ds:uri="http://schemas.microsoft.com/office/infopath/2007/PartnerControls"/>
-    <ds:schemaRef ds:uri="http://schemas.openxmlformats.org/package/2006/metadata/core-properties"/>
-    <ds:schemaRef ds:uri="http://www.w3.org/XML/1998/namespace"/>
-  </ds:schemaRefs>
-</ds:datastoreItem>
 </file>
--- a/04-RequirementsCont.pptx
+++ b/04-RequirementsCont.pptx
@@ -254,7 +254,7 @@
           <a:p>
             <a:fld id="{761991DB-DEE8-4174-9435-9D9F721C6C6A}" type="datetimeFigureOut">
               <a:rPr lang="en-US"/>
-              <a:t>2/1/2015</a:t>
+              <a:t>2/2/2015</a:t>
             </a:fld>
             <a:endParaRPr lang="en-US"/>
           </a:p>
@@ -2486,7 +2486,7 @@
             <a:fld id="{5586B75A-687E-405C-8A0B-8D00578BA2C3}" type="datetimeFigureOut">
               <a:rPr lang="en-US" smtClean="0"/>
               <a:pPr/>
-              <a:t>2/1/2015</a:t>
+              <a:t>2/2/2015</a:t>
             </a:fld>
             <a:endParaRPr lang="en-US" dirty="0"/>
           </a:p>
@@ -2689,7 +2689,7 @@
           <a:p>
             <a:fld id="{5F4E5243-F52A-4D37-9694-EB26C6C31910}" type="datetimeFigureOut">
               <a:rPr lang="en-US" smtClean="0"/>
-              <a:t>2/1/2015</a:t>
+              <a:t>2/2/2015</a:t>
             </a:fld>
             <a:endParaRPr lang="en-US" dirty="0"/>
           </a:p>
@@ -2881,7 +2881,7 @@
           <a:p>
             <a:fld id="{3A77B6E1-634A-48DC-9E8B-D894023267EF}" type="datetimeFigureOut">
               <a:rPr lang="en-US" smtClean="0"/>
-              <a:t>2/1/2015</a:t>
+              <a:t>2/2/2015</a:t>
             </a:fld>
             <a:endParaRPr lang="en-US" dirty="0"/>
           </a:p>
@@ -3063,7 +3063,7 @@
           <a:p>
             <a:fld id="{7B2D3E9E-A95C-48F2-B4BF-A71542E0BE9A}" type="datetimeFigureOut">
               <a:rPr lang="en-US" smtClean="0"/>
-              <a:t>2/1/2015</a:t>
+              <a:t>2/2/2015</a:t>
             </a:fld>
             <a:endParaRPr lang="en-US" dirty="0"/>
           </a:p>
@@ -3332,7 +3332,7 @@
             <a:fld id="{5586B75A-687E-405C-8A0B-8D00578BA2C3}" type="datetimeFigureOut">
               <a:rPr lang="en-US" smtClean="0"/>
               <a:pPr/>
-              <a:t>2/1/2015</a:t>
+              <a:t>2/2/2015</a:t>
             </a:fld>
             <a:endParaRPr lang="en-US" dirty="0"/>
           </a:p>
@@ -3633,7 +3633,7 @@
           <a:p>
             <a:fld id="{F12952B5-7A2F-4CC8-B7CE-9234E21C2837}" type="datetimeFigureOut">
               <a:rPr lang="en-US" smtClean="0"/>
-              <a:t>2/1/2015</a:t>
+              <a:t>2/2/2015</a:t>
             </a:fld>
             <a:endParaRPr lang="en-US" dirty="0"/>
           </a:p>
@@ -4083,7 +4083,7 @@
           <a:p>
             <a:fld id="{CE1DA07A-9201-4B4B-BAF2-015AFA30F520}" type="datetimeFigureOut">
               <a:rPr lang="en-US" smtClean="0"/>
-              <a:t>2/1/2015</a:t>
+              <a:t>2/2/2015</a:t>
             </a:fld>
             <a:endParaRPr lang="en-US" dirty="0"/>
           </a:p>
@@ -4213,7 +4213,7 @@
           <a:p>
             <a:fld id="{73D7E00A-486F-4252-8B1D-E32645521F49}" type="datetimeFigureOut">
               <a:rPr lang="en-US" smtClean="0"/>
-              <a:t>2/1/2015</a:t>
+              <a:t>2/2/2015</a:t>
             </a:fld>
             <a:endParaRPr lang="en-US" dirty="0"/>
           </a:p>
@@ -4320,7 +4320,7 @@
           <a:p>
             <a:fld id="{8DDF5F92-E675-4B36-9A60-69A962A68675}" type="datetimeFigureOut">
               <a:rPr lang="en-US" smtClean="0"/>
-              <a:t>2/1/2015</a:t>
+              <a:t>2/2/2015</a:t>
             </a:fld>
             <a:endParaRPr lang="en-US" dirty="0"/>
           </a:p>
@@ -4688,7 +4688,7 @@
           <a:p>
             <a:fld id="{AF6E2C9B-5FA2-460D-9BE7-B0812FC2A6FF}" type="datetimeFigureOut">
               <a:rPr lang="en-US" smtClean="0"/>
-              <a:t>2/1/2015</a:t>
+              <a:t>2/2/2015</a:t>
             </a:fld>
             <a:endParaRPr lang="en-US" dirty="0"/>
           </a:p>
@@ -5018,7 +5018,7 @@
             <a:fld id="{5586B75A-687E-405C-8A0B-8D00578BA2C3}" type="datetimeFigureOut">
               <a:rPr lang="en-US" smtClean="0"/>
               <a:pPr/>
-              <a:t>2/1/2015</a:t>
+              <a:t>2/2/2015</a:t>
             </a:fld>
             <a:endParaRPr lang="en-US" dirty="0"/>
           </a:p>
@@ -5265,7 +5265,7 @@
             <a:fld id="{5586B75A-687E-405C-8A0B-8D00578BA2C3}" type="datetimeFigureOut">
               <a:rPr lang="en-US" smtClean="0"/>
               <a:pPr/>
-              <a:t>2/1/2015</a:t>
+              <a:t>2/2/2015</a:t>
             </a:fld>
             <a:endParaRPr lang="en-US" dirty="0"/>
           </a:p>
@@ -5757,11 +5757,7 @@
           <a:p>
             <a:r>
               <a:rPr lang="en-US" dirty="0" smtClean="0"/>
-              <a:t>Decision tables &amp; Use </a:t>
-            </a:r>
-            <a:r>
-              <a:rPr lang="en-US" dirty="0" smtClean="0"/>
-              <a:t>cases</a:t>
+              <a:t>Decision tables &amp; Use cases</a:t>
             </a:r>
             <a:endParaRPr lang="en-US" dirty="0"/>
           </a:p>
@@ -5911,11 +5907,11 @@
   <p:clrMapOvr>
     <a:masterClrMapping/>
   </p:clrMapOvr>
-  <mc:AlternateContent xmlns:mc="http://schemas.openxmlformats.org/markup-compatibility/2006">
-    <mc:Choice xmlns:p14="http://schemas.microsoft.com/office/powerpoint/2010/main" Requires="p14">
+  <mc:AlternateContent xmlns:mc="http://schemas.openxmlformats.org/markup-compatibility/2006" xmlns:p14="http://schemas.microsoft.com/office/powerpoint/2010/main">
+    <mc:Choice Requires="p14">
       <p:transition p14:dur="0"/>
     </mc:Choice>
-    <mc:Fallback>
+    <mc:Fallback xmlns="">
       <p:transition/>
     </mc:Fallback>
   </mc:AlternateContent>
@@ -6099,11 +6095,11 @@
   <p:clrMapOvr>
     <a:masterClrMapping/>
   </p:clrMapOvr>
-  <mc:AlternateContent xmlns:mc="http://schemas.openxmlformats.org/markup-compatibility/2006">
-    <mc:Choice xmlns:p14="http://schemas.microsoft.com/office/powerpoint/2010/main" Requires="p14">
+  <mc:AlternateContent xmlns:mc="http://schemas.openxmlformats.org/markup-compatibility/2006" xmlns:p14="http://schemas.microsoft.com/office/powerpoint/2010/main">
+    <mc:Choice Requires="p14">
       <p:transition p14:dur="0"/>
     </mc:Choice>
-    <mc:Fallback>
+    <mc:Fallback xmlns="">
       <p:transition/>
     </mc:Fallback>
   </mc:AlternateContent>
@@ -6188,8 +6184,13 @@
             </a:r>
             <a:r>
               <a:rPr lang="en-CA" b="1" dirty="0" smtClean="0"/>
-              <a:t>nclude: When one action requires another.</a:t>
-            </a:r>
+              <a:t>nclude: When one action requires another</a:t>
+            </a:r>
+            <a:r>
+              <a:rPr lang="en-CA" b="1" dirty="0" smtClean="0"/>
+              <a:t>. Reuse an action</a:t>
+            </a:r>
+            <a:endParaRPr lang="en-CA" b="1" dirty="0" smtClean="0"/>
           </a:p>
           <a:p>
             <a:pPr marL="0" indent="0">
@@ -6470,11 +6471,7 @@
           <a:p>
             <a:r>
               <a:rPr lang="en-CA" dirty="0" smtClean="0"/>
-              <a:t>The VP Communication of ECSESS needs a new way to send the </a:t>
-            </a:r>
-            <a:r>
-              <a:rPr lang="en-CA" dirty="0" smtClean="0"/>
-              <a:t>livewire newsletter to the students in EE, SE and CE. Currently students send him emails and subsequently he sends an email blast to many people including those who do not wish to receive the live wire. </a:t>
+              <a:t>The VP Communication of ECSESS needs a new way to send the livewire newsletter to the students in EE, SE and CE. Currently students send him emails and subsequently he sends an email blast to many people including those who do not wish to receive the live wire. </a:t>
             </a:r>
           </a:p>
           <a:p>
@@ -6749,8 +6746,23 @@
             </a:pPr>
             <a:r>
               <a:rPr lang="en-CA" dirty="0" smtClean="0"/>
-              <a:t>Flow of events</a:t>
-            </a:r>
+              <a:t>Flow of </a:t>
+            </a:r>
+            <a:r>
+              <a:rPr lang="en-CA" dirty="0" smtClean="0"/>
+              <a:t>events</a:t>
+            </a:r>
+          </a:p>
+          <a:p>
+            <a:pPr marL="461772" lvl="1" indent="-457200">
+              <a:buFont typeface="+mj-lt"/>
+              <a:buAutoNum type="arabicPeriod"/>
+            </a:pPr>
+            <a:r>
+              <a:rPr lang="en-CA" dirty="0" smtClean="0"/>
+              <a:t>Exit condition</a:t>
+            </a:r>
+            <a:endParaRPr lang="en-CA" dirty="0" smtClean="0"/>
           </a:p>
           <a:p>
             <a:endParaRPr lang="en-CA" dirty="0"/>
@@ -6767,11 +6779,11 @@
   <p:clrMapOvr>
     <a:masterClrMapping/>
   </p:clrMapOvr>
-  <mc:AlternateContent xmlns:mc="http://schemas.openxmlformats.org/markup-compatibility/2006">
-    <mc:Choice xmlns:p14="http://schemas.microsoft.com/office/powerpoint/2010/main" Requires="p14">
+  <mc:AlternateContent xmlns:mc="http://schemas.openxmlformats.org/markup-compatibility/2006" xmlns:p14="http://schemas.microsoft.com/office/powerpoint/2010/main">
+    <mc:Choice Requires="p14">
       <p:transition p14:dur="0"/>
     </mc:Choice>
-    <mc:Fallback>
+    <mc:Fallback xmlns="">
       <p:transition/>
     </mc:Fallback>
   </mc:AlternateContent>
@@ -6885,11 +6897,11 @@
   <p:clrMapOvr>
     <a:masterClrMapping/>
   </p:clrMapOvr>
-  <mc:AlternateContent xmlns:mc="http://schemas.openxmlformats.org/markup-compatibility/2006">
-    <mc:Choice xmlns:p14="http://schemas.microsoft.com/office/powerpoint/2010/main" Requires="p14">
+  <mc:AlternateContent xmlns:mc="http://schemas.openxmlformats.org/markup-compatibility/2006" xmlns:p14="http://schemas.microsoft.com/office/powerpoint/2010/main">
+    <mc:Choice Requires="p14">
       <p:transition p14:dur="0"/>
     </mc:Choice>
-    <mc:Fallback>
+    <mc:Fallback xmlns="">
       <p:transition/>
     </mc:Fallback>
   </mc:AlternateContent>
@@ -7027,11 +7039,11 @@
   <p:clrMapOvr>
     <a:masterClrMapping/>
   </p:clrMapOvr>
-  <mc:AlternateContent xmlns:mc="http://schemas.openxmlformats.org/markup-compatibility/2006">
-    <mc:Choice xmlns:p14="http://schemas.microsoft.com/office/powerpoint/2010/main" Requires="p14">
+  <mc:AlternateContent xmlns:mc="http://schemas.openxmlformats.org/markup-compatibility/2006" xmlns:p14="http://schemas.microsoft.com/office/powerpoint/2010/main">
+    <mc:Choice Requires="p14">
       <p:transition p14:dur="0"/>
     </mc:Choice>
-    <mc:Fallback>
+    <mc:Fallback xmlns="">
       <p:transition/>
     </mc:Fallback>
   </mc:AlternateContent>
@@ -7145,11 +7157,11 @@
   <p:clrMapOvr>
     <a:masterClrMapping/>
   </p:clrMapOvr>
-  <mc:AlternateContent xmlns:mc="http://schemas.openxmlformats.org/markup-compatibility/2006">
-    <mc:Choice xmlns:p14="http://schemas.microsoft.com/office/powerpoint/2010/main" Requires="p14">
+  <mc:AlternateContent xmlns:mc="http://schemas.openxmlformats.org/markup-compatibility/2006" xmlns:p14="http://schemas.microsoft.com/office/powerpoint/2010/main">
+    <mc:Choice Requires="p14">
       <p:transition p14:dur="0"/>
     </mc:Choice>
-    <mc:Fallback>
+    <mc:Fallback xmlns="">
       <p:transition/>
     </mc:Fallback>
   </mc:AlternateContent>
@@ -7236,11 +7248,11 @@
   <p:clrMapOvr>
     <a:masterClrMapping/>
   </p:clrMapOvr>
-  <mc:AlternateContent xmlns:mc="http://schemas.openxmlformats.org/markup-compatibility/2006">
-    <mc:Choice xmlns:p14="http://schemas.microsoft.com/office/powerpoint/2010/main" Requires="p14">
+  <mc:AlternateContent xmlns:mc="http://schemas.openxmlformats.org/markup-compatibility/2006" xmlns:p14="http://schemas.microsoft.com/office/powerpoint/2010/main">
+    <mc:Choice Requires="p14">
       <p:transition p14:dur="0"/>
     </mc:Choice>
-    <mc:Fallback>
+    <mc:Fallback xmlns="">
       <p:transition/>
     </mc:Fallback>
   </mc:AlternateContent>
@@ -7328,11 +7340,6 @@
               </a:rPr>
               <a:t>Test Cases</a:t>
             </a:r>
-            <a:endParaRPr lang="en-CA" sz="2800" b="1" dirty="0" smtClean="0">
-              <a:solidFill>
-                <a:srgbClr val="7030A0"/>
-              </a:solidFill>
-            </a:endParaRPr>
           </a:p>
           <a:p>
             <a:pPr marL="285750" indent="-285750">
@@ -7361,11 +7368,6 @@
               </a:rPr>
               <a:t>Outcomes</a:t>
             </a:r>
-            <a:endParaRPr lang="en-CA" sz="2800" b="1" dirty="0" smtClean="0">
-              <a:solidFill>
-                <a:srgbClr val="C00000"/>
-              </a:solidFill>
-            </a:endParaRPr>
           </a:p>
           <a:p>
             <a:endParaRPr lang="en-CA" sz="2800" dirty="0"/>
@@ -7535,11 +7537,11 @@
   <p:clrMapOvr>
     <a:masterClrMapping/>
   </p:clrMapOvr>
-  <mc:AlternateContent xmlns:mc="http://schemas.openxmlformats.org/markup-compatibility/2006">
-    <mc:Choice xmlns:p14="http://schemas.microsoft.com/office/powerpoint/2010/main" Requires="p14">
+  <mc:AlternateContent xmlns:mc="http://schemas.openxmlformats.org/markup-compatibility/2006" xmlns:p14="http://schemas.microsoft.com/office/powerpoint/2010/main">
+    <mc:Choice Requires="p14">
       <p:transition p14:dur="0"/>
     </mc:Choice>
-    <mc:Fallback>
+    <mc:Fallback xmlns="">
       <p:transition/>
     </mc:Fallback>
   </mc:AlternateContent>
@@ -7617,15 +7619,7 @@
           <a:p>
             <a:r>
               <a:rPr lang="en-CA" dirty="0" smtClean="0"/>
-              <a:t>SRS Due </a:t>
-            </a:r>
-            <a:r>
-              <a:rPr lang="en-CA" dirty="0" smtClean="0"/>
-              <a:t>Sunday </a:t>
-            </a:r>
-            <a:r>
-              <a:rPr lang="en-CA" dirty="0" smtClean="0"/>
-              <a:t>FEB 15</a:t>
+              <a:t>SRS Due Sunday FEB 15</a:t>
             </a:r>
           </a:p>
           <a:p>
@@ -7650,11 +7644,11 @@
   <p:clrMapOvr>
     <a:masterClrMapping/>
   </p:clrMapOvr>
-  <mc:AlternateContent xmlns:mc="http://schemas.openxmlformats.org/markup-compatibility/2006">
-    <mc:Choice xmlns:p14="http://schemas.microsoft.com/office/powerpoint/2010/main" Requires="p14">
+  <mc:AlternateContent xmlns:mc="http://schemas.openxmlformats.org/markup-compatibility/2006" xmlns:p14="http://schemas.microsoft.com/office/powerpoint/2010/main">
+    <mc:Choice Requires="p14">
       <p:transition p14:dur="0"/>
     </mc:Choice>
-    <mc:Fallback>
+    <mc:Fallback xmlns="">
       <p:transition/>
     </mc:Fallback>
   </mc:AlternateContent>
@@ -7741,7 +7735,6 @@
               <a:rPr lang="en-CA" dirty="0" smtClean="0"/>
               <a:t>Sample SRS on My Courses</a:t>
             </a:r>
-            <a:endParaRPr lang="en-CA" dirty="0" smtClean="0"/>
           </a:p>
           <a:p>
             <a:pPr marL="457200" indent="-457200">
@@ -7901,11 +7894,11 @@
   <p:clrMapOvr>
     <a:masterClrMapping/>
   </p:clrMapOvr>
-  <mc:AlternateContent xmlns:mc="http://schemas.openxmlformats.org/markup-compatibility/2006">
-    <mc:Choice xmlns:p14="http://schemas.microsoft.com/office/powerpoint/2010/main" Requires="p14">
+  <mc:AlternateContent xmlns:mc="http://schemas.openxmlformats.org/markup-compatibility/2006" xmlns:p14="http://schemas.microsoft.com/office/powerpoint/2010/main">
+    <mc:Choice Requires="p14">
       <p:transition p14:dur="0"/>
     </mc:Choice>
-    <mc:Fallback>
+    <mc:Fallback xmlns="">
       <p:transition/>
     </mc:Fallback>
   </mc:AlternateContent>
@@ -8632,11 +8625,11 @@
   <p:clrMapOvr>
     <a:masterClrMapping/>
   </p:clrMapOvr>
-  <mc:AlternateContent xmlns:mc="http://schemas.openxmlformats.org/markup-compatibility/2006">
-    <mc:Choice xmlns:p14="http://schemas.microsoft.com/office/powerpoint/2010/main" Requires="p14">
+  <mc:AlternateContent xmlns:mc="http://schemas.openxmlformats.org/markup-compatibility/2006" xmlns:p14="http://schemas.microsoft.com/office/powerpoint/2010/main">
+    <mc:Choice Requires="p14">
       <p:transition p14:dur="0"/>
     </mc:Choice>
-    <mc:Fallback>
+    <mc:Fallback xmlns="">
       <p:transition/>
     </mc:Fallback>
   </mc:AlternateContent>
@@ -9375,11 +9368,11 @@
   <p:clrMapOvr>
     <a:masterClrMapping/>
   </p:clrMapOvr>
-  <mc:AlternateContent xmlns:mc="http://schemas.openxmlformats.org/markup-compatibility/2006">
-    <mc:Choice xmlns:p14="http://schemas.microsoft.com/office/powerpoint/2010/main" Requires="p14">
+  <mc:AlternateContent xmlns:mc="http://schemas.openxmlformats.org/markup-compatibility/2006" xmlns:p14="http://schemas.microsoft.com/office/powerpoint/2010/main">
+    <mc:Choice Requires="p14">
       <p:transition p14:dur="0"/>
     </mc:Choice>
-    <mc:Fallback>
+    <mc:Fallback xmlns="">
       <p:transition/>
     </mc:Fallback>
   </mc:AlternateContent>
@@ -10130,11 +10123,11 @@
   <p:clrMapOvr>
     <a:masterClrMapping/>
   </p:clrMapOvr>
-  <mc:AlternateContent xmlns:mc="http://schemas.openxmlformats.org/markup-compatibility/2006">
-    <mc:Choice xmlns:p14="http://schemas.microsoft.com/office/powerpoint/2010/main" Requires="p14">
+  <mc:AlternateContent xmlns:mc="http://schemas.openxmlformats.org/markup-compatibility/2006" xmlns:p14="http://schemas.microsoft.com/office/powerpoint/2010/main">
+    <mc:Choice Requires="p14">
       <p:transition p14:dur="0"/>
     </mc:Choice>
-    <mc:Fallback>
+    <mc:Fallback xmlns="">
       <p:transition/>
     </mc:Fallback>
   </mc:AlternateContent>
@@ -10897,11 +10890,11 @@
   <p:clrMapOvr>
     <a:masterClrMapping/>
   </p:clrMapOvr>
-  <mc:AlternateContent xmlns:mc="http://schemas.openxmlformats.org/markup-compatibility/2006">
-    <mc:Choice xmlns:p14="http://schemas.microsoft.com/office/powerpoint/2010/main" Requires="p14">
+  <mc:AlternateContent xmlns:mc="http://schemas.openxmlformats.org/markup-compatibility/2006" xmlns:p14="http://schemas.microsoft.com/office/powerpoint/2010/main">
+    <mc:Choice Requires="p14">
       <p:transition p14:dur="0"/>
     </mc:Choice>
-    <mc:Fallback>
+    <mc:Fallback xmlns="">
       <p:transition/>
     </mc:Fallback>
   </mc:AlternateContent>
@@ -10973,7 +10966,7 @@
             <p:ph idx="1"/>
             <p:extLst>
               <p:ext uri="{D42A27DB-BD31-4B8C-83A1-F6EECF244321}">
-                <p14:modId xmlns:p14="http://schemas.microsoft.com/office/powerpoint/2010/main" val="1436671167"/>
+                <p14:modId xmlns:p14="http://schemas.microsoft.com/office/powerpoint/2010/main" val="2946009059"/>
               </p:ext>
             </p:extLst>
           </p:nvPr>
@@ -11582,7 +11575,7 @@
                     <a:p>
                       <a:r>
                         <a:rPr lang="en-CA" dirty="0" smtClean="0"/>
-                        <a:t>N</a:t>
+                        <a:t>Y</a:t>
                       </a:r>
                       <a:endParaRPr lang="en-CA" dirty="0"/>
                     </a:p>
@@ -11676,11 +11669,11 @@
   <p:clrMapOvr>
     <a:masterClrMapping/>
   </p:clrMapOvr>
-  <mc:AlternateContent xmlns:mc="http://schemas.openxmlformats.org/markup-compatibility/2006">
-    <mc:Choice xmlns:p14="http://schemas.microsoft.com/office/powerpoint/2010/main" Requires="p14">
+  <mc:AlternateContent xmlns:mc="http://schemas.openxmlformats.org/markup-compatibility/2006" xmlns:p14="http://schemas.microsoft.com/office/powerpoint/2010/main">
+    <mc:Choice Requires="p14">
       <p:transition p14:dur="0"/>
     </mc:Choice>
-    <mc:Fallback>
+    <mc:Fallback xmlns="">
       <p:transition/>
     </mc:Fallback>
   </mc:AlternateContent>
@@ -11781,11 +11774,11 @@
   <p:clrMapOvr>
     <a:masterClrMapping/>
   </p:clrMapOvr>
-  <mc:AlternateContent xmlns:mc="http://schemas.openxmlformats.org/markup-compatibility/2006">
-    <mc:Choice xmlns:p14="http://schemas.microsoft.com/office/powerpoint/2010/main" Requires="p14">
+  <mc:AlternateContent xmlns:mc="http://schemas.openxmlformats.org/markup-compatibility/2006" xmlns:p14="http://schemas.microsoft.com/office/powerpoint/2010/main">
+    <mc:Choice Requires="p14">
       <p:transition p14:dur="0"/>
     </mc:Choice>
-    <mc:Fallback>
+    <mc:Fallback xmlns="">
       <p:transition/>
     </mc:Fallback>
   </mc:AlternateContent>
@@ -12298,18 +12291,18 @@
 </file>
 
 <file path=customXml/item1.xml><?xml version="1.0" encoding="utf-8"?>
-<p:properties xmlns:p="http://schemas.microsoft.com/office/2006/metadata/properties" xmlns:xsi="http://www.w3.org/2001/XMLSchema-instance" xmlns:pc="http://schemas.microsoft.com/office/infopath/2007/PartnerControls">
-  <documentManagement/>
-</p:properties>
-</file>
-
-<file path=customXml/item2.xml><?xml version="1.0" encoding="utf-8"?>
 <?mso-contentType ?>
 <FormTemplates xmlns="http://schemas.microsoft.com/sharepoint/v3/contenttype/forms">
   <Display>DocumentLibraryForm</Display>
   <Edit>DocumentLibraryForm</Edit>
   <New>DocumentLibraryForm</New>
 </FormTemplates>
+</file>
+
+<file path=customXml/item2.xml><?xml version="1.0" encoding="utf-8"?>
+<p:properties xmlns:p="http://schemas.microsoft.com/office/2006/metadata/properties" xmlns:xsi="http://www.w3.org/2001/XMLSchema-instance" xmlns:pc="http://schemas.microsoft.com/office/infopath/2007/PartnerControls">
+  <documentManagement/>
+</p:properties>
 </file>
 
 <file path=customXml/item3.xml><?xml version="1.0" encoding="utf-8"?>
@@ -12427,6 +12420,14 @@
 </file>
 
 <file path=customXml/itemProps1.xml><?xml version="1.0" encoding="utf-8"?>
+<ds:datastoreItem xmlns:ds="http://schemas.openxmlformats.org/officeDocument/2006/customXml" ds:itemID="{76B64549-C1F2-49EA-8B2D-5EF61BF1CE56}">
+  <ds:schemaRefs>
+    <ds:schemaRef ds:uri="http://schemas.microsoft.com/sharepoint/v3/contenttype/forms"/>
+  </ds:schemaRefs>
+</ds:datastoreItem>
+</file>
+
+<file path=customXml/itemProps2.xml><?xml version="1.0" encoding="utf-8"?>
 <ds:datastoreItem xmlns:ds="http://schemas.openxmlformats.org/officeDocument/2006/customXml" ds:itemID="{FF71E0A8-DA6F-4DC5-84AA-9AE90625C277}">
   <ds:schemaRefs>
     <ds:schemaRef ds:uri="http://schemas.microsoft.com/office/2006/metadata/properties"/>
@@ -12437,14 +12438,6 @@
     <ds:schemaRef ds:uri="http://schemas.microsoft.com/office/infopath/2007/PartnerControls"/>
     <ds:schemaRef ds:uri="http://schemas.openxmlformats.org/package/2006/metadata/core-properties"/>
     <ds:schemaRef ds:uri="http://www.w3.org/XML/1998/namespace"/>
-  </ds:schemaRefs>
-</ds:datastoreItem>
-</file>
-
-<file path=customXml/itemProps2.xml><?xml version="1.0" encoding="utf-8"?>
-<ds:datastoreItem xmlns:ds="http://schemas.openxmlformats.org/officeDocument/2006/customXml" ds:itemID="{76B64549-C1F2-49EA-8B2D-5EF61BF1CE56}">
-  <ds:schemaRefs>
-    <ds:schemaRef ds:uri="http://schemas.microsoft.com/sharepoint/v3/contenttype/forms"/>
   </ds:schemaRefs>
 </ds:datastoreItem>
 </file>
